--- a/文档/正式文档/岩生网（在线答题系统）.pptx
+++ b/文档/正式文档/岩生网（在线答题系统）.pptx
@@ -3,32 +3,31 @@
 <p:presentation xmlns:a="http://schemas.openxmlformats.org/drawingml/2006/main" xmlns:r="http://schemas.openxmlformats.org/officeDocument/2006/relationships" xmlns:p="http://schemas.openxmlformats.org/presentationml/2006/main">
   <p:sldMasterIdLst>
     <p:sldMasterId id="2147483648" r:id="rId1"/>
-    <p:sldMasterId id="2147483661" r:id="rId2"/>
-    <p:sldMasterId id="2147483675" r:id="rId3"/>
-    <p:sldMasterId id="2147483687" r:id="rId4"/>
-    <p:sldMasterId id="2147483699" r:id="rId5"/>
-    <p:sldMasterId id="2147483711" r:id="rId6"/>
+    <p:sldMasterId id="2147483661" r:id="rId3"/>
+    <p:sldMasterId id="2147483675" r:id="rId4"/>
+    <p:sldMasterId id="2147483687" r:id="rId5"/>
+    <p:sldMasterId id="2147483699" r:id="rId6"/>
+    <p:sldMasterId id="2147483711" r:id="rId7"/>
   </p:sldMasterIdLst>
   <p:notesMasterIdLst>
-    <p:notesMasterId r:id="rId17"/>
+    <p:notesMasterId r:id="rId9"/>
   </p:notesMasterIdLst>
   <p:handoutMasterIdLst>
     <p:handoutMasterId r:id="rId18"/>
   </p:handoutMasterIdLst>
   <p:sldIdLst>
-    <p:sldId id="1617" r:id="rId7"/>
-    <p:sldId id="2169" r:id="rId8"/>
-    <p:sldId id="2180" r:id="rId9"/>
-    <p:sldId id="2200" r:id="rId10"/>
-    <p:sldId id="2181" r:id="rId11"/>
-    <p:sldId id="2195" r:id="rId12"/>
-    <p:sldId id="2170" r:id="rId13"/>
-    <p:sldId id="2194" r:id="rId14"/>
-    <p:sldId id="2158" r:id="rId15"/>
-    <p:sldId id="2168" r:id="rId16"/>
+    <p:sldId id="1617" r:id="rId8"/>
+    <p:sldId id="2169" r:id="rId10"/>
+    <p:sldId id="2180" r:id="rId11"/>
+    <p:sldId id="2200" r:id="rId12"/>
+    <p:sldId id="2181" r:id="rId13"/>
+    <p:sldId id="2195" r:id="rId14"/>
+    <p:sldId id="2170" r:id="rId15"/>
+    <p:sldId id="2194" r:id="rId16"/>
+    <p:sldId id="2168" r:id="rId17"/>
   </p:sldIdLst>
   <p:sldSz cx="9144000" cy="6858000" type="screen4x3"/>
-  <p:notesSz cx="6754813" cy="9866313"/>
+  <p:notesSz cx="6754495" cy="9865995"/>
   <p:defaultTextStyle>
     <a:defPPr>
       <a:defRPr lang="zh-CN"/>
@@ -154,36 +153,6 @@
       </a:defRPr>
     </a:lvl9pPr>
   </p:defaultTextStyle>
-  <p:extLst>
-    <p:ext uri="{EFAFB233-063F-42B5-8137-9DF3F51BA10A}">
-      <p15:sldGuideLst xmlns:p15="http://schemas.microsoft.com/office/powerpoint/2012/main">
-        <p15:guide id="1" orient="horz" pos="2174">
-          <p15:clr>
-            <a:srgbClr val="A4A3A4"/>
-          </p15:clr>
-        </p15:guide>
-        <p15:guide id="2" pos="2932">
-          <p15:clr>
-            <a:srgbClr val="A4A3A4"/>
-          </p15:clr>
-        </p15:guide>
-      </p15:sldGuideLst>
-    </p:ext>
-    <p:ext uri="{2D200454-40CA-4A62-9FC3-DE9A4176ACB9}">
-      <p15:notesGuideLst xmlns:p15="http://schemas.microsoft.com/office/powerpoint/2012/main">
-        <p15:guide id="1" orient="horz" pos="3128">
-          <p15:clr>
-            <a:srgbClr val="A4A3A4"/>
-          </p15:clr>
-        </p15:guide>
-        <p15:guide id="2" pos="2127">
-          <p15:clr>
-            <a:srgbClr val="A4A3A4"/>
-          </p15:clr>
-        </p15:guide>
-      </p15:notesGuideLst>
-    </p:ext>
-  </p:extLst>
 </p:presentation>
 </file>
 
@@ -300,7 +269,6 @@
             </a:pPr>
             <a:fld id="{B6771895-EF2B-4AFA-9078-292D54A584ED}" type="datetimeFigureOut">
               <a:rPr lang="zh-CN" altLang="en-US"/>
-              <a:t>2018/11/24</a:t>
             </a:fld>
             <a:endParaRPr lang="en-US" altLang="zh-CN"/>
           </a:p>
@@ -394,7 +362,6 @@
             </a:pPr>
             <a:fld id="{6B4AD2F6-A29F-4361-95DD-C0B589CC8CE5}" type="slidenum">
               <a:rPr lang="zh-CN" altLang="en-US"/>
-              <a:t>‹#›</a:t>
             </a:fld>
             <a:endParaRPr lang="en-US" altLang="zh-CN"/>
           </a:p>
@@ -577,6 +544,7 @@
               <a:rPr lang="zh-CN" altLang="en-US" noProof="0"/>
               <a:t>单击此处编辑母版文本样式</a:t>
             </a:r>
+            <a:endParaRPr lang="zh-CN" altLang="en-US" noProof="0"/>
           </a:p>
           <a:p>
             <a:pPr lvl="1"/>
@@ -584,6 +552,7 @@
               <a:rPr lang="zh-CN" altLang="en-US" noProof="0"/>
               <a:t>第二级</a:t>
             </a:r>
+            <a:endParaRPr lang="zh-CN" altLang="en-US" noProof="0"/>
           </a:p>
           <a:p>
             <a:pPr lvl="2"/>
@@ -591,6 +560,7 @@
               <a:rPr lang="zh-CN" altLang="en-US" noProof="0"/>
               <a:t>第三级</a:t>
             </a:r>
+            <a:endParaRPr lang="zh-CN" altLang="en-US" noProof="0"/>
           </a:p>
           <a:p>
             <a:pPr lvl="3"/>
@@ -598,6 +568,7 @@
               <a:rPr lang="zh-CN" altLang="en-US" noProof="0"/>
               <a:t>第四级</a:t>
             </a:r>
+            <a:endParaRPr lang="zh-CN" altLang="en-US" noProof="0"/>
           </a:p>
           <a:p>
             <a:pPr lvl="4"/>
@@ -605,6 +576,7 @@
               <a:rPr lang="zh-CN" altLang="en-US" noProof="0"/>
               <a:t>第五级</a:t>
             </a:r>
+            <a:endParaRPr lang="zh-CN" altLang="en-US" noProof="0"/>
           </a:p>
         </p:txBody>
       </p:sp>
@@ -694,7 +666,6 @@
             </a:pPr>
             <a:fld id="{6B87A2F5-4912-42A0-BAC2-201051E3DB3F}" type="slidenum">
               <a:rPr lang="en-US"/>
-              <a:t>‹#›</a:t>
             </a:fld>
             <a:endParaRPr lang="en-US"/>
           </a:p>
@@ -954,18 +925,12 @@
             </a:pPr>
             <a:fld id="{6B87A2F5-4912-42A0-BAC2-201051E3DB3F}" type="slidenum">
               <a:rPr lang="en-US" smtClean="0"/>
-              <a:t>5</a:t>
             </a:fld>
             <a:endParaRPr lang="en-US"/>
           </a:p>
         </p:txBody>
       </p:sp>
     </p:spTree>
-    <p:extLst>
-      <p:ext uri="{BB962C8B-B14F-4D97-AF65-F5344CB8AC3E}">
-        <p14:creationId xmlns:p14="http://schemas.microsoft.com/office/powerpoint/2010/main" val="2407274937"/>
-      </p:ext>
-    </p:extLst>
   </p:cSld>
   <p:clrMapOvr>
     <a:masterClrMapping/>
@@ -1012,7 +977,6 @@
                 <a:latin typeface="Arial" panose="020B0604020202020204" pitchFamily="34" charset="0"/>
                 <a:ea typeface="宋体" panose="02010600030101010101" pitchFamily="2" charset="-122"/>
               </a:rPr>
-              <a:t>10</a:t>
             </a:fld>
             <a:endParaRPr lang="en-US" altLang="zh-CN">
               <a:latin typeface="Arial" panose="020B0604020202020204" pitchFamily="34" charset="0"/>
@@ -1106,6 +1070,7 @@
               <a:rPr lang="zh-CN" altLang="en-US"/>
               <a:t>单击此处编辑母版标题样式</a:t>
             </a:r>
+            <a:endParaRPr lang="zh-CN" altLang="en-US"/>
           </a:p>
         </p:txBody>
       </p:sp>
@@ -1170,6 +1135,7 @@
               <a:rPr lang="zh-CN" altLang="en-US"/>
               <a:t>单击此处编辑母版副标题样式</a:t>
             </a:r>
+            <a:endParaRPr lang="zh-CN" altLang="en-US"/>
           </a:p>
         </p:txBody>
       </p:sp>
@@ -1218,6 +1184,7 @@
               <a:rPr lang="zh-CN" altLang="en-US"/>
               <a:t>单击此处编辑母版标题样式</a:t>
             </a:r>
+            <a:endParaRPr lang="zh-CN" altLang="en-US"/>
           </a:p>
         </p:txBody>
       </p:sp>
@@ -1241,6 +1208,7 @@
               <a:rPr lang="zh-CN" altLang="en-US"/>
               <a:t>单击此处编辑母版文本样式</a:t>
             </a:r>
+            <a:endParaRPr lang="zh-CN" altLang="en-US"/>
           </a:p>
           <a:p>
             <a:pPr lvl="1"/>
@@ -1248,6 +1216,7 @@
               <a:rPr lang="zh-CN" altLang="en-US"/>
               <a:t>第二级</a:t>
             </a:r>
+            <a:endParaRPr lang="zh-CN" altLang="en-US"/>
           </a:p>
           <a:p>
             <a:pPr lvl="2"/>
@@ -1255,6 +1224,7 @@
               <a:rPr lang="zh-CN" altLang="en-US"/>
               <a:t>第三级</a:t>
             </a:r>
+            <a:endParaRPr lang="zh-CN" altLang="en-US"/>
           </a:p>
           <a:p>
             <a:pPr lvl="3"/>
@@ -1262,6 +1232,7 @@
               <a:rPr lang="zh-CN" altLang="en-US"/>
               <a:t>第四级</a:t>
             </a:r>
+            <a:endParaRPr lang="zh-CN" altLang="en-US"/>
           </a:p>
           <a:p>
             <a:pPr lvl="4"/>
@@ -1269,6 +1240,7 @@
               <a:rPr lang="zh-CN" altLang="en-US"/>
               <a:t>第五级</a:t>
             </a:r>
+            <a:endParaRPr lang="zh-CN" altLang="en-US"/>
           </a:p>
         </p:txBody>
       </p:sp>
@@ -1322,6 +1294,7 @@
               <a:rPr lang="zh-CN" altLang="en-US"/>
               <a:t>单击此处编辑母版标题样式</a:t>
             </a:r>
+            <a:endParaRPr lang="zh-CN" altLang="en-US"/>
           </a:p>
         </p:txBody>
       </p:sp>
@@ -1350,6 +1323,7 @@
               <a:rPr lang="zh-CN" altLang="en-US"/>
               <a:t>单击此处编辑母版文本样式</a:t>
             </a:r>
+            <a:endParaRPr lang="zh-CN" altLang="en-US"/>
           </a:p>
           <a:p>
             <a:pPr lvl="1"/>
@@ -1357,6 +1331,7 @@
               <a:rPr lang="zh-CN" altLang="en-US"/>
               <a:t>第二级</a:t>
             </a:r>
+            <a:endParaRPr lang="zh-CN" altLang="en-US"/>
           </a:p>
           <a:p>
             <a:pPr lvl="2"/>
@@ -1364,6 +1339,7 @@
               <a:rPr lang="zh-CN" altLang="en-US"/>
               <a:t>第三级</a:t>
             </a:r>
+            <a:endParaRPr lang="zh-CN" altLang="en-US"/>
           </a:p>
           <a:p>
             <a:pPr lvl="3"/>
@@ -1371,6 +1347,7 @@
               <a:rPr lang="zh-CN" altLang="en-US"/>
               <a:t>第四级</a:t>
             </a:r>
+            <a:endParaRPr lang="zh-CN" altLang="en-US"/>
           </a:p>
           <a:p>
             <a:pPr lvl="4"/>
@@ -1378,6 +1355,7 @@
               <a:rPr lang="zh-CN" altLang="en-US"/>
               <a:t>第五级</a:t>
             </a:r>
+            <a:endParaRPr lang="zh-CN" altLang="en-US"/>
           </a:p>
         </p:txBody>
       </p:sp>
@@ -1431,6 +1409,7 @@
               <a:rPr lang="zh-CN" altLang="en-US"/>
               <a:t>单击此处编辑母版标题样式</a:t>
             </a:r>
+            <a:endParaRPr lang="zh-CN" altLang="en-US"/>
           </a:p>
         </p:txBody>
       </p:sp>
@@ -1509,6 +1488,7 @@
               <a:rPr lang="zh-CN" altLang="en-US"/>
               <a:t>单击此处编辑母版标题样式</a:t>
             </a:r>
+            <a:endParaRPr lang="zh-CN" altLang="en-US"/>
           </a:p>
         </p:txBody>
       </p:sp>
@@ -1573,6 +1553,7 @@
               <a:rPr lang="zh-CN" altLang="en-US"/>
               <a:t>单击此处编辑母版副标题样式</a:t>
             </a:r>
+            <a:endParaRPr lang="zh-CN" altLang="en-US"/>
           </a:p>
         </p:txBody>
       </p:sp>
@@ -1621,6 +1602,7 @@
               <a:rPr lang="zh-CN" altLang="en-US"/>
               <a:t>单击此处编辑母版标题样式</a:t>
             </a:r>
+            <a:endParaRPr lang="zh-CN" altLang="en-US"/>
           </a:p>
         </p:txBody>
       </p:sp>
@@ -1644,6 +1626,7 @@
               <a:rPr lang="zh-CN" altLang="en-US"/>
               <a:t>单击此处编辑母版文本样式</a:t>
             </a:r>
+            <a:endParaRPr lang="zh-CN" altLang="en-US"/>
           </a:p>
           <a:p>
             <a:pPr lvl="1"/>
@@ -1651,6 +1634,7 @@
               <a:rPr lang="zh-CN" altLang="en-US"/>
               <a:t>第二级</a:t>
             </a:r>
+            <a:endParaRPr lang="zh-CN" altLang="en-US"/>
           </a:p>
           <a:p>
             <a:pPr lvl="2"/>
@@ -1658,6 +1642,7 @@
               <a:rPr lang="zh-CN" altLang="en-US"/>
               <a:t>第三级</a:t>
             </a:r>
+            <a:endParaRPr lang="zh-CN" altLang="en-US"/>
           </a:p>
           <a:p>
             <a:pPr lvl="3"/>
@@ -1665,6 +1650,7 @@
               <a:rPr lang="zh-CN" altLang="en-US"/>
               <a:t>第四级</a:t>
             </a:r>
+            <a:endParaRPr lang="zh-CN" altLang="en-US"/>
           </a:p>
           <a:p>
             <a:pPr lvl="4"/>
@@ -1672,6 +1658,7 @@
               <a:rPr lang="zh-CN" altLang="en-US"/>
               <a:t>第五级</a:t>
             </a:r>
+            <a:endParaRPr lang="zh-CN" altLang="en-US"/>
           </a:p>
         </p:txBody>
       </p:sp>
@@ -1729,6 +1716,7 @@
               <a:rPr lang="zh-CN" altLang="en-US"/>
               <a:t>单击此处编辑母版标题样式</a:t>
             </a:r>
+            <a:endParaRPr lang="zh-CN" altLang="en-US"/>
           </a:p>
         </p:txBody>
       </p:sp>
@@ -1794,6 +1782,7 @@
               <a:rPr lang="zh-CN" altLang="en-US"/>
               <a:t>单击此处编辑母版文本样式</a:t>
             </a:r>
+            <a:endParaRPr lang="zh-CN" altLang="en-US"/>
           </a:p>
         </p:txBody>
       </p:sp>
@@ -1842,6 +1831,7 @@
               <a:rPr lang="zh-CN" altLang="en-US"/>
               <a:t>单击此处编辑母版标题样式</a:t>
             </a:r>
+            <a:endParaRPr lang="zh-CN" altLang="en-US"/>
           </a:p>
         </p:txBody>
       </p:sp>
@@ -1898,6 +1888,7 @@
               <a:rPr lang="zh-CN" altLang="en-US"/>
               <a:t>单击此处编辑母版文本样式</a:t>
             </a:r>
+            <a:endParaRPr lang="zh-CN" altLang="en-US"/>
           </a:p>
           <a:p>
             <a:pPr lvl="1"/>
@@ -1905,6 +1896,7 @@
               <a:rPr lang="zh-CN" altLang="en-US"/>
               <a:t>第二级</a:t>
             </a:r>
+            <a:endParaRPr lang="zh-CN" altLang="en-US"/>
           </a:p>
           <a:p>
             <a:pPr lvl="2"/>
@@ -1912,6 +1904,7 @@
               <a:rPr lang="zh-CN" altLang="en-US"/>
               <a:t>第三级</a:t>
             </a:r>
+            <a:endParaRPr lang="zh-CN" altLang="en-US"/>
           </a:p>
           <a:p>
             <a:pPr lvl="3"/>
@@ -1919,6 +1912,7 @@
               <a:rPr lang="zh-CN" altLang="en-US"/>
               <a:t>第四级</a:t>
             </a:r>
+            <a:endParaRPr lang="zh-CN" altLang="en-US"/>
           </a:p>
           <a:p>
             <a:pPr lvl="4"/>
@@ -1926,6 +1920,7 @@
               <a:rPr lang="zh-CN" altLang="en-US"/>
               <a:t>第五级</a:t>
             </a:r>
+            <a:endParaRPr lang="zh-CN" altLang="en-US"/>
           </a:p>
         </p:txBody>
       </p:sp>
@@ -1982,6 +1977,7 @@
               <a:rPr lang="zh-CN" altLang="en-US"/>
               <a:t>单击此处编辑母版文本样式</a:t>
             </a:r>
+            <a:endParaRPr lang="zh-CN" altLang="en-US"/>
           </a:p>
           <a:p>
             <a:pPr lvl="1"/>
@@ -1989,6 +1985,7 @@
               <a:rPr lang="zh-CN" altLang="en-US"/>
               <a:t>第二级</a:t>
             </a:r>
+            <a:endParaRPr lang="zh-CN" altLang="en-US"/>
           </a:p>
           <a:p>
             <a:pPr lvl="2"/>
@@ -1996,6 +1993,7 @@
               <a:rPr lang="zh-CN" altLang="en-US"/>
               <a:t>第三级</a:t>
             </a:r>
+            <a:endParaRPr lang="zh-CN" altLang="en-US"/>
           </a:p>
           <a:p>
             <a:pPr lvl="3"/>
@@ -2003,6 +2001,7 @@
               <a:rPr lang="zh-CN" altLang="en-US"/>
               <a:t>第四级</a:t>
             </a:r>
+            <a:endParaRPr lang="zh-CN" altLang="en-US"/>
           </a:p>
           <a:p>
             <a:pPr lvl="4"/>
@@ -2010,6 +2009,7 @@
               <a:rPr lang="zh-CN" altLang="en-US"/>
               <a:t>第五级</a:t>
             </a:r>
+            <a:endParaRPr lang="zh-CN" altLang="en-US"/>
           </a:p>
         </p:txBody>
       </p:sp>
@@ -2067,6 +2067,7 @@
               <a:rPr lang="zh-CN" altLang="en-US"/>
               <a:t>单击此处编辑母版标题样式</a:t>
             </a:r>
+            <a:endParaRPr lang="zh-CN" altLang="en-US"/>
           </a:p>
         </p:txBody>
       </p:sp>
@@ -2132,6 +2133,7 @@
               <a:rPr lang="zh-CN" altLang="en-US"/>
               <a:t>单击此处编辑母版文本样式</a:t>
             </a:r>
+            <a:endParaRPr lang="zh-CN" altLang="en-US"/>
           </a:p>
         </p:txBody>
       </p:sp>
@@ -2188,6 +2190,7 @@
               <a:rPr lang="zh-CN" altLang="en-US"/>
               <a:t>单击此处编辑母版文本样式</a:t>
             </a:r>
+            <a:endParaRPr lang="zh-CN" altLang="en-US"/>
           </a:p>
           <a:p>
             <a:pPr lvl="1"/>
@@ -2195,6 +2198,7 @@
               <a:rPr lang="zh-CN" altLang="en-US"/>
               <a:t>第二级</a:t>
             </a:r>
+            <a:endParaRPr lang="zh-CN" altLang="en-US"/>
           </a:p>
           <a:p>
             <a:pPr lvl="2"/>
@@ -2202,6 +2206,7 @@
               <a:rPr lang="zh-CN" altLang="en-US"/>
               <a:t>第三级</a:t>
             </a:r>
+            <a:endParaRPr lang="zh-CN" altLang="en-US"/>
           </a:p>
           <a:p>
             <a:pPr lvl="3"/>
@@ -2209,6 +2214,7 @@
               <a:rPr lang="zh-CN" altLang="en-US"/>
               <a:t>第四级</a:t>
             </a:r>
+            <a:endParaRPr lang="zh-CN" altLang="en-US"/>
           </a:p>
           <a:p>
             <a:pPr lvl="4"/>
@@ -2216,6 +2222,7 @@
               <a:rPr lang="zh-CN" altLang="en-US"/>
               <a:t>第五级</a:t>
             </a:r>
+            <a:endParaRPr lang="zh-CN" altLang="en-US"/>
           </a:p>
         </p:txBody>
       </p:sp>
@@ -2281,6 +2288,7 @@
               <a:rPr lang="zh-CN" altLang="en-US"/>
               <a:t>单击此处编辑母版文本样式</a:t>
             </a:r>
+            <a:endParaRPr lang="zh-CN" altLang="en-US"/>
           </a:p>
         </p:txBody>
       </p:sp>
@@ -2337,6 +2345,7 @@
               <a:rPr lang="zh-CN" altLang="en-US"/>
               <a:t>单击此处编辑母版文本样式</a:t>
             </a:r>
+            <a:endParaRPr lang="zh-CN" altLang="en-US"/>
           </a:p>
           <a:p>
             <a:pPr lvl="1"/>
@@ -2344,6 +2353,7 @@
               <a:rPr lang="zh-CN" altLang="en-US"/>
               <a:t>第二级</a:t>
             </a:r>
+            <a:endParaRPr lang="zh-CN" altLang="en-US"/>
           </a:p>
           <a:p>
             <a:pPr lvl="2"/>
@@ -2351,6 +2361,7 @@
               <a:rPr lang="zh-CN" altLang="en-US"/>
               <a:t>第三级</a:t>
             </a:r>
+            <a:endParaRPr lang="zh-CN" altLang="en-US"/>
           </a:p>
           <a:p>
             <a:pPr lvl="3"/>
@@ -2358,6 +2369,7 @@
               <a:rPr lang="zh-CN" altLang="en-US"/>
               <a:t>第四级</a:t>
             </a:r>
+            <a:endParaRPr lang="zh-CN" altLang="en-US"/>
           </a:p>
           <a:p>
             <a:pPr lvl="4"/>
@@ -2365,6 +2377,7 @@
               <a:rPr lang="zh-CN" altLang="en-US"/>
               <a:t>第五级</a:t>
             </a:r>
+            <a:endParaRPr lang="zh-CN" altLang="en-US"/>
           </a:p>
         </p:txBody>
       </p:sp>
@@ -2413,6 +2426,7 @@
               <a:rPr lang="zh-CN" altLang="en-US"/>
               <a:t>单击此处编辑母版标题样式</a:t>
             </a:r>
+            <a:endParaRPr lang="zh-CN" altLang="en-US"/>
           </a:p>
         </p:txBody>
       </p:sp>
@@ -2487,6 +2501,7 @@
               <a:rPr lang="zh-CN" altLang="en-US"/>
               <a:t>单击此处编辑母版标题样式</a:t>
             </a:r>
+            <a:endParaRPr lang="zh-CN" altLang="en-US"/>
           </a:p>
         </p:txBody>
       </p:sp>
@@ -2510,6 +2525,7 @@
               <a:rPr lang="zh-CN" altLang="en-US"/>
               <a:t>单击此处编辑母版文本样式</a:t>
             </a:r>
+            <a:endParaRPr lang="zh-CN" altLang="en-US"/>
           </a:p>
           <a:p>
             <a:pPr lvl="1"/>
@@ -2517,6 +2533,7 @@
               <a:rPr lang="zh-CN" altLang="en-US"/>
               <a:t>第二级</a:t>
             </a:r>
+            <a:endParaRPr lang="zh-CN" altLang="en-US"/>
           </a:p>
           <a:p>
             <a:pPr lvl="2"/>
@@ -2524,6 +2541,7 @@
               <a:rPr lang="zh-CN" altLang="en-US"/>
               <a:t>第三级</a:t>
             </a:r>
+            <a:endParaRPr lang="zh-CN" altLang="en-US"/>
           </a:p>
           <a:p>
             <a:pPr lvl="3"/>
@@ -2531,6 +2549,7 @@
               <a:rPr lang="zh-CN" altLang="en-US"/>
               <a:t>第四级</a:t>
             </a:r>
+            <a:endParaRPr lang="zh-CN" altLang="en-US"/>
           </a:p>
           <a:p>
             <a:pPr lvl="4"/>
@@ -2538,6 +2557,7 @@
               <a:rPr lang="zh-CN" altLang="en-US"/>
               <a:t>第五级</a:t>
             </a:r>
+            <a:endParaRPr lang="zh-CN" altLang="en-US"/>
           </a:p>
         </p:txBody>
       </p:sp>
@@ -2647,6 +2667,7 @@
               <a:rPr lang="zh-CN" altLang="en-US"/>
               <a:t>单击此处编辑母版标题样式</a:t>
             </a:r>
+            <a:endParaRPr lang="zh-CN" altLang="en-US"/>
           </a:p>
         </p:txBody>
       </p:sp>
@@ -2703,6 +2724,7 @@
               <a:rPr lang="zh-CN" altLang="en-US"/>
               <a:t>单击此处编辑母版文本样式</a:t>
             </a:r>
+            <a:endParaRPr lang="zh-CN" altLang="en-US"/>
           </a:p>
           <a:p>
             <a:pPr lvl="1"/>
@@ -2710,6 +2732,7 @@
               <a:rPr lang="zh-CN" altLang="en-US"/>
               <a:t>第二级</a:t>
             </a:r>
+            <a:endParaRPr lang="zh-CN" altLang="en-US"/>
           </a:p>
           <a:p>
             <a:pPr lvl="2"/>
@@ -2717,6 +2740,7 @@
               <a:rPr lang="zh-CN" altLang="en-US"/>
               <a:t>第三级</a:t>
             </a:r>
+            <a:endParaRPr lang="zh-CN" altLang="en-US"/>
           </a:p>
           <a:p>
             <a:pPr lvl="3"/>
@@ -2724,6 +2748,7 @@
               <a:rPr lang="zh-CN" altLang="en-US"/>
               <a:t>第四级</a:t>
             </a:r>
+            <a:endParaRPr lang="zh-CN" altLang="en-US"/>
           </a:p>
           <a:p>
             <a:pPr lvl="4"/>
@@ -2731,6 +2756,7 @@
               <a:rPr lang="zh-CN" altLang="en-US"/>
               <a:t>第五级</a:t>
             </a:r>
+            <a:endParaRPr lang="zh-CN" altLang="en-US"/>
           </a:p>
         </p:txBody>
       </p:sp>
@@ -2796,6 +2822,7 @@
               <a:rPr lang="zh-CN" altLang="en-US"/>
               <a:t>单击此处编辑母版文本样式</a:t>
             </a:r>
+            <a:endParaRPr lang="zh-CN" altLang="en-US"/>
           </a:p>
         </p:txBody>
       </p:sp>
@@ -2853,6 +2880,7 @@
               <a:rPr lang="zh-CN" altLang="en-US"/>
               <a:t>单击此处编辑母版标题样式</a:t>
             </a:r>
+            <a:endParaRPr lang="zh-CN" altLang="en-US"/>
           </a:p>
         </p:txBody>
       </p:sp>
@@ -2980,6 +3008,7 @@
               <a:rPr lang="zh-CN" altLang="en-US"/>
               <a:t>单击此处编辑母版文本样式</a:t>
             </a:r>
+            <a:endParaRPr lang="zh-CN" altLang="en-US"/>
           </a:p>
         </p:txBody>
       </p:sp>
@@ -3028,6 +3057,7 @@
               <a:rPr lang="zh-CN" altLang="en-US"/>
               <a:t>单击此处编辑母版标题样式</a:t>
             </a:r>
+            <a:endParaRPr lang="zh-CN" altLang="en-US"/>
           </a:p>
         </p:txBody>
       </p:sp>
@@ -3051,6 +3081,7 @@
               <a:rPr lang="zh-CN" altLang="en-US"/>
               <a:t>单击此处编辑母版文本样式</a:t>
             </a:r>
+            <a:endParaRPr lang="zh-CN" altLang="en-US"/>
           </a:p>
           <a:p>
             <a:pPr lvl="1"/>
@@ -3058,6 +3089,7 @@
               <a:rPr lang="zh-CN" altLang="en-US"/>
               <a:t>第二级</a:t>
             </a:r>
+            <a:endParaRPr lang="zh-CN" altLang="en-US"/>
           </a:p>
           <a:p>
             <a:pPr lvl="2"/>
@@ -3065,6 +3097,7 @@
               <a:rPr lang="zh-CN" altLang="en-US"/>
               <a:t>第三级</a:t>
             </a:r>
+            <a:endParaRPr lang="zh-CN" altLang="en-US"/>
           </a:p>
           <a:p>
             <a:pPr lvl="3"/>
@@ -3072,6 +3105,7 @@
               <a:rPr lang="zh-CN" altLang="en-US"/>
               <a:t>第四级</a:t>
             </a:r>
+            <a:endParaRPr lang="zh-CN" altLang="en-US"/>
           </a:p>
           <a:p>
             <a:pPr lvl="4"/>
@@ -3079,6 +3113,7 @@
               <a:rPr lang="zh-CN" altLang="en-US"/>
               <a:t>第五级</a:t>
             </a:r>
+            <a:endParaRPr lang="zh-CN" altLang="en-US"/>
           </a:p>
         </p:txBody>
       </p:sp>
@@ -3132,6 +3167,7 @@
               <a:rPr lang="zh-CN" altLang="en-US"/>
               <a:t>单击此处编辑母版标题样式</a:t>
             </a:r>
+            <a:endParaRPr lang="zh-CN" altLang="en-US"/>
           </a:p>
         </p:txBody>
       </p:sp>
@@ -3160,6 +3196,7 @@
               <a:rPr lang="zh-CN" altLang="en-US"/>
               <a:t>单击此处编辑母版文本样式</a:t>
             </a:r>
+            <a:endParaRPr lang="zh-CN" altLang="en-US"/>
           </a:p>
           <a:p>
             <a:pPr lvl="1"/>
@@ -3167,6 +3204,7 @@
               <a:rPr lang="zh-CN" altLang="en-US"/>
               <a:t>第二级</a:t>
             </a:r>
+            <a:endParaRPr lang="zh-CN" altLang="en-US"/>
           </a:p>
           <a:p>
             <a:pPr lvl="2"/>
@@ -3174,6 +3212,7 @@
               <a:rPr lang="zh-CN" altLang="en-US"/>
               <a:t>第三级</a:t>
             </a:r>
+            <a:endParaRPr lang="zh-CN" altLang="en-US"/>
           </a:p>
           <a:p>
             <a:pPr lvl="3"/>
@@ -3181,6 +3220,7 @@
               <a:rPr lang="zh-CN" altLang="en-US"/>
               <a:t>第四级</a:t>
             </a:r>
+            <a:endParaRPr lang="zh-CN" altLang="en-US"/>
           </a:p>
           <a:p>
             <a:pPr lvl="4"/>
@@ -3188,6 +3228,7 @@
               <a:rPr lang="zh-CN" altLang="en-US"/>
               <a:t>第五级</a:t>
             </a:r>
+            <a:endParaRPr lang="zh-CN" altLang="en-US"/>
           </a:p>
         </p:txBody>
       </p:sp>
@@ -3241,6 +3282,7 @@
               <a:rPr lang="zh-CN" altLang="en-US"/>
               <a:t>单击此处编辑母版标题样式</a:t>
             </a:r>
+            <a:endParaRPr lang="zh-CN" altLang="en-US"/>
           </a:p>
         </p:txBody>
       </p:sp>
@@ -3305,6 +3347,7 @@
               <a:rPr lang="zh-CN" altLang="en-US"/>
               <a:t>单击此处编辑母版副标题样式</a:t>
             </a:r>
+            <a:endParaRPr lang="zh-CN" altLang="en-US"/>
           </a:p>
         </p:txBody>
       </p:sp>
@@ -3352,6 +3395,7 @@
               <a:rPr lang="zh-CN" altLang="en-US"/>
               <a:t>单击此处编辑母版标题样式</a:t>
             </a:r>
+            <a:endParaRPr lang="zh-CN" altLang="en-US"/>
           </a:p>
         </p:txBody>
       </p:sp>
@@ -3375,6 +3419,7 @@
               <a:rPr lang="zh-CN" altLang="en-US"/>
               <a:t>单击此处编辑母版文本样式</a:t>
             </a:r>
+            <a:endParaRPr lang="zh-CN" altLang="en-US"/>
           </a:p>
           <a:p>
             <a:pPr lvl="1"/>
@@ -3382,6 +3427,7 @@
               <a:rPr lang="zh-CN" altLang="en-US"/>
               <a:t>第二级</a:t>
             </a:r>
+            <a:endParaRPr lang="zh-CN" altLang="en-US"/>
           </a:p>
           <a:p>
             <a:pPr lvl="2"/>
@@ -3389,6 +3435,7 @@
               <a:rPr lang="zh-CN" altLang="en-US"/>
               <a:t>第三级</a:t>
             </a:r>
+            <a:endParaRPr lang="zh-CN" altLang="en-US"/>
           </a:p>
           <a:p>
             <a:pPr lvl="3"/>
@@ -3396,6 +3443,7 @@
               <a:rPr lang="zh-CN" altLang="en-US"/>
               <a:t>第四级</a:t>
             </a:r>
+            <a:endParaRPr lang="zh-CN" altLang="en-US"/>
           </a:p>
           <a:p>
             <a:pPr lvl="4"/>
@@ -3403,6 +3451,7 @@
               <a:rPr lang="zh-CN" altLang="en-US"/>
               <a:t>第五级</a:t>
             </a:r>
+            <a:endParaRPr lang="zh-CN" altLang="en-US"/>
           </a:p>
         </p:txBody>
       </p:sp>
@@ -3459,6 +3508,7 @@
               <a:rPr lang="zh-CN" altLang="en-US"/>
               <a:t>单击此处编辑母版标题样式</a:t>
             </a:r>
+            <a:endParaRPr lang="zh-CN" altLang="en-US"/>
           </a:p>
         </p:txBody>
       </p:sp>
@@ -3524,6 +3574,7 @@
               <a:rPr lang="zh-CN" altLang="en-US"/>
               <a:t>单击此处编辑母版文本样式</a:t>
             </a:r>
+            <a:endParaRPr lang="zh-CN" altLang="en-US"/>
           </a:p>
         </p:txBody>
       </p:sp>
@@ -3571,6 +3622,7 @@
               <a:rPr lang="zh-CN" altLang="en-US"/>
               <a:t>单击此处编辑母版标题样式</a:t>
             </a:r>
+            <a:endParaRPr lang="zh-CN" altLang="en-US"/>
           </a:p>
         </p:txBody>
       </p:sp>
@@ -3627,6 +3679,7 @@
               <a:rPr lang="zh-CN" altLang="en-US"/>
               <a:t>单击此处编辑母版文本样式</a:t>
             </a:r>
+            <a:endParaRPr lang="zh-CN" altLang="en-US"/>
           </a:p>
           <a:p>
             <a:pPr lvl="1"/>
@@ -3634,6 +3687,7 @@
               <a:rPr lang="zh-CN" altLang="en-US"/>
               <a:t>第二级</a:t>
             </a:r>
+            <a:endParaRPr lang="zh-CN" altLang="en-US"/>
           </a:p>
           <a:p>
             <a:pPr lvl="2"/>
@@ -3641,6 +3695,7 @@
               <a:rPr lang="zh-CN" altLang="en-US"/>
               <a:t>第三级</a:t>
             </a:r>
+            <a:endParaRPr lang="zh-CN" altLang="en-US"/>
           </a:p>
           <a:p>
             <a:pPr lvl="3"/>
@@ -3648,6 +3703,7 @@
               <a:rPr lang="zh-CN" altLang="en-US"/>
               <a:t>第四级</a:t>
             </a:r>
+            <a:endParaRPr lang="zh-CN" altLang="en-US"/>
           </a:p>
           <a:p>
             <a:pPr lvl="4"/>
@@ -3655,6 +3711,7 @@
               <a:rPr lang="zh-CN" altLang="en-US"/>
               <a:t>第五级</a:t>
             </a:r>
+            <a:endParaRPr lang="zh-CN" altLang="en-US"/>
           </a:p>
         </p:txBody>
       </p:sp>
@@ -3711,6 +3768,7 @@
               <a:rPr lang="zh-CN" altLang="en-US"/>
               <a:t>单击此处编辑母版文本样式</a:t>
             </a:r>
+            <a:endParaRPr lang="zh-CN" altLang="en-US"/>
           </a:p>
           <a:p>
             <a:pPr lvl="1"/>
@@ -3718,6 +3776,7 @@
               <a:rPr lang="zh-CN" altLang="en-US"/>
               <a:t>第二级</a:t>
             </a:r>
+            <a:endParaRPr lang="zh-CN" altLang="en-US"/>
           </a:p>
           <a:p>
             <a:pPr lvl="2"/>
@@ -3725,6 +3784,7 @@
               <a:rPr lang="zh-CN" altLang="en-US"/>
               <a:t>第三级</a:t>
             </a:r>
+            <a:endParaRPr lang="zh-CN" altLang="en-US"/>
           </a:p>
           <a:p>
             <a:pPr lvl="3"/>
@@ -3732,6 +3792,7 @@
               <a:rPr lang="zh-CN" altLang="en-US"/>
               <a:t>第四级</a:t>
             </a:r>
+            <a:endParaRPr lang="zh-CN" altLang="en-US"/>
           </a:p>
           <a:p>
             <a:pPr lvl="4"/>
@@ -3739,6 +3800,7 @@
               <a:rPr lang="zh-CN" altLang="en-US"/>
               <a:t>第五级</a:t>
             </a:r>
+            <a:endParaRPr lang="zh-CN" altLang="en-US"/>
           </a:p>
         </p:txBody>
       </p:sp>
@@ -3795,6 +3857,7 @@
               <a:rPr lang="zh-CN" altLang="en-US"/>
               <a:t>单击此处编辑母版标题样式</a:t>
             </a:r>
+            <a:endParaRPr lang="zh-CN" altLang="en-US"/>
           </a:p>
         </p:txBody>
       </p:sp>
@@ -3860,6 +3923,7 @@
               <a:rPr lang="zh-CN" altLang="en-US"/>
               <a:t>单击此处编辑母版文本样式</a:t>
             </a:r>
+            <a:endParaRPr lang="zh-CN" altLang="en-US"/>
           </a:p>
         </p:txBody>
       </p:sp>
@@ -3899,12 +3963,12 @@
             </a:r>
             <a:fld id="{F3160B5D-701C-490E-8606-176F68188A35}" type="slidenum">
               <a:rPr lang="zh-CN" altLang="en-US"/>
-              <a:t>‹#›</a:t>
             </a:fld>
             <a:r>
               <a:rPr lang="zh-CN" altLang="en-US"/>
               <a:t>－</a:t>
             </a:r>
+            <a:endParaRPr lang="zh-CN" altLang="en-US"/>
           </a:p>
         </p:txBody>
       </p:sp>
@@ -3962,6 +4026,7 @@
               <a:rPr lang="zh-CN" altLang="en-US"/>
               <a:t>单击此处编辑母版标题样式</a:t>
             </a:r>
+            <a:endParaRPr lang="zh-CN" altLang="en-US"/>
           </a:p>
         </p:txBody>
       </p:sp>
@@ -4027,6 +4092,7 @@
               <a:rPr lang="zh-CN" altLang="en-US"/>
               <a:t>单击此处编辑母版文本样式</a:t>
             </a:r>
+            <a:endParaRPr lang="zh-CN" altLang="en-US"/>
           </a:p>
         </p:txBody>
       </p:sp>
@@ -4083,6 +4149,7 @@
               <a:rPr lang="zh-CN" altLang="en-US"/>
               <a:t>单击此处编辑母版文本样式</a:t>
             </a:r>
+            <a:endParaRPr lang="zh-CN" altLang="en-US"/>
           </a:p>
           <a:p>
             <a:pPr lvl="1"/>
@@ -4090,6 +4157,7 @@
               <a:rPr lang="zh-CN" altLang="en-US"/>
               <a:t>第二级</a:t>
             </a:r>
+            <a:endParaRPr lang="zh-CN" altLang="en-US"/>
           </a:p>
           <a:p>
             <a:pPr lvl="2"/>
@@ -4097,6 +4165,7 @@
               <a:rPr lang="zh-CN" altLang="en-US"/>
               <a:t>第三级</a:t>
             </a:r>
+            <a:endParaRPr lang="zh-CN" altLang="en-US"/>
           </a:p>
           <a:p>
             <a:pPr lvl="3"/>
@@ -4104,6 +4173,7 @@
               <a:rPr lang="zh-CN" altLang="en-US"/>
               <a:t>第四级</a:t>
             </a:r>
+            <a:endParaRPr lang="zh-CN" altLang="en-US"/>
           </a:p>
           <a:p>
             <a:pPr lvl="4"/>
@@ -4111,6 +4181,7 @@
               <a:rPr lang="zh-CN" altLang="en-US"/>
               <a:t>第五级</a:t>
             </a:r>
+            <a:endParaRPr lang="zh-CN" altLang="en-US"/>
           </a:p>
         </p:txBody>
       </p:sp>
@@ -4176,6 +4247,7 @@
               <a:rPr lang="zh-CN" altLang="en-US"/>
               <a:t>单击此处编辑母版文本样式</a:t>
             </a:r>
+            <a:endParaRPr lang="zh-CN" altLang="en-US"/>
           </a:p>
         </p:txBody>
       </p:sp>
@@ -4232,6 +4304,7 @@
               <a:rPr lang="zh-CN" altLang="en-US"/>
               <a:t>单击此处编辑母版文本样式</a:t>
             </a:r>
+            <a:endParaRPr lang="zh-CN" altLang="en-US"/>
           </a:p>
           <a:p>
             <a:pPr lvl="1"/>
@@ -4239,6 +4312,7 @@
               <a:rPr lang="zh-CN" altLang="en-US"/>
               <a:t>第二级</a:t>
             </a:r>
+            <a:endParaRPr lang="zh-CN" altLang="en-US"/>
           </a:p>
           <a:p>
             <a:pPr lvl="2"/>
@@ -4246,6 +4320,7 @@
               <a:rPr lang="zh-CN" altLang="en-US"/>
               <a:t>第三级</a:t>
             </a:r>
+            <a:endParaRPr lang="zh-CN" altLang="en-US"/>
           </a:p>
           <a:p>
             <a:pPr lvl="3"/>
@@ -4253,6 +4328,7 @@
               <a:rPr lang="zh-CN" altLang="en-US"/>
               <a:t>第四级</a:t>
             </a:r>
+            <a:endParaRPr lang="zh-CN" altLang="en-US"/>
           </a:p>
           <a:p>
             <a:pPr lvl="4"/>
@@ -4260,6 +4336,7 @@
               <a:rPr lang="zh-CN" altLang="en-US"/>
               <a:t>第五级</a:t>
             </a:r>
+            <a:endParaRPr lang="zh-CN" altLang="en-US"/>
           </a:p>
         </p:txBody>
       </p:sp>
@@ -4307,6 +4384,7 @@
               <a:rPr lang="zh-CN" altLang="en-US"/>
               <a:t>单击此处编辑母版标题样式</a:t>
             </a:r>
+            <a:endParaRPr lang="zh-CN" altLang="en-US"/>
           </a:p>
         </p:txBody>
       </p:sp>
@@ -4388,6 +4466,7 @@
               <a:rPr lang="zh-CN" altLang="en-US"/>
               <a:t>单击此处编辑母版标题样式</a:t>
             </a:r>
+            <a:endParaRPr lang="zh-CN" altLang="en-US"/>
           </a:p>
         </p:txBody>
       </p:sp>
@@ -4444,6 +4523,7 @@
               <a:rPr lang="zh-CN" altLang="en-US"/>
               <a:t>单击此处编辑母版文本样式</a:t>
             </a:r>
+            <a:endParaRPr lang="zh-CN" altLang="en-US"/>
           </a:p>
           <a:p>
             <a:pPr lvl="1"/>
@@ -4451,6 +4531,7 @@
               <a:rPr lang="zh-CN" altLang="en-US"/>
               <a:t>第二级</a:t>
             </a:r>
+            <a:endParaRPr lang="zh-CN" altLang="en-US"/>
           </a:p>
           <a:p>
             <a:pPr lvl="2"/>
@@ -4458,6 +4539,7 @@
               <a:rPr lang="zh-CN" altLang="en-US"/>
               <a:t>第三级</a:t>
             </a:r>
+            <a:endParaRPr lang="zh-CN" altLang="en-US"/>
           </a:p>
           <a:p>
             <a:pPr lvl="3"/>
@@ -4465,6 +4547,7 @@
               <a:rPr lang="zh-CN" altLang="en-US"/>
               <a:t>第四级</a:t>
             </a:r>
+            <a:endParaRPr lang="zh-CN" altLang="en-US"/>
           </a:p>
           <a:p>
             <a:pPr lvl="4"/>
@@ -4472,6 +4555,7 @@
               <a:rPr lang="zh-CN" altLang="en-US"/>
               <a:t>第五级</a:t>
             </a:r>
+            <a:endParaRPr lang="zh-CN" altLang="en-US"/>
           </a:p>
         </p:txBody>
       </p:sp>
@@ -4537,6 +4621,7 @@
               <a:rPr lang="zh-CN" altLang="en-US"/>
               <a:t>单击此处编辑母版文本样式</a:t>
             </a:r>
+            <a:endParaRPr lang="zh-CN" altLang="en-US"/>
           </a:p>
         </p:txBody>
       </p:sp>
@@ -4593,6 +4678,7 @@
               <a:rPr lang="zh-CN" altLang="en-US"/>
               <a:t>单击此处编辑母版标题样式</a:t>
             </a:r>
+            <a:endParaRPr lang="zh-CN" altLang="en-US"/>
           </a:p>
         </p:txBody>
       </p:sp>
@@ -4720,6 +4806,7 @@
               <a:rPr lang="zh-CN" altLang="en-US"/>
               <a:t>单击此处编辑母版文本样式</a:t>
             </a:r>
+            <a:endParaRPr lang="zh-CN" altLang="en-US"/>
           </a:p>
         </p:txBody>
       </p:sp>
@@ -4767,6 +4854,7 @@
               <a:rPr lang="zh-CN" altLang="en-US"/>
               <a:t>单击此处编辑母版标题样式</a:t>
             </a:r>
+            <a:endParaRPr lang="zh-CN" altLang="en-US"/>
           </a:p>
         </p:txBody>
       </p:sp>
@@ -4790,6 +4878,7 @@
               <a:rPr lang="zh-CN" altLang="en-US"/>
               <a:t>单击此处编辑母版文本样式</a:t>
             </a:r>
+            <a:endParaRPr lang="zh-CN" altLang="en-US"/>
           </a:p>
           <a:p>
             <a:pPr lvl="1"/>
@@ -4797,6 +4886,7 @@
               <a:rPr lang="zh-CN" altLang="en-US"/>
               <a:t>第二级</a:t>
             </a:r>
+            <a:endParaRPr lang="zh-CN" altLang="en-US"/>
           </a:p>
           <a:p>
             <a:pPr lvl="2"/>
@@ -4804,6 +4894,7 @@
               <a:rPr lang="zh-CN" altLang="en-US"/>
               <a:t>第三级</a:t>
             </a:r>
+            <a:endParaRPr lang="zh-CN" altLang="en-US"/>
           </a:p>
           <a:p>
             <a:pPr lvl="3"/>
@@ -4811,6 +4902,7 @@
               <a:rPr lang="zh-CN" altLang="en-US"/>
               <a:t>第四级</a:t>
             </a:r>
+            <a:endParaRPr lang="zh-CN" altLang="en-US"/>
           </a:p>
           <a:p>
             <a:pPr lvl="4"/>
@@ -4818,6 +4910,7 @@
               <a:rPr lang="zh-CN" altLang="en-US"/>
               <a:t>第五级</a:t>
             </a:r>
+            <a:endParaRPr lang="zh-CN" altLang="en-US"/>
           </a:p>
         </p:txBody>
       </p:sp>
@@ -4870,6 +4963,7 @@
               <a:rPr lang="zh-CN" altLang="en-US"/>
               <a:t>单击此处编辑母版标题样式</a:t>
             </a:r>
+            <a:endParaRPr lang="zh-CN" altLang="en-US"/>
           </a:p>
         </p:txBody>
       </p:sp>
@@ -4898,6 +4992,7 @@
               <a:rPr lang="zh-CN" altLang="en-US"/>
               <a:t>单击此处编辑母版文本样式</a:t>
             </a:r>
+            <a:endParaRPr lang="zh-CN" altLang="en-US"/>
           </a:p>
           <a:p>
             <a:pPr lvl="1"/>
@@ -4905,6 +5000,7 @@
               <a:rPr lang="zh-CN" altLang="en-US"/>
               <a:t>第二级</a:t>
             </a:r>
+            <a:endParaRPr lang="zh-CN" altLang="en-US"/>
           </a:p>
           <a:p>
             <a:pPr lvl="2"/>
@@ -4912,6 +5008,7 @@
               <a:rPr lang="zh-CN" altLang="en-US"/>
               <a:t>第三级</a:t>
             </a:r>
+            <a:endParaRPr lang="zh-CN" altLang="en-US"/>
           </a:p>
           <a:p>
             <a:pPr lvl="3"/>
@@ -4919,6 +5016,7 @@
               <a:rPr lang="zh-CN" altLang="en-US"/>
               <a:t>第四级</a:t>
             </a:r>
+            <a:endParaRPr lang="zh-CN" altLang="en-US"/>
           </a:p>
           <a:p>
             <a:pPr lvl="4"/>
@@ -4926,6 +5024,7 @@
               <a:rPr lang="zh-CN" altLang="en-US"/>
               <a:t>第五级</a:t>
             </a:r>
+            <a:endParaRPr lang="zh-CN" altLang="en-US"/>
           </a:p>
         </p:txBody>
       </p:sp>
@@ -4978,6 +5077,7 @@
               <a:rPr lang="zh-CN" altLang="en-US"/>
               <a:t>单击此处编辑母版标题样式</a:t>
             </a:r>
+            <a:endParaRPr lang="zh-CN" altLang="en-US"/>
           </a:p>
         </p:txBody>
       </p:sp>
@@ -5042,6 +5142,7 @@
               <a:rPr lang="zh-CN" altLang="en-US"/>
               <a:t>单击此处编辑母版副标题样式</a:t>
             </a:r>
+            <a:endParaRPr lang="zh-CN" altLang="en-US"/>
           </a:p>
         </p:txBody>
       </p:sp>
@@ -5089,6 +5190,7 @@
               <a:rPr lang="zh-CN" altLang="en-US"/>
               <a:t>单击此处编辑母版标题样式</a:t>
             </a:r>
+            <a:endParaRPr lang="zh-CN" altLang="en-US"/>
           </a:p>
         </p:txBody>
       </p:sp>
@@ -5112,6 +5214,7 @@
               <a:rPr lang="zh-CN" altLang="en-US"/>
               <a:t>单击此处编辑母版文本样式</a:t>
             </a:r>
+            <a:endParaRPr lang="zh-CN" altLang="en-US"/>
           </a:p>
           <a:p>
             <a:pPr lvl="1"/>
@@ -5119,6 +5222,7 @@
               <a:rPr lang="zh-CN" altLang="en-US"/>
               <a:t>第二级</a:t>
             </a:r>
+            <a:endParaRPr lang="zh-CN" altLang="en-US"/>
           </a:p>
           <a:p>
             <a:pPr lvl="2"/>
@@ -5126,6 +5230,7 @@
               <a:rPr lang="zh-CN" altLang="en-US"/>
               <a:t>第三级</a:t>
             </a:r>
+            <a:endParaRPr lang="zh-CN" altLang="en-US"/>
           </a:p>
           <a:p>
             <a:pPr lvl="3"/>
@@ -5133,6 +5238,7 @@
               <a:rPr lang="zh-CN" altLang="en-US"/>
               <a:t>第四级</a:t>
             </a:r>
+            <a:endParaRPr lang="zh-CN" altLang="en-US"/>
           </a:p>
           <a:p>
             <a:pPr lvl="4"/>
@@ -5140,6 +5246,7 @@
               <a:rPr lang="zh-CN" altLang="en-US"/>
               <a:t>第五级</a:t>
             </a:r>
+            <a:endParaRPr lang="zh-CN" altLang="en-US"/>
           </a:p>
         </p:txBody>
       </p:sp>
@@ -5196,6 +5303,7 @@
               <a:rPr lang="zh-CN" altLang="en-US"/>
               <a:t>单击此处编辑母版标题样式</a:t>
             </a:r>
+            <a:endParaRPr lang="zh-CN" altLang="en-US"/>
           </a:p>
         </p:txBody>
       </p:sp>
@@ -5261,6 +5369,7 @@
               <a:rPr lang="zh-CN" altLang="en-US"/>
               <a:t>单击此处编辑母版文本样式</a:t>
             </a:r>
+            <a:endParaRPr lang="zh-CN" altLang="en-US"/>
           </a:p>
         </p:txBody>
       </p:sp>
@@ -5308,6 +5417,7 @@
               <a:rPr lang="zh-CN" altLang="en-US"/>
               <a:t>单击此处编辑母版标题样式</a:t>
             </a:r>
+            <a:endParaRPr lang="zh-CN" altLang="en-US"/>
           </a:p>
         </p:txBody>
       </p:sp>
@@ -5364,6 +5474,7 @@
               <a:rPr lang="zh-CN" altLang="en-US"/>
               <a:t>单击此处编辑母版文本样式</a:t>
             </a:r>
+            <a:endParaRPr lang="zh-CN" altLang="en-US"/>
           </a:p>
           <a:p>
             <a:pPr lvl="1"/>
@@ -5371,6 +5482,7 @@
               <a:rPr lang="zh-CN" altLang="en-US"/>
               <a:t>第二级</a:t>
             </a:r>
+            <a:endParaRPr lang="zh-CN" altLang="en-US"/>
           </a:p>
           <a:p>
             <a:pPr lvl="2"/>
@@ -5378,6 +5490,7 @@
               <a:rPr lang="zh-CN" altLang="en-US"/>
               <a:t>第三级</a:t>
             </a:r>
+            <a:endParaRPr lang="zh-CN" altLang="en-US"/>
           </a:p>
           <a:p>
             <a:pPr lvl="3"/>
@@ -5385,6 +5498,7 @@
               <a:rPr lang="zh-CN" altLang="en-US"/>
               <a:t>第四级</a:t>
             </a:r>
+            <a:endParaRPr lang="zh-CN" altLang="en-US"/>
           </a:p>
           <a:p>
             <a:pPr lvl="4"/>
@@ -5392,6 +5506,7 @@
               <a:rPr lang="zh-CN" altLang="en-US"/>
               <a:t>第五级</a:t>
             </a:r>
+            <a:endParaRPr lang="zh-CN" altLang="en-US"/>
           </a:p>
         </p:txBody>
       </p:sp>
@@ -5448,6 +5563,7 @@
               <a:rPr lang="zh-CN" altLang="en-US"/>
               <a:t>单击此处编辑母版文本样式</a:t>
             </a:r>
+            <a:endParaRPr lang="zh-CN" altLang="en-US"/>
           </a:p>
           <a:p>
             <a:pPr lvl="1"/>
@@ -5455,6 +5571,7 @@
               <a:rPr lang="zh-CN" altLang="en-US"/>
               <a:t>第二级</a:t>
             </a:r>
+            <a:endParaRPr lang="zh-CN" altLang="en-US"/>
           </a:p>
           <a:p>
             <a:pPr lvl="2"/>
@@ -5462,6 +5579,7 @@
               <a:rPr lang="zh-CN" altLang="en-US"/>
               <a:t>第三级</a:t>
             </a:r>
+            <a:endParaRPr lang="zh-CN" altLang="en-US"/>
           </a:p>
           <a:p>
             <a:pPr lvl="3"/>
@@ -5469,6 +5587,7 @@
               <a:rPr lang="zh-CN" altLang="en-US"/>
               <a:t>第四级</a:t>
             </a:r>
+            <a:endParaRPr lang="zh-CN" altLang="en-US"/>
           </a:p>
           <a:p>
             <a:pPr lvl="4"/>
@@ -5476,6 +5595,7 @@
               <a:rPr lang="zh-CN" altLang="en-US"/>
               <a:t>第五级</a:t>
             </a:r>
+            <a:endParaRPr lang="zh-CN" altLang="en-US"/>
           </a:p>
         </p:txBody>
       </p:sp>
@@ -5524,6 +5644,7 @@
               <a:rPr lang="zh-CN" altLang="en-US"/>
               <a:t>单击此处编辑母版标题样式</a:t>
             </a:r>
+            <a:endParaRPr lang="zh-CN" altLang="en-US"/>
           </a:p>
         </p:txBody>
       </p:sp>
@@ -5580,6 +5701,7 @@
               <a:rPr lang="zh-CN" altLang="en-US"/>
               <a:t>单击此处编辑母版文本样式</a:t>
             </a:r>
+            <a:endParaRPr lang="zh-CN" altLang="en-US"/>
           </a:p>
           <a:p>
             <a:pPr lvl="1"/>
@@ -5587,6 +5709,7 @@
               <a:rPr lang="zh-CN" altLang="en-US"/>
               <a:t>第二级</a:t>
             </a:r>
+            <a:endParaRPr lang="zh-CN" altLang="en-US"/>
           </a:p>
           <a:p>
             <a:pPr lvl="2"/>
@@ -5594,6 +5717,7 @@
               <a:rPr lang="zh-CN" altLang="en-US"/>
               <a:t>第三级</a:t>
             </a:r>
+            <a:endParaRPr lang="zh-CN" altLang="en-US"/>
           </a:p>
           <a:p>
             <a:pPr lvl="3"/>
@@ -5601,6 +5725,7 @@
               <a:rPr lang="zh-CN" altLang="en-US"/>
               <a:t>第四级</a:t>
             </a:r>
+            <a:endParaRPr lang="zh-CN" altLang="en-US"/>
           </a:p>
           <a:p>
             <a:pPr lvl="4"/>
@@ -5608,6 +5733,7 @@
               <a:rPr lang="zh-CN" altLang="en-US"/>
               <a:t>第五级</a:t>
             </a:r>
+            <a:endParaRPr lang="zh-CN" altLang="en-US"/>
           </a:p>
         </p:txBody>
       </p:sp>
@@ -5664,6 +5790,7 @@
               <a:rPr lang="zh-CN" altLang="en-US"/>
               <a:t>单击此处编辑母版文本样式</a:t>
             </a:r>
+            <a:endParaRPr lang="zh-CN" altLang="en-US"/>
           </a:p>
           <a:p>
             <a:pPr lvl="1"/>
@@ -5671,6 +5798,7 @@
               <a:rPr lang="zh-CN" altLang="en-US"/>
               <a:t>第二级</a:t>
             </a:r>
+            <a:endParaRPr lang="zh-CN" altLang="en-US"/>
           </a:p>
           <a:p>
             <a:pPr lvl="2"/>
@@ -5678,6 +5806,7 @@
               <a:rPr lang="zh-CN" altLang="en-US"/>
               <a:t>第三级</a:t>
             </a:r>
+            <a:endParaRPr lang="zh-CN" altLang="en-US"/>
           </a:p>
           <a:p>
             <a:pPr lvl="3"/>
@@ -5685,6 +5814,7 @@
               <a:rPr lang="zh-CN" altLang="en-US"/>
               <a:t>第四级</a:t>
             </a:r>
+            <a:endParaRPr lang="zh-CN" altLang="en-US"/>
           </a:p>
           <a:p>
             <a:pPr lvl="4"/>
@@ -5692,6 +5822,7 @@
               <a:rPr lang="zh-CN" altLang="en-US"/>
               <a:t>第五级</a:t>
             </a:r>
+            <a:endParaRPr lang="zh-CN" altLang="en-US"/>
           </a:p>
         </p:txBody>
       </p:sp>
@@ -5748,6 +5879,7 @@
               <a:rPr lang="zh-CN" altLang="en-US"/>
               <a:t>单击此处编辑母版标题样式</a:t>
             </a:r>
+            <a:endParaRPr lang="zh-CN" altLang="en-US"/>
           </a:p>
         </p:txBody>
       </p:sp>
@@ -5813,6 +5945,7 @@
               <a:rPr lang="zh-CN" altLang="en-US"/>
               <a:t>单击此处编辑母版文本样式</a:t>
             </a:r>
+            <a:endParaRPr lang="zh-CN" altLang="en-US"/>
           </a:p>
         </p:txBody>
       </p:sp>
@@ -5869,6 +6002,7 @@
               <a:rPr lang="zh-CN" altLang="en-US"/>
               <a:t>单击此处编辑母版文本样式</a:t>
             </a:r>
+            <a:endParaRPr lang="zh-CN" altLang="en-US"/>
           </a:p>
           <a:p>
             <a:pPr lvl="1"/>
@@ -5876,6 +6010,7 @@
               <a:rPr lang="zh-CN" altLang="en-US"/>
               <a:t>第二级</a:t>
             </a:r>
+            <a:endParaRPr lang="zh-CN" altLang="en-US"/>
           </a:p>
           <a:p>
             <a:pPr lvl="2"/>
@@ -5883,6 +6018,7 @@
               <a:rPr lang="zh-CN" altLang="en-US"/>
               <a:t>第三级</a:t>
             </a:r>
+            <a:endParaRPr lang="zh-CN" altLang="en-US"/>
           </a:p>
           <a:p>
             <a:pPr lvl="3"/>
@@ -5890,6 +6026,7 @@
               <a:rPr lang="zh-CN" altLang="en-US"/>
               <a:t>第四级</a:t>
             </a:r>
+            <a:endParaRPr lang="zh-CN" altLang="en-US"/>
           </a:p>
           <a:p>
             <a:pPr lvl="4"/>
@@ -5897,6 +6034,7 @@
               <a:rPr lang="zh-CN" altLang="en-US"/>
               <a:t>第五级</a:t>
             </a:r>
+            <a:endParaRPr lang="zh-CN" altLang="en-US"/>
           </a:p>
         </p:txBody>
       </p:sp>
@@ -5962,6 +6100,7 @@
               <a:rPr lang="zh-CN" altLang="en-US"/>
               <a:t>单击此处编辑母版文本样式</a:t>
             </a:r>
+            <a:endParaRPr lang="zh-CN" altLang="en-US"/>
           </a:p>
         </p:txBody>
       </p:sp>
@@ -6018,6 +6157,7 @@
               <a:rPr lang="zh-CN" altLang="en-US"/>
               <a:t>单击此处编辑母版文本样式</a:t>
             </a:r>
+            <a:endParaRPr lang="zh-CN" altLang="en-US"/>
           </a:p>
           <a:p>
             <a:pPr lvl="1"/>
@@ -6025,6 +6165,7 @@
               <a:rPr lang="zh-CN" altLang="en-US"/>
               <a:t>第二级</a:t>
             </a:r>
+            <a:endParaRPr lang="zh-CN" altLang="en-US"/>
           </a:p>
           <a:p>
             <a:pPr lvl="2"/>
@@ -6032,6 +6173,7 @@
               <a:rPr lang="zh-CN" altLang="en-US"/>
               <a:t>第三级</a:t>
             </a:r>
+            <a:endParaRPr lang="zh-CN" altLang="en-US"/>
           </a:p>
           <a:p>
             <a:pPr lvl="3"/>
@@ -6039,6 +6181,7 @@
               <a:rPr lang="zh-CN" altLang="en-US"/>
               <a:t>第四级</a:t>
             </a:r>
+            <a:endParaRPr lang="zh-CN" altLang="en-US"/>
           </a:p>
           <a:p>
             <a:pPr lvl="4"/>
@@ -6046,6 +6189,7 @@
               <a:rPr lang="zh-CN" altLang="en-US"/>
               <a:t>第五级</a:t>
             </a:r>
+            <a:endParaRPr lang="zh-CN" altLang="en-US"/>
           </a:p>
         </p:txBody>
       </p:sp>
@@ -6093,6 +6237,7 @@
               <a:rPr lang="zh-CN" altLang="en-US"/>
               <a:t>单击此处编辑母版标题样式</a:t>
             </a:r>
+            <a:endParaRPr lang="zh-CN" altLang="en-US"/>
           </a:p>
         </p:txBody>
       </p:sp>
@@ -6174,6 +6319,7 @@
               <a:rPr lang="zh-CN" altLang="en-US"/>
               <a:t>单击此处编辑母版标题样式</a:t>
             </a:r>
+            <a:endParaRPr lang="zh-CN" altLang="en-US"/>
           </a:p>
         </p:txBody>
       </p:sp>
@@ -6230,6 +6376,7 @@
               <a:rPr lang="zh-CN" altLang="en-US"/>
               <a:t>单击此处编辑母版文本样式</a:t>
             </a:r>
+            <a:endParaRPr lang="zh-CN" altLang="en-US"/>
           </a:p>
           <a:p>
             <a:pPr lvl="1"/>
@@ -6237,6 +6384,7 @@
               <a:rPr lang="zh-CN" altLang="en-US"/>
               <a:t>第二级</a:t>
             </a:r>
+            <a:endParaRPr lang="zh-CN" altLang="en-US"/>
           </a:p>
           <a:p>
             <a:pPr lvl="2"/>
@@ -6244,6 +6392,7 @@
               <a:rPr lang="zh-CN" altLang="en-US"/>
               <a:t>第三级</a:t>
             </a:r>
+            <a:endParaRPr lang="zh-CN" altLang="en-US"/>
           </a:p>
           <a:p>
             <a:pPr lvl="3"/>
@@ -6251,6 +6400,7 @@
               <a:rPr lang="zh-CN" altLang="en-US"/>
               <a:t>第四级</a:t>
             </a:r>
+            <a:endParaRPr lang="zh-CN" altLang="en-US"/>
           </a:p>
           <a:p>
             <a:pPr lvl="4"/>
@@ -6258,6 +6408,7 @@
               <a:rPr lang="zh-CN" altLang="en-US"/>
               <a:t>第五级</a:t>
             </a:r>
+            <a:endParaRPr lang="zh-CN" altLang="en-US"/>
           </a:p>
         </p:txBody>
       </p:sp>
@@ -6323,6 +6474,7 @@
               <a:rPr lang="zh-CN" altLang="en-US"/>
               <a:t>单击此处编辑母版文本样式</a:t>
             </a:r>
+            <a:endParaRPr lang="zh-CN" altLang="en-US"/>
           </a:p>
         </p:txBody>
       </p:sp>
@@ -6379,6 +6531,7 @@
               <a:rPr lang="zh-CN" altLang="en-US"/>
               <a:t>单击此处编辑母版标题样式</a:t>
             </a:r>
+            <a:endParaRPr lang="zh-CN" altLang="en-US"/>
           </a:p>
         </p:txBody>
       </p:sp>
@@ -6506,6 +6659,7 @@
               <a:rPr lang="zh-CN" altLang="en-US"/>
               <a:t>单击此处编辑母版文本样式</a:t>
             </a:r>
+            <a:endParaRPr lang="zh-CN" altLang="en-US"/>
           </a:p>
         </p:txBody>
       </p:sp>
@@ -6553,6 +6707,7 @@
               <a:rPr lang="zh-CN" altLang="en-US"/>
               <a:t>单击此处编辑母版标题样式</a:t>
             </a:r>
+            <a:endParaRPr lang="zh-CN" altLang="en-US"/>
           </a:p>
         </p:txBody>
       </p:sp>
@@ -6576,6 +6731,7 @@
               <a:rPr lang="zh-CN" altLang="en-US"/>
               <a:t>单击此处编辑母版文本样式</a:t>
             </a:r>
+            <a:endParaRPr lang="zh-CN" altLang="en-US"/>
           </a:p>
           <a:p>
             <a:pPr lvl="1"/>
@@ -6583,6 +6739,7 @@
               <a:rPr lang="zh-CN" altLang="en-US"/>
               <a:t>第二级</a:t>
             </a:r>
+            <a:endParaRPr lang="zh-CN" altLang="en-US"/>
           </a:p>
           <a:p>
             <a:pPr lvl="2"/>
@@ -6590,6 +6747,7 @@
               <a:rPr lang="zh-CN" altLang="en-US"/>
               <a:t>第三级</a:t>
             </a:r>
+            <a:endParaRPr lang="zh-CN" altLang="en-US"/>
           </a:p>
           <a:p>
             <a:pPr lvl="3"/>
@@ -6597,6 +6755,7 @@
               <a:rPr lang="zh-CN" altLang="en-US"/>
               <a:t>第四级</a:t>
             </a:r>
+            <a:endParaRPr lang="zh-CN" altLang="en-US"/>
           </a:p>
           <a:p>
             <a:pPr lvl="4"/>
@@ -6604,6 +6763,7 @@
               <a:rPr lang="zh-CN" altLang="en-US"/>
               <a:t>第五级</a:t>
             </a:r>
+            <a:endParaRPr lang="zh-CN" altLang="en-US"/>
           </a:p>
         </p:txBody>
       </p:sp>
@@ -6656,6 +6816,7 @@
               <a:rPr lang="zh-CN" altLang="en-US"/>
               <a:t>单击此处编辑母版标题样式</a:t>
             </a:r>
+            <a:endParaRPr lang="zh-CN" altLang="en-US"/>
           </a:p>
         </p:txBody>
       </p:sp>
@@ -6684,6 +6845,7 @@
               <a:rPr lang="zh-CN" altLang="en-US"/>
               <a:t>单击此处编辑母版文本样式</a:t>
             </a:r>
+            <a:endParaRPr lang="zh-CN" altLang="en-US"/>
           </a:p>
           <a:p>
             <a:pPr lvl="1"/>
@@ -6691,6 +6853,7 @@
               <a:rPr lang="zh-CN" altLang="en-US"/>
               <a:t>第二级</a:t>
             </a:r>
+            <a:endParaRPr lang="zh-CN" altLang="en-US"/>
           </a:p>
           <a:p>
             <a:pPr lvl="2"/>
@@ -6698,6 +6861,7 @@
               <a:rPr lang="zh-CN" altLang="en-US"/>
               <a:t>第三级</a:t>
             </a:r>
+            <a:endParaRPr lang="zh-CN" altLang="en-US"/>
           </a:p>
           <a:p>
             <a:pPr lvl="3"/>
@@ -6705,6 +6869,7 @@
               <a:rPr lang="zh-CN" altLang="en-US"/>
               <a:t>第四级</a:t>
             </a:r>
+            <a:endParaRPr lang="zh-CN" altLang="en-US"/>
           </a:p>
           <a:p>
             <a:pPr lvl="4"/>
@@ -6712,6 +6877,7 @@
               <a:rPr lang="zh-CN" altLang="en-US"/>
               <a:t>第五级</a:t>
             </a:r>
+            <a:endParaRPr lang="zh-CN" altLang="en-US"/>
           </a:p>
         </p:txBody>
       </p:sp>
@@ -6764,6 +6930,7 @@
               <a:rPr lang="zh-CN" altLang="en-US"/>
               <a:t>单击此处编辑母版标题样式</a:t>
             </a:r>
+            <a:endParaRPr lang="zh-CN" altLang="en-US"/>
           </a:p>
         </p:txBody>
       </p:sp>
@@ -6828,6 +6995,7 @@
               <a:rPr lang="zh-CN" altLang="en-US"/>
               <a:t>单击此处编辑母版副标题样式</a:t>
             </a:r>
+            <a:endParaRPr lang="zh-CN" altLang="en-US"/>
           </a:p>
         </p:txBody>
       </p:sp>
@@ -6876,6 +7044,7 @@
               <a:rPr lang="zh-CN" altLang="en-US"/>
               <a:t>单击此处编辑母版标题样式</a:t>
             </a:r>
+            <a:endParaRPr lang="zh-CN" altLang="en-US"/>
           </a:p>
         </p:txBody>
       </p:sp>
@@ -6899,6 +7068,7 @@
               <a:rPr lang="zh-CN" altLang="en-US"/>
               <a:t>单击此处编辑母版文本样式</a:t>
             </a:r>
+            <a:endParaRPr lang="zh-CN" altLang="en-US"/>
           </a:p>
           <a:p>
             <a:pPr lvl="1"/>
@@ -6906,6 +7076,7 @@
               <a:rPr lang="zh-CN" altLang="en-US"/>
               <a:t>第二级</a:t>
             </a:r>
+            <a:endParaRPr lang="zh-CN" altLang="en-US"/>
           </a:p>
           <a:p>
             <a:pPr lvl="2"/>
@@ -6913,6 +7084,7 @@
               <a:rPr lang="zh-CN" altLang="en-US"/>
               <a:t>第三级</a:t>
             </a:r>
+            <a:endParaRPr lang="zh-CN" altLang="en-US"/>
           </a:p>
           <a:p>
             <a:pPr lvl="3"/>
@@ -6920,6 +7092,7 @@
               <a:rPr lang="zh-CN" altLang="en-US"/>
               <a:t>第四级</a:t>
             </a:r>
+            <a:endParaRPr lang="zh-CN" altLang="en-US"/>
           </a:p>
           <a:p>
             <a:pPr lvl="4"/>
@@ -6927,6 +7100,7 @@
               <a:rPr lang="zh-CN" altLang="en-US"/>
               <a:t>第五级</a:t>
             </a:r>
+            <a:endParaRPr lang="zh-CN" altLang="en-US"/>
           </a:p>
         </p:txBody>
       </p:sp>
@@ -6984,6 +7158,7 @@
               <a:rPr lang="zh-CN" altLang="en-US"/>
               <a:t>单击此处编辑母版标题样式</a:t>
             </a:r>
+            <a:endParaRPr lang="zh-CN" altLang="en-US"/>
           </a:p>
         </p:txBody>
       </p:sp>
@@ -7049,6 +7224,7 @@
               <a:rPr lang="zh-CN" altLang="en-US"/>
               <a:t>单击此处编辑母版文本样式</a:t>
             </a:r>
+            <a:endParaRPr lang="zh-CN" altLang="en-US"/>
           </a:p>
         </p:txBody>
       </p:sp>
@@ -7105,6 +7281,7 @@
               <a:rPr lang="zh-CN" altLang="en-US"/>
               <a:t>单击此处编辑母版文本样式</a:t>
             </a:r>
+            <a:endParaRPr lang="zh-CN" altLang="en-US"/>
           </a:p>
           <a:p>
             <a:pPr lvl="1"/>
@@ -7112,6 +7289,7 @@
               <a:rPr lang="zh-CN" altLang="en-US"/>
               <a:t>第二级</a:t>
             </a:r>
+            <a:endParaRPr lang="zh-CN" altLang="en-US"/>
           </a:p>
           <a:p>
             <a:pPr lvl="2"/>
@@ -7119,6 +7297,7 @@
               <a:rPr lang="zh-CN" altLang="en-US"/>
               <a:t>第三级</a:t>
             </a:r>
+            <a:endParaRPr lang="zh-CN" altLang="en-US"/>
           </a:p>
           <a:p>
             <a:pPr lvl="3"/>
@@ -7126,6 +7305,7 @@
               <a:rPr lang="zh-CN" altLang="en-US"/>
               <a:t>第四级</a:t>
             </a:r>
+            <a:endParaRPr lang="zh-CN" altLang="en-US"/>
           </a:p>
           <a:p>
             <a:pPr lvl="4"/>
@@ -7133,6 +7313,7 @@
               <a:rPr lang="zh-CN" altLang="en-US"/>
               <a:t>第五级</a:t>
             </a:r>
+            <a:endParaRPr lang="zh-CN" altLang="en-US"/>
           </a:p>
         </p:txBody>
       </p:sp>
@@ -7198,6 +7379,7 @@
               <a:rPr lang="zh-CN" altLang="en-US"/>
               <a:t>单击此处编辑母版文本样式</a:t>
             </a:r>
+            <a:endParaRPr lang="zh-CN" altLang="en-US"/>
           </a:p>
         </p:txBody>
       </p:sp>
@@ -7254,6 +7436,7 @@
               <a:rPr lang="zh-CN" altLang="en-US"/>
               <a:t>单击此处编辑母版文本样式</a:t>
             </a:r>
+            <a:endParaRPr lang="zh-CN" altLang="en-US"/>
           </a:p>
           <a:p>
             <a:pPr lvl="1"/>
@@ -7261,6 +7444,7 @@
               <a:rPr lang="zh-CN" altLang="en-US"/>
               <a:t>第二级</a:t>
             </a:r>
+            <a:endParaRPr lang="zh-CN" altLang="en-US"/>
           </a:p>
           <a:p>
             <a:pPr lvl="2"/>
@@ -7268,6 +7452,7 @@
               <a:rPr lang="zh-CN" altLang="en-US"/>
               <a:t>第三级</a:t>
             </a:r>
+            <a:endParaRPr lang="zh-CN" altLang="en-US"/>
           </a:p>
           <a:p>
             <a:pPr lvl="3"/>
@@ -7275,6 +7460,7 @@
               <a:rPr lang="zh-CN" altLang="en-US"/>
               <a:t>第四级</a:t>
             </a:r>
+            <a:endParaRPr lang="zh-CN" altLang="en-US"/>
           </a:p>
           <a:p>
             <a:pPr lvl="4"/>
@@ -7282,6 +7468,7 @@
               <a:rPr lang="zh-CN" altLang="en-US"/>
               <a:t>第五级</a:t>
             </a:r>
+            <a:endParaRPr lang="zh-CN" altLang="en-US"/>
           </a:p>
         </p:txBody>
       </p:sp>
@@ -7321,12 +7508,12 @@
             </a:r>
             <a:fld id="{1AC42276-EE9D-44AD-A5AC-89754202E76E}" type="slidenum">
               <a:rPr lang="zh-CN" altLang="en-US"/>
-              <a:t>‹#›</a:t>
             </a:fld>
             <a:r>
               <a:rPr lang="zh-CN" altLang="en-US"/>
               <a:t>－</a:t>
             </a:r>
+            <a:endParaRPr lang="zh-CN" altLang="en-US"/>
           </a:p>
         </p:txBody>
       </p:sp>
@@ -7384,6 +7571,7 @@
               <a:rPr lang="zh-CN" altLang="en-US"/>
               <a:t>单击此处编辑母版标题样式</a:t>
             </a:r>
+            <a:endParaRPr lang="zh-CN" altLang="en-US"/>
           </a:p>
         </p:txBody>
       </p:sp>
@@ -7449,6 +7637,7 @@
               <a:rPr lang="zh-CN" altLang="en-US"/>
               <a:t>单击此处编辑母版文本样式</a:t>
             </a:r>
+            <a:endParaRPr lang="zh-CN" altLang="en-US"/>
           </a:p>
         </p:txBody>
       </p:sp>
@@ -7497,6 +7686,7 @@
               <a:rPr lang="zh-CN" altLang="en-US"/>
               <a:t>单击此处编辑母版标题样式</a:t>
             </a:r>
+            <a:endParaRPr lang="zh-CN" altLang="en-US"/>
           </a:p>
         </p:txBody>
       </p:sp>
@@ -7553,6 +7743,7 @@
               <a:rPr lang="zh-CN" altLang="en-US"/>
               <a:t>单击此处编辑母版文本样式</a:t>
             </a:r>
+            <a:endParaRPr lang="zh-CN" altLang="en-US"/>
           </a:p>
           <a:p>
             <a:pPr lvl="1"/>
@@ -7560,6 +7751,7 @@
               <a:rPr lang="zh-CN" altLang="en-US"/>
               <a:t>第二级</a:t>
             </a:r>
+            <a:endParaRPr lang="zh-CN" altLang="en-US"/>
           </a:p>
           <a:p>
             <a:pPr lvl="2"/>
@@ -7567,6 +7759,7 @@
               <a:rPr lang="zh-CN" altLang="en-US"/>
               <a:t>第三级</a:t>
             </a:r>
+            <a:endParaRPr lang="zh-CN" altLang="en-US"/>
           </a:p>
           <a:p>
             <a:pPr lvl="3"/>
@@ -7574,6 +7767,7 @@
               <a:rPr lang="zh-CN" altLang="en-US"/>
               <a:t>第四级</a:t>
             </a:r>
+            <a:endParaRPr lang="zh-CN" altLang="en-US"/>
           </a:p>
           <a:p>
             <a:pPr lvl="4"/>
@@ -7581,6 +7775,7 @@
               <a:rPr lang="zh-CN" altLang="en-US"/>
               <a:t>第五级</a:t>
             </a:r>
+            <a:endParaRPr lang="zh-CN" altLang="en-US"/>
           </a:p>
         </p:txBody>
       </p:sp>
@@ -7637,6 +7832,7 @@
               <a:rPr lang="zh-CN" altLang="en-US"/>
               <a:t>单击此处编辑母版文本样式</a:t>
             </a:r>
+            <a:endParaRPr lang="zh-CN" altLang="en-US"/>
           </a:p>
           <a:p>
             <a:pPr lvl="1"/>
@@ -7644,6 +7840,7 @@
               <a:rPr lang="zh-CN" altLang="en-US"/>
               <a:t>第二级</a:t>
             </a:r>
+            <a:endParaRPr lang="zh-CN" altLang="en-US"/>
           </a:p>
           <a:p>
             <a:pPr lvl="2"/>
@@ -7651,6 +7848,7 @@
               <a:rPr lang="zh-CN" altLang="en-US"/>
               <a:t>第三级</a:t>
             </a:r>
+            <a:endParaRPr lang="zh-CN" altLang="en-US"/>
           </a:p>
           <a:p>
             <a:pPr lvl="3"/>
@@ -7658,6 +7856,7 @@
               <a:rPr lang="zh-CN" altLang="en-US"/>
               <a:t>第四级</a:t>
             </a:r>
+            <a:endParaRPr lang="zh-CN" altLang="en-US"/>
           </a:p>
           <a:p>
             <a:pPr lvl="4"/>
@@ -7665,6 +7864,7 @@
               <a:rPr lang="zh-CN" altLang="en-US"/>
               <a:t>第五级</a:t>
             </a:r>
+            <a:endParaRPr lang="zh-CN" altLang="en-US"/>
           </a:p>
         </p:txBody>
       </p:sp>
@@ -7722,6 +7922,7 @@
               <a:rPr lang="zh-CN" altLang="en-US"/>
               <a:t>单击此处编辑母版标题样式</a:t>
             </a:r>
+            <a:endParaRPr lang="zh-CN" altLang="en-US"/>
           </a:p>
         </p:txBody>
       </p:sp>
@@ -7787,6 +7988,7 @@
               <a:rPr lang="zh-CN" altLang="en-US" dirty="0"/>
               <a:t>单击此处编辑母版文本样式</a:t>
             </a:r>
+            <a:endParaRPr lang="zh-CN" altLang="en-US" dirty="0"/>
           </a:p>
         </p:txBody>
       </p:sp>
@@ -7843,6 +8045,7 @@
               <a:rPr lang="zh-CN" altLang="en-US" dirty="0"/>
               <a:t>单击此处编辑母版文本样式</a:t>
             </a:r>
+            <a:endParaRPr lang="zh-CN" altLang="en-US" dirty="0"/>
           </a:p>
           <a:p>
             <a:pPr lvl="1"/>
@@ -7850,6 +8053,7 @@
               <a:rPr lang="zh-CN" altLang="en-US" dirty="0"/>
               <a:t>第二级</a:t>
             </a:r>
+            <a:endParaRPr lang="zh-CN" altLang="en-US" dirty="0"/>
           </a:p>
           <a:p>
             <a:pPr lvl="2"/>
@@ -7857,6 +8061,7 @@
               <a:rPr lang="zh-CN" altLang="en-US" dirty="0"/>
               <a:t>第三级</a:t>
             </a:r>
+            <a:endParaRPr lang="zh-CN" altLang="en-US" dirty="0"/>
           </a:p>
           <a:p>
             <a:pPr lvl="3"/>
@@ -7864,6 +8069,7 @@
               <a:rPr lang="zh-CN" altLang="en-US" dirty="0"/>
               <a:t>第四级</a:t>
             </a:r>
+            <a:endParaRPr lang="zh-CN" altLang="en-US" dirty="0"/>
           </a:p>
           <a:p>
             <a:pPr lvl="4"/>
@@ -7871,6 +8077,7 @@
               <a:rPr lang="zh-CN" altLang="en-US" dirty="0"/>
               <a:t>第五级</a:t>
             </a:r>
+            <a:endParaRPr lang="zh-CN" altLang="en-US" dirty="0"/>
           </a:p>
         </p:txBody>
       </p:sp>
@@ -7936,6 +8143,7 @@
               <a:rPr lang="zh-CN" altLang="en-US"/>
               <a:t>单击此处编辑母版文本样式</a:t>
             </a:r>
+            <a:endParaRPr lang="zh-CN" altLang="en-US"/>
           </a:p>
         </p:txBody>
       </p:sp>
@@ -7992,6 +8200,7 @@
               <a:rPr lang="zh-CN" altLang="en-US"/>
               <a:t>单击此处编辑母版文本样式</a:t>
             </a:r>
+            <a:endParaRPr lang="zh-CN" altLang="en-US"/>
           </a:p>
           <a:p>
             <a:pPr lvl="1"/>
@@ -7999,6 +8208,7 @@
               <a:rPr lang="zh-CN" altLang="en-US"/>
               <a:t>第二级</a:t>
             </a:r>
+            <a:endParaRPr lang="zh-CN" altLang="en-US"/>
           </a:p>
           <a:p>
             <a:pPr lvl="2"/>
@@ -8006,6 +8216,7 @@
               <a:rPr lang="zh-CN" altLang="en-US"/>
               <a:t>第三级</a:t>
             </a:r>
+            <a:endParaRPr lang="zh-CN" altLang="en-US"/>
           </a:p>
           <a:p>
             <a:pPr lvl="3"/>
@@ -8013,6 +8224,7 @@
               <a:rPr lang="zh-CN" altLang="en-US"/>
               <a:t>第四级</a:t>
             </a:r>
+            <a:endParaRPr lang="zh-CN" altLang="en-US"/>
           </a:p>
           <a:p>
             <a:pPr lvl="4"/>
@@ -8020,6 +8232,7 @@
               <a:rPr lang="zh-CN" altLang="en-US"/>
               <a:t>第五级</a:t>
             </a:r>
+            <a:endParaRPr lang="zh-CN" altLang="en-US"/>
           </a:p>
         </p:txBody>
       </p:sp>
@@ -8068,6 +8281,7 @@
               <a:rPr lang="zh-CN" altLang="en-US"/>
               <a:t>单击此处编辑母版标题样式</a:t>
             </a:r>
+            <a:endParaRPr lang="zh-CN" altLang="en-US"/>
           </a:p>
         </p:txBody>
       </p:sp>
@@ -8151,6 +8365,7 @@
               <a:rPr lang="zh-CN" altLang="en-US"/>
               <a:t>单击此处编辑母版标题样式</a:t>
             </a:r>
+            <a:endParaRPr lang="zh-CN" altLang="en-US"/>
           </a:p>
         </p:txBody>
       </p:sp>
@@ -8207,6 +8422,7 @@
               <a:rPr lang="zh-CN" altLang="en-US" dirty="0"/>
               <a:t>单击此处编辑母版文本样式</a:t>
             </a:r>
+            <a:endParaRPr lang="zh-CN" altLang="en-US" dirty="0"/>
           </a:p>
           <a:p>
             <a:pPr lvl="1"/>
@@ -8214,6 +8430,7 @@
               <a:rPr lang="zh-CN" altLang="en-US" dirty="0"/>
               <a:t>第二级</a:t>
             </a:r>
+            <a:endParaRPr lang="zh-CN" altLang="en-US" dirty="0"/>
           </a:p>
           <a:p>
             <a:pPr lvl="2"/>
@@ -8221,6 +8438,7 @@
               <a:rPr lang="zh-CN" altLang="en-US" dirty="0"/>
               <a:t>第三级</a:t>
             </a:r>
+            <a:endParaRPr lang="zh-CN" altLang="en-US" dirty="0"/>
           </a:p>
           <a:p>
             <a:pPr lvl="3"/>
@@ -8228,6 +8446,7 @@
               <a:rPr lang="zh-CN" altLang="en-US" dirty="0"/>
               <a:t>第四级</a:t>
             </a:r>
+            <a:endParaRPr lang="zh-CN" altLang="en-US" dirty="0"/>
           </a:p>
           <a:p>
             <a:pPr lvl="4"/>
@@ -8235,6 +8454,7 @@
               <a:rPr lang="zh-CN" altLang="en-US" dirty="0"/>
               <a:t>第五级</a:t>
             </a:r>
+            <a:endParaRPr lang="zh-CN" altLang="en-US" dirty="0"/>
           </a:p>
         </p:txBody>
       </p:sp>
@@ -8300,6 +8520,7 @@
               <a:rPr lang="zh-CN" altLang="en-US"/>
               <a:t>单击此处编辑母版文本样式</a:t>
             </a:r>
+            <a:endParaRPr lang="zh-CN" altLang="en-US"/>
           </a:p>
         </p:txBody>
       </p:sp>
@@ -8357,6 +8578,7 @@
               <a:rPr lang="zh-CN" altLang="en-US"/>
               <a:t>单击此处编辑母版标题样式</a:t>
             </a:r>
+            <a:endParaRPr lang="zh-CN" altLang="en-US"/>
           </a:p>
         </p:txBody>
       </p:sp>
@@ -8484,6 +8706,7 @@
               <a:rPr lang="zh-CN" altLang="en-US"/>
               <a:t>单击此处编辑母版文本样式</a:t>
             </a:r>
+            <a:endParaRPr lang="zh-CN" altLang="en-US"/>
           </a:p>
         </p:txBody>
       </p:sp>
@@ -8532,6 +8755,7 @@
               <a:rPr lang="zh-CN" altLang="en-US"/>
               <a:t>单击此处编辑母版标题样式</a:t>
             </a:r>
+            <a:endParaRPr lang="zh-CN" altLang="en-US"/>
           </a:p>
         </p:txBody>
       </p:sp>
@@ -8555,6 +8779,7 @@
               <a:rPr lang="zh-CN" altLang="en-US"/>
               <a:t>单击此处编辑母版文本样式</a:t>
             </a:r>
+            <a:endParaRPr lang="zh-CN" altLang="en-US"/>
           </a:p>
           <a:p>
             <a:pPr lvl="1"/>
@@ -8562,6 +8787,7 @@
               <a:rPr lang="zh-CN" altLang="en-US"/>
               <a:t>第二级</a:t>
             </a:r>
+            <a:endParaRPr lang="zh-CN" altLang="en-US"/>
           </a:p>
           <a:p>
             <a:pPr lvl="2"/>
@@ -8569,6 +8795,7 @@
               <a:rPr lang="zh-CN" altLang="en-US"/>
               <a:t>第三级</a:t>
             </a:r>
+            <a:endParaRPr lang="zh-CN" altLang="en-US"/>
           </a:p>
           <a:p>
             <a:pPr lvl="3"/>
@@ -8576,6 +8803,7 @@
               <a:rPr lang="zh-CN" altLang="en-US"/>
               <a:t>第四级</a:t>
             </a:r>
+            <a:endParaRPr lang="zh-CN" altLang="en-US"/>
           </a:p>
           <a:p>
             <a:pPr lvl="4"/>
@@ -8583,6 +8811,7 @@
               <a:rPr lang="zh-CN" altLang="en-US"/>
               <a:t>第五级</a:t>
             </a:r>
+            <a:endParaRPr lang="zh-CN" altLang="en-US"/>
           </a:p>
         </p:txBody>
       </p:sp>
@@ -8636,6 +8865,7 @@
               <a:rPr lang="zh-CN" altLang="en-US"/>
               <a:t>单击此处编辑母版标题样式</a:t>
             </a:r>
+            <a:endParaRPr lang="zh-CN" altLang="en-US"/>
           </a:p>
         </p:txBody>
       </p:sp>
@@ -8664,6 +8894,7 @@
               <a:rPr lang="zh-CN" altLang="en-US"/>
               <a:t>单击此处编辑母版文本样式</a:t>
             </a:r>
+            <a:endParaRPr lang="zh-CN" altLang="en-US"/>
           </a:p>
           <a:p>
             <a:pPr lvl="1"/>
@@ -8671,6 +8902,7 @@
               <a:rPr lang="zh-CN" altLang="en-US"/>
               <a:t>第二级</a:t>
             </a:r>
+            <a:endParaRPr lang="zh-CN" altLang="en-US"/>
           </a:p>
           <a:p>
             <a:pPr lvl="2"/>
@@ -8678,6 +8910,7 @@
               <a:rPr lang="zh-CN" altLang="en-US"/>
               <a:t>第三级</a:t>
             </a:r>
+            <a:endParaRPr lang="zh-CN" altLang="en-US"/>
           </a:p>
           <a:p>
             <a:pPr lvl="3"/>
@@ -8685,6 +8918,7 @@
               <a:rPr lang="zh-CN" altLang="en-US"/>
               <a:t>第四级</a:t>
             </a:r>
+            <a:endParaRPr lang="zh-CN" altLang="en-US"/>
           </a:p>
           <a:p>
             <a:pPr lvl="4"/>
@@ -8692,6 +8926,7 @@
               <a:rPr lang="zh-CN" altLang="en-US"/>
               <a:t>第五级</a:t>
             </a:r>
+            <a:endParaRPr lang="zh-CN" altLang="en-US"/>
           </a:p>
         </p:txBody>
       </p:sp>
@@ -8705,7 +8940,7 @@
 </file>
 
 <file path=ppt/slideLayouts/slideLayout59.xml><?xml version="1.0" encoding="utf-8"?>
-<p:sldLayout xmlns:a="http://schemas.openxmlformats.org/drawingml/2006/main" xmlns:r="http://schemas.openxmlformats.org/officeDocument/2006/relationships" xmlns:p="http://schemas.openxmlformats.org/presentationml/2006/main" showMasterSp="0" type="title" preserve="1">
+<p:sldLayout xmlns:a="http://schemas.openxmlformats.org/drawingml/2006/main" xmlns:r="http://schemas.openxmlformats.org/officeDocument/2006/relationships" xmlns:p="http://schemas.openxmlformats.org/presentationml/2006/main" type="title" preserve="1" showMasterSp="0">
   <p:cSld name="标题幻灯片">
     <p:spTree>
       <p:nvGrpSpPr>
@@ -8896,6 +9131,13 @@
               </a:rPr>
               <a:t>版权：吉首大学</a:t>
             </a:r>
+            <a:endParaRPr lang="zh-CN" altLang="en-US" sz="1600" dirty="0">
+              <a:solidFill>
+                <a:srgbClr val="C00000"/>
+              </a:solidFill>
+              <a:latin typeface="微软雅黑" panose="020B0503020204020204" pitchFamily="34" charset="-122"/>
+              <a:ea typeface="微软雅黑" panose="020B0503020204020204" pitchFamily="34" charset="-122"/>
+            </a:endParaRPr>
           </a:p>
         </p:txBody>
       </p:sp>
@@ -8944,6 +9186,7 @@
               <a:rPr lang="zh-CN" altLang="en-US"/>
               <a:t>单击此处编辑母版标题样式</a:t>
             </a:r>
+            <a:endParaRPr lang="zh-CN" altLang="en-US"/>
           </a:p>
         </p:txBody>
       </p:sp>
@@ -8992,6 +9235,7 @@
               <a:rPr lang="zh-CN" altLang="en-US"/>
               <a:t>单击此处编辑母版标题样式</a:t>
             </a:r>
+            <a:endParaRPr lang="zh-CN" altLang="en-US"/>
           </a:p>
         </p:txBody>
       </p:sp>
@@ -9015,6 +9259,7 @@
               <a:rPr lang="zh-CN" altLang="en-US"/>
               <a:t>单击此处编辑母版文本样式</a:t>
             </a:r>
+            <a:endParaRPr lang="zh-CN" altLang="en-US"/>
           </a:p>
           <a:p>
             <a:pPr lvl="1"/>
@@ -9022,6 +9267,7 @@
               <a:rPr lang="zh-CN" altLang="en-US"/>
               <a:t>第二级</a:t>
             </a:r>
+            <a:endParaRPr lang="zh-CN" altLang="en-US"/>
           </a:p>
           <a:p>
             <a:pPr lvl="2"/>
@@ -9029,6 +9275,7 @@
               <a:rPr lang="zh-CN" altLang="en-US"/>
               <a:t>第三级</a:t>
             </a:r>
+            <a:endParaRPr lang="zh-CN" altLang="en-US"/>
           </a:p>
           <a:p>
             <a:pPr lvl="3"/>
@@ -9036,6 +9283,7 @@
               <a:rPr lang="zh-CN" altLang="en-US"/>
               <a:t>第四级</a:t>
             </a:r>
+            <a:endParaRPr lang="zh-CN" altLang="en-US"/>
           </a:p>
           <a:p>
             <a:pPr lvl="4"/>
@@ -9043,6 +9291,7 @@
               <a:rPr lang="zh-CN" altLang="en-US"/>
               <a:t>第五级</a:t>
             </a:r>
+            <a:endParaRPr lang="zh-CN" altLang="en-US"/>
           </a:p>
         </p:txBody>
       </p:sp>
@@ -9100,6 +9349,7 @@
               <a:rPr lang="zh-CN" altLang="en-US"/>
               <a:t>单击此处编辑母版标题样式</a:t>
             </a:r>
+            <a:endParaRPr lang="zh-CN" altLang="en-US"/>
           </a:p>
         </p:txBody>
       </p:sp>
@@ -9165,6 +9415,7 @@
               <a:rPr lang="zh-CN" altLang="en-US"/>
               <a:t>单击此处编辑母版文本样式</a:t>
             </a:r>
+            <a:endParaRPr lang="zh-CN" altLang="en-US"/>
           </a:p>
         </p:txBody>
       </p:sp>
@@ -9213,6 +9464,7 @@
               <a:rPr lang="zh-CN" altLang="en-US"/>
               <a:t>单击此处编辑母版标题样式</a:t>
             </a:r>
+            <a:endParaRPr lang="zh-CN" altLang="en-US"/>
           </a:p>
         </p:txBody>
       </p:sp>
@@ -9269,6 +9521,7 @@
               <a:rPr lang="zh-CN" altLang="en-US"/>
               <a:t>单击此处编辑母版文本样式</a:t>
             </a:r>
+            <a:endParaRPr lang="zh-CN" altLang="en-US"/>
           </a:p>
           <a:p>
             <a:pPr lvl="1"/>
@@ -9276,6 +9529,7 @@
               <a:rPr lang="zh-CN" altLang="en-US"/>
               <a:t>第二级</a:t>
             </a:r>
+            <a:endParaRPr lang="zh-CN" altLang="en-US"/>
           </a:p>
           <a:p>
             <a:pPr lvl="2"/>
@@ -9283,6 +9537,7 @@
               <a:rPr lang="zh-CN" altLang="en-US"/>
               <a:t>第三级</a:t>
             </a:r>
+            <a:endParaRPr lang="zh-CN" altLang="en-US"/>
           </a:p>
           <a:p>
             <a:pPr lvl="3"/>
@@ -9290,6 +9545,7 @@
               <a:rPr lang="zh-CN" altLang="en-US"/>
               <a:t>第四级</a:t>
             </a:r>
+            <a:endParaRPr lang="zh-CN" altLang="en-US"/>
           </a:p>
           <a:p>
             <a:pPr lvl="4"/>
@@ -9297,6 +9553,7 @@
               <a:rPr lang="zh-CN" altLang="en-US"/>
               <a:t>第五级</a:t>
             </a:r>
+            <a:endParaRPr lang="zh-CN" altLang="en-US"/>
           </a:p>
         </p:txBody>
       </p:sp>
@@ -9353,6 +9610,7 @@
               <a:rPr lang="zh-CN" altLang="en-US"/>
               <a:t>单击此处编辑母版文本样式</a:t>
             </a:r>
+            <a:endParaRPr lang="zh-CN" altLang="en-US"/>
           </a:p>
           <a:p>
             <a:pPr lvl="1"/>
@@ -9360,6 +9618,7 @@
               <a:rPr lang="zh-CN" altLang="en-US"/>
               <a:t>第二级</a:t>
             </a:r>
+            <a:endParaRPr lang="zh-CN" altLang="en-US"/>
           </a:p>
           <a:p>
             <a:pPr lvl="2"/>
@@ -9367,6 +9626,7 @@
               <a:rPr lang="zh-CN" altLang="en-US"/>
               <a:t>第三级</a:t>
             </a:r>
+            <a:endParaRPr lang="zh-CN" altLang="en-US"/>
           </a:p>
           <a:p>
             <a:pPr lvl="3"/>
@@ -9374,6 +9634,7 @@
               <a:rPr lang="zh-CN" altLang="en-US"/>
               <a:t>第四级</a:t>
             </a:r>
+            <a:endParaRPr lang="zh-CN" altLang="en-US"/>
           </a:p>
           <a:p>
             <a:pPr lvl="4"/>
@@ -9381,6 +9642,7 @@
               <a:rPr lang="zh-CN" altLang="en-US"/>
               <a:t>第五级</a:t>
             </a:r>
+            <a:endParaRPr lang="zh-CN" altLang="en-US"/>
           </a:p>
         </p:txBody>
       </p:sp>
@@ -9420,12 +9682,12 @@
             </a:r>
             <a:fld id="{2DF428B0-3B17-4F88-BA9E-5A7FD85C27D4}" type="slidenum">
               <a:rPr lang="zh-CN" altLang="en-US"/>
-              <a:t>‹#›</a:t>
             </a:fld>
             <a:r>
               <a:rPr lang="zh-CN" altLang="en-US"/>
               <a:t>－</a:t>
             </a:r>
+            <a:endParaRPr lang="zh-CN" altLang="en-US"/>
           </a:p>
         </p:txBody>
       </p:sp>
@@ -9483,6 +9745,7 @@
               <a:rPr lang="zh-CN" altLang="en-US"/>
               <a:t>单击此处编辑母版标题样式</a:t>
             </a:r>
+            <a:endParaRPr lang="zh-CN" altLang="en-US"/>
           </a:p>
         </p:txBody>
       </p:sp>
@@ -9548,6 +9811,7 @@
               <a:rPr lang="zh-CN" altLang="en-US"/>
               <a:t>单击此处编辑母版文本样式</a:t>
             </a:r>
+            <a:endParaRPr lang="zh-CN" altLang="en-US"/>
           </a:p>
         </p:txBody>
       </p:sp>
@@ -9604,6 +9868,7 @@
               <a:rPr lang="zh-CN" altLang="en-US"/>
               <a:t>单击此处编辑母版文本样式</a:t>
             </a:r>
+            <a:endParaRPr lang="zh-CN" altLang="en-US"/>
           </a:p>
           <a:p>
             <a:pPr lvl="1"/>
@@ -9611,6 +9876,7 @@
               <a:rPr lang="zh-CN" altLang="en-US"/>
               <a:t>第二级</a:t>
             </a:r>
+            <a:endParaRPr lang="zh-CN" altLang="en-US"/>
           </a:p>
           <a:p>
             <a:pPr lvl="2"/>
@@ -9618,6 +9884,7 @@
               <a:rPr lang="zh-CN" altLang="en-US"/>
               <a:t>第三级</a:t>
             </a:r>
+            <a:endParaRPr lang="zh-CN" altLang="en-US"/>
           </a:p>
           <a:p>
             <a:pPr lvl="3"/>
@@ -9625,6 +9892,7 @@
               <a:rPr lang="zh-CN" altLang="en-US"/>
               <a:t>第四级</a:t>
             </a:r>
+            <a:endParaRPr lang="zh-CN" altLang="en-US"/>
           </a:p>
           <a:p>
             <a:pPr lvl="4"/>
@@ -9632,6 +9900,7 @@
               <a:rPr lang="zh-CN" altLang="en-US"/>
               <a:t>第五级</a:t>
             </a:r>
+            <a:endParaRPr lang="zh-CN" altLang="en-US"/>
           </a:p>
         </p:txBody>
       </p:sp>
@@ -9697,6 +9966,7 @@
               <a:rPr lang="zh-CN" altLang="en-US"/>
               <a:t>单击此处编辑母版文本样式</a:t>
             </a:r>
+            <a:endParaRPr lang="zh-CN" altLang="en-US"/>
           </a:p>
         </p:txBody>
       </p:sp>
@@ -9753,6 +10023,7 @@
               <a:rPr lang="zh-CN" altLang="en-US"/>
               <a:t>单击此处编辑母版文本样式</a:t>
             </a:r>
+            <a:endParaRPr lang="zh-CN" altLang="en-US"/>
           </a:p>
           <a:p>
             <a:pPr lvl="1"/>
@@ -9760,6 +10031,7 @@
               <a:rPr lang="zh-CN" altLang="en-US"/>
               <a:t>第二级</a:t>
             </a:r>
+            <a:endParaRPr lang="zh-CN" altLang="en-US"/>
           </a:p>
           <a:p>
             <a:pPr lvl="2"/>
@@ -9767,6 +10039,7 @@
               <a:rPr lang="zh-CN" altLang="en-US"/>
               <a:t>第三级</a:t>
             </a:r>
+            <a:endParaRPr lang="zh-CN" altLang="en-US"/>
           </a:p>
           <a:p>
             <a:pPr lvl="3"/>
@@ -9774,6 +10047,7 @@
               <a:rPr lang="zh-CN" altLang="en-US"/>
               <a:t>第四级</a:t>
             </a:r>
+            <a:endParaRPr lang="zh-CN" altLang="en-US"/>
           </a:p>
           <a:p>
             <a:pPr lvl="4"/>
@@ -9781,6 +10055,7 @@
               <a:rPr lang="zh-CN" altLang="en-US"/>
               <a:t>第五级</a:t>
             </a:r>
+            <a:endParaRPr lang="zh-CN" altLang="en-US"/>
           </a:p>
         </p:txBody>
       </p:sp>
@@ -9820,12 +10095,12 @@
             </a:r>
             <a:fld id="{165BD7EA-8FDD-4E22-A30A-8FE705B69157}" type="slidenum">
               <a:rPr lang="zh-CN" altLang="en-US"/>
-              <a:t>‹#›</a:t>
             </a:fld>
             <a:r>
               <a:rPr lang="zh-CN" altLang="en-US"/>
               <a:t>－</a:t>
             </a:r>
+            <a:endParaRPr lang="zh-CN" altLang="en-US"/>
           </a:p>
         </p:txBody>
       </p:sp>
@@ -9874,6 +10149,7 @@
               <a:rPr lang="zh-CN" altLang="en-US"/>
               <a:t>单击此处编辑母版标题样式</a:t>
             </a:r>
+            <a:endParaRPr lang="zh-CN" altLang="en-US"/>
           </a:p>
         </p:txBody>
       </p:sp>
@@ -9957,6 +10233,7 @@
               <a:rPr lang="zh-CN" altLang="en-US"/>
               <a:t>单击此处编辑母版标题样式</a:t>
             </a:r>
+            <a:endParaRPr lang="zh-CN" altLang="en-US"/>
           </a:p>
         </p:txBody>
       </p:sp>
@@ -10013,6 +10290,7 @@
               <a:rPr lang="zh-CN" altLang="en-US"/>
               <a:t>单击此处编辑母版文本样式</a:t>
             </a:r>
+            <a:endParaRPr lang="zh-CN" altLang="en-US"/>
           </a:p>
           <a:p>
             <a:pPr lvl="1"/>
@@ -10020,6 +10298,7 @@
               <a:rPr lang="zh-CN" altLang="en-US"/>
               <a:t>第二级</a:t>
             </a:r>
+            <a:endParaRPr lang="zh-CN" altLang="en-US"/>
           </a:p>
           <a:p>
             <a:pPr lvl="2"/>
@@ -10027,6 +10306,7 @@
               <a:rPr lang="zh-CN" altLang="en-US"/>
               <a:t>第三级</a:t>
             </a:r>
+            <a:endParaRPr lang="zh-CN" altLang="en-US"/>
           </a:p>
           <a:p>
             <a:pPr lvl="3"/>
@@ -10034,6 +10314,7 @@
               <a:rPr lang="zh-CN" altLang="en-US"/>
               <a:t>第四级</a:t>
             </a:r>
+            <a:endParaRPr lang="zh-CN" altLang="en-US"/>
           </a:p>
           <a:p>
             <a:pPr lvl="4"/>
@@ -10041,6 +10322,7 @@
               <a:rPr lang="zh-CN" altLang="en-US"/>
               <a:t>第五级</a:t>
             </a:r>
+            <a:endParaRPr lang="zh-CN" altLang="en-US"/>
           </a:p>
         </p:txBody>
       </p:sp>
@@ -10106,6 +10388,7 @@
               <a:rPr lang="zh-CN" altLang="en-US"/>
               <a:t>单击此处编辑母版文本样式</a:t>
             </a:r>
+            <a:endParaRPr lang="zh-CN" altLang="en-US"/>
           </a:p>
         </p:txBody>
       </p:sp>
@@ -10145,12 +10428,12 @@
             </a:r>
             <a:fld id="{47A41651-F18E-4F69-A697-B7E3C49DE3D1}" type="slidenum">
               <a:rPr lang="zh-CN" altLang="en-US"/>
-              <a:t>‹#›</a:t>
             </a:fld>
             <a:r>
               <a:rPr lang="zh-CN" altLang="en-US"/>
               <a:t>－</a:t>
             </a:r>
+            <a:endParaRPr lang="zh-CN" altLang="en-US"/>
           </a:p>
         </p:txBody>
       </p:sp>
@@ -10208,6 +10491,7 @@
               <a:rPr lang="zh-CN" altLang="en-US"/>
               <a:t>单击此处编辑母版标题样式</a:t>
             </a:r>
+            <a:endParaRPr lang="zh-CN" altLang="en-US"/>
           </a:p>
         </p:txBody>
       </p:sp>
@@ -10335,6 +10619,7 @@
               <a:rPr lang="zh-CN" altLang="en-US"/>
               <a:t>单击此处编辑母版文本样式</a:t>
             </a:r>
+            <a:endParaRPr lang="zh-CN" altLang="en-US"/>
           </a:p>
         </p:txBody>
       </p:sp>
@@ -10374,12 +10659,12 @@
             </a:r>
             <a:fld id="{ACA6B3FF-4FCF-48E6-AA21-BD5B13AFD427}" type="slidenum">
               <a:rPr lang="zh-CN" altLang="en-US"/>
-              <a:t>‹#›</a:t>
             </a:fld>
             <a:r>
               <a:rPr lang="zh-CN" altLang="en-US"/>
               <a:t>－</a:t>
             </a:r>
+            <a:endParaRPr lang="zh-CN" altLang="en-US"/>
           </a:p>
         </p:txBody>
       </p:sp>
@@ -10428,6 +10713,7 @@
               <a:rPr lang="zh-CN" altLang="en-US"/>
               <a:t>单击此处编辑母版标题样式</a:t>
             </a:r>
+            <a:endParaRPr lang="zh-CN" altLang="en-US"/>
           </a:p>
         </p:txBody>
       </p:sp>
@@ -10451,6 +10737,7 @@
               <a:rPr lang="zh-CN" altLang="en-US"/>
               <a:t>单击此处编辑母版文本样式</a:t>
             </a:r>
+            <a:endParaRPr lang="zh-CN" altLang="en-US"/>
           </a:p>
           <a:p>
             <a:pPr lvl="1"/>
@@ -10458,6 +10745,7 @@
               <a:rPr lang="zh-CN" altLang="en-US"/>
               <a:t>第二级</a:t>
             </a:r>
+            <a:endParaRPr lang="zh-CN" altLang="en-US"/>
           </a:p>
           <a:p>
             <a:pPr lvl="2"/>
@@ -10465,6 +10753,7 @@
               <a:rPr lang="zh-CN" altLang="en-US"/>
               <a:t>第三级</a:t>
             </a:r>
+            <a:endParaRPr lang="zh-CN" altLang="en-US"/>
           </a:p>
           <a:p>
             <a:pPr lvl="3"/>
@@ -10472,6 +10761,7 @@
               <a:rPr lang="zh-CN" altLang="en-US"/>
               <a:t>第四级</a:t>
             </a:r>
+            <a:endParaRPr lang="zh-CN" altLang="en-US"/>
           </a:p>
           <a:p>
             <a:pPr lvl="4"/>
@@ -10479,6 +10769,7 @@
               <a:rPr lang="zh-CN" altLang="en-US"/>
               <a:t>第五级</a:t>
             </a:r>
+            <a:endParaRPr lang="zh-CN" altLang="en-US"/>
           </a:p>
         </p:txBody>
       </p:sp>
@@ -10532,6 +10823,7 @@
               <a:rPr lang="zh-CN" altLang="en-US"/>
               <a:t>单击此处编辑母版标题样式</a:t>
             </a:r>
+            <a:endParaRPr lang="zh-CN" altLang="en-US"/>
           </a:p>
         </p:txBody>
       </p:sp>
@@ -10560,6 +10852,7 @@
               <a:rPr lang="zh-CN" altLang="en-US"/>
               <a:t>单击此处编辑母版文本样式</a:t>
             </a:r>
+            <a:endParaRPr lang="zh-CN" altLang="en-US"/>
           </a:p>
           <a:p>
             <a:pPr lvl="1"/>
@@ -10567,6 +10860,7 @@
               <a:rPr lang="zh-CN" altLang="en-US"/>
               <a:t>第二级</a:t>
             </a:r>
+            <a:endParaRPr lang="zh-CN" altLang="en-US"/>
           </a:p>
           <a:p>
             <a:pPr lvl="2"/>
@@ -10574,6 +10868,7 @@
               <a:rPr lang="zh-CN" altLang="en-US"/>
               <a:t>第三级</a:t>
             </a:r>
+            <a:endParaRPr lang="zh-CN" altLang="en-US"/>
           </a:p>
           <a:p>
             <a:pPr lvl="3"/>
@@ -10581,6 +10876,7 @@
               <a:rPr lang="zh-CN" altLang="en-US"/>
               <a:t>第四级</a:t>
             </a:r>
+            <a:endParaRPr lang="zh-CN" altLang="en-US"/>
           </a:p>
           <a:p>
             <a:pPr lvl="4"/>
@@ -10588,6 +10884,7 @@
               <a:rPr lang="zh-CN" altLang="en-US"/>
               <a:t>第五级</a:t>
             </a:r>
+            <a:endParaRPr lang="zh-CN" altLang="en-US"/>
           </a:p>
         </p:txBody>
       </p:sp>
@@ -10668,6 +10965,7 @@
               <a:rPr lang="zh-CN" altLang="en-US"/>
               <a:t>单击此处编辑母版文本样式</a:t>
             </a:r>
+            <a:endParaRPr lang="zh-CN" altLang="en-US"/>
           </a:p>
           <a:p>
             <a:pPr lvl="1"/>
@@ -10675,6 +10973,7 @@
               <a:rPr lang="zh-CN" altLang="en-US"/>
               <a:t>第二级</a:t>
             </a:r>
+            <a:endParaRPr lang="zh-CN" altLang="en-US"/>
           </a:p>
           <a:p>
             <a:pPr lvl="2"/>
@@ -10682,6 +10981,7 @@
               <a:rPr lang="zh-CN" altLang="en-US"/>
               <a:t>第三级</a:t>
             </a:r>
+            <a:endParaRPr lang="zh-CN" altLang="en-US"/>
           </a:p>
           <a:p>
             <a:pPr lvl="3"/>
@@ -10689,6 +10989,7 @@
               <a:rPr lang="zh-CN" altLang="en-US"/>
               <a:t>第四级</a:t>
             </a:r>
+            <a:endParaRPr lang="zh-CN" altLang="en-US"/>
           </a:p>
           <a:p>
             <a:pPr lvl="4"/>
@@ -10696,6 +10997,7 @@
               <a:rPr lang="zh-CN" altLang="en-US"/>
               <a:t>第五级</a:t>
             </a:r>
+            <a:endParaRPr lang="zh-CN" altLang="en-US"/>
           </a:p>
         </p:txBody>
       </p:sp>
@@ -10749,6 +11051,7 @@
               <a:rPr lang="zh-CN" altLang="en-US"/>
               <a:t>单击此处编辑母版标题样式</a:t>
             </a:r>
+            <a:endParaRPr lang="zh-CN" altLang="en-US"/>
           </a:p>
         </p:txBody>
       </p:sp>
@@ -10813,12 +11116,12 @@
             </a:r>
             <a:fld id="{480EDB4B-5EAF-4B7D-8D80-38A8FE3C7EE7}" type="slidenum">
               <a:rPr lang="zh-CN" altLang="en-US"/>
-              <a:t>‹#›</a:t>
             </a:fld>
             <a:r>
               <a:rPr lang="zh-CN" altLang="en-US"/>
               <a:t>－</a:t>
             </a:r>
+            <a:endParaRPr lang="zh-CN" altLang="en-US"/>
           </a:p>
         </p:txBody>
       </p:sp>
@@ -10872,6 +11175,7 @@
               <a:rPr lang="zh-CN" altLang="en-US"/>
               <a:t>单击此处编辑母版标题样式</a:t>
             </a:r>
+            <a:endParaRPr lang="zh-CN" altLang="en-US"/>
           </a:p>
         </p:txBody>
       </p:sp>
@@ -10900,6 +11204,7 @@
               <a:rPr lang="zh-CN" altLang="en-US"/>
               <a:t>单击此处编辑母版文本样式</a:t>
             </a:r>
+            <a:endParaRPr lang="zh-CN" altLang="en-US"/>
           </a:p>
           <a:p>
             <a:pPr lvl="1"/>
@@ -10907,6 +11212,7 @@
               <a:rPr lang="zh-CN" altLang="en-US"/>
               <a:t>第二级</a:t>
             </a:r>
+            <a:endParaRPr lang="zh-CN" altLang="en-US"/>
           </a:p>
           <a:p>
             <a:pPr lvl="2"/>
@@ -10914,6 +11220,7 @@
               <a:rPr lang="zh-CN" altLang="en-US"/>
               <a:t>第三级</a:t>
             </a:r>
+            <a:endParaRPr lang="zh-CN" altLang="en-US"/>
           </a:p>
           <a:p>
             <a:pPr lvl="3"/>
@@ -10921,6 +11228,7 @@
               <a:rPr lang="zh-CN" altLang="en-US"/>
               <a:t>第四级</a:t>
             </a:r>
+            <a:endParaRPr lang="zh-CN" altLang="en-US"/>
           </a:p>
           <a:p>
             <a:pPr lvl="4"/>
@@ -10928,6 +11236,7 @@
               <a:rPr lang="zh-CN" altLang="en-US"/>
               <a:t>第五级</a:t>
             </a:r>
+            <a:endParaRPr lang="zh-CN" altLang="en-US"/>
           </a:p>
         </p:txBody>
       </p:sp>
@@ -10956,6 +11265,7 @@
               <a:rPr lang="zh-CN" altLang="en-US"/>
               <a:t>单击此处编辑母版文本样式</a:t>
             </a:r>
+            <a:endParaRPr lang="zh-CN" altLang="en-US"/>
           </a:p>
           <a:p>
             <a:pPr lvl="1"/>
@@ -10963,6 +11273,7 @@
               <a:rPr lang="zh-CN" altLang="en-US"/>
               <a:t>第二级</a:t>
             </a:r>
+            <a:endParaRPr lang="zh-CN" altLang="en-US"/>
           </a:p>
           <a:p>
             <a:pPr lvl="2"/>
@@ -10970,6 +11281,7 @@
               <a:rPr lang="zh-CN" altLang="en-US"/>
               <a:t>第三级</a:t>
             </a:r>
+            <a:endParaRPr lang="zh-CN" altLang="en-US"/>
           </a:p>
           <a:p>
             <a:pPr lvl="3"/>
@@ -10977,6 +11289,7 @@
               <a:rPr lang="zh-CN" altLang="en-US"/>
               <a:t>第四级</a:t>
             </a:r>
+            <a:endParaRPr lang="zh-CN" altLang="en-US"/>
           </a:p>
           <a:p>
             <a:pPr lvl="4"/>
@@ -10984,6 +11297,7 @@
               <a:rPr lang="zh-CN" altLang="en-US"/>
               <a:t>第五级</a:t>
             </a:r>
+            <a:endParaRPr lang="zh-CN" altLang="en-US"/>
           </a:p>
         </p:txBody>
       </p:sp>
@@ -11037,6 +11351,7 @@
               <a:rPr lang="zh-CN" altLang="en-US"/>
               <a:t>单击此处编辑母版标题样式</a:t>
             </a:r>
+            <a:endParaRPr lang="zh-CN" altLang="en-US"/>
           </a:p>
         </p:txBody>
       </p:sp>
@@ -11065,6 +11380,7 @@
               <a:rPr lang="zh-CN" altLang="en-US"/>
               <a:t>单击此处编辑母版文本样式</a:t>
             </a:r>
+            <a:endParaRPr lang="zh-CN" altLang="en-US"/>
           </a:p>
           <a:p>
             <a:pPr lvl="1"/>
@@ -11072,6 +11388,7 @@
               <a:rPr lang="zh-CN" altLang="en-US"/>
               <a:t>第二级</a:t>
             </a:r>
+            <a:endParaRPr lang="zh-CN" altLang="en-US"/>
           </a:p>
           <a:p>
             <a:pPr lvl="2"/>
@@ -11079,6 +11396,7 @@
               <a:rPr lang="zh-CN" altLang="en-US"/>
               <a:t>第三级</a:t>
             </a:r>
+            <a:endParaRPr lang="zh-CN" altLang="en-US"/>
           </a:p>
           <a:p>
             <a:pPr lvl="3"/>
@@ -11086,6 +11404,7 @@
               <a:rPr lang="zh-CN" altLang="en-US"/>
               <a:t>第四级</a:t>
             </a:r>
+            <a:endParaRPr lang="zh-CN" altLang="en-US"/>
           </a:p>
           <a:p>
             <a:pPr lvl="4"/>
@@ -11093,6 +11412,7 @@
               <a:rPr lang="zh-CN" altLang="en-US"/>
               <a:t>第五级</a:t>
             </a:r>
+            <a:endParaRPr lang="zh-CN" altLang="en-US"/>
           </a:p>
         </p:txBody>
       </p:sp>
@@ -11121,6 +11441,7 @@
               <a:rPr lang="zh-CN" altLang="en-US"/>
               <a:t>单击此处编辑母版文本样式</a:t>
             </a:r>
+            <a:endParaRPr lang="zh-CN" altLang="en-US"/>
           </a:p>
           <a:p>
             <a:pPr lvl="1"/>
@@ -11128,6 +11449,7 @@
               <a:rPr lang="zh-CN" altLang="en-US"/>
               <a:t>第二级</a:t>
             </a:r>
+            <a:endParaRPr lang="zh-CN" altLang="en-US"/>
           </a:p>
           <a:p>
             <a:pPr lvl="2"/>
@@ -11135,6 +11457,7 @@
               <a:rPr lang="zh-CN" altLang="en-US"/>
               <a:t>第三级</a:t>
             </a:r>
+            <a:endParaRPr lang="zh-CN" altLang="en-US"/>
           </a:p>
           <a:p>
             <a:pPr lvl="3"/>
@@ -11142,6 +11465,7 @@
               <a:rPr lang="zh-CN" altLang="en-US"/>
               <a:t>第四级</a:t>
             </a:r>
+            <a:endParaRPr lang="zh-CN" altLang="en-US"/>
           </a:p>
           <a:p>
             <a:pPr lvl="4"/>
@@ -11149,6 +11473,7 @@
               <a:rPr lang="zh-CN" altLang="en-US"/>
               <a:t>第五级</a:t>
             </a:r>
+            <a:endParaRPr lang="zh-CN" altLang="en-US"/>
           </a:p>
         </p:txBody>
       </p:sp>
@@ -11177,6 +11502,7 @@
               <a:rPr lang="zh-CN" altLang="en-US"/>
               <a:t>单击此处编辑母版文本样式</a:t>
             </a:r>
+            <a:endParaRPr lang="zh-CN" altLang="en-US"/>
           </a:p>
           <a:p>
             <a:pPr lvl="1"/>
@@ -11184,6 +11510,7 @@
               <a:rPr lang="zh-CN" altLang="en-US"/>
               <a:t>第二级</a:t>
             </a:r>
+            <a:endParaRPr lang="zh-CN" altLang="en-US"/>
           </a:p>
           <a:p>
             <a:pPr lvl="2"/>
@@ -11191,6 +11518,7 @@
               <a:rPr lang="zh-CN" altLang="en-US"/>
               <a:t>第三级</a:t>
             </a:r>
+            <a:endParaRPr lang="zh-CN" altLang="en-US"/>
           </a:p>
           <a:p>
             <a:pPr lvl="3"/>
@@ -11198,6 +11526,7 @@
               <a:rPr lang="zh-CN" altLang="en-US"/>
               <a:t>第四级</a:t>
             </a:r>
+            <a:endParaRPr lang="zh-CN" altLang="en-US"/>
           </a:p>
           <a:p>
             <a:pPr lvl="4"/>
@@ -11205,6 +11534,7 @@
               <a:rPr lang="zh-CN" altLang="en-US"/>
               <a:t>第五级</a:t>
             </a:r>
+            <a:endParaRPr lang="zh-CN" altLang="en-US"/>
           </a:p>
         </p:txBody>
       </p:sp>
@@ -11233,6 +11563,7 @@
               <a:rPr lang="zh-CN" altLang="en-US"/>
               <a:t>单击此处编辑母版文本样式</a:t>
             </a:r>
+            <a:endParaRPr lang="zh-CN" altLang="en-US"/>
           </a:p>
           <a:p>
             <a:pPr lvl="1"/>
@@ -11240,6 +11571,7 @@
               <a:rPr lang="zh-CN" altLang="en-US"/>
               <a:t>第二级</a:t>
             </a:r>
+            <a:endParaRPr lang="zh-CN" altLang="en-US"/>
           </a:p>
           <a:p>
             <a:pPr lvl="2"/>
@@ -11247,6 +11579,7 @@
               <a:rPr lang="zh-CN" altLang="en-US"/>
               <a:t>第三级</a:t>
             </a:r>
+            <a:endParaRPr lang="zh-CN" altLang="en-US"/>
           </a:p>
           <a:p>
             <a:pPr lvl="3"/>
@@ -11254,6 +11587,7 @@
               <a:rPr lang="zh-CN" altLang="en-US"/>
               <a:t>第四级</a:t>
             </a:r>
+            <a:endParaRPr lang="zh-CN" altLang="en-US"/>
           </a:p>
           <a:p>
             <a:pPr lvl="4"/>
@@ -11261,6 +11595,7 @@
               <a:rPr lang="zh-CN" altLang="en-US"/>
               <a:t>第五级</a:t>
             </a:r>
+            <a:endParaRPr lang="zh-CN" altLang="en-US"/>
           </a:p>
         </p:txBody>
       </p:sp>
@@ -11318,6 +11653,7 @@
               <a:rPr lang="zh-CN" altLang="en-US"/>
               <a:t>单击此处编辑母版标题样式</a:t>
             </a:r>
+            <a:endParaRPr lang="zh-CN" altLang="en-US"/>
           </a:p>
         </p:txBody>
       </p:sp>
@@ -11374,6 +11710,7 @@
               <a:rPr lang="zh-CN" altLang="en-US"/>
               <a:t>单击此处编辑母版文本样式</a:t>
             </a:r>
+            <a:endParaRPr lang="zh-CN" altLang="en-US"/>
           </a:p>
           <a:p>
             <a:pPr lvl="1"/>
@@ -11381,6 +11718,7 @@
               <a:rPr lang="zh-CN" altLang="en-US"/>
               <a:t>第二级</a:t>
             </a:r>
+            <a:endParaRPr lang="zh-CN" altLang="en-US"/>
           </a:p>
           <a:p>
             <a:pPr lvl="2"/>
@@ -11388,6 +11726,7 @@
               <a:rPr lang="zh-CN" altLang="en-US"/>
               <a:t>第三级</a:t>
             </a:r>
+            <a:endParaRPr lang="zh-CN" altLang="en-US"/>
           </a:p>
           <a:p>
             <a:pPr lvl="3"/>
@@ -11395,6 +11734,7 @@
               <a:rPr lang="zh-CN" altLang="en-US"/>
               <a:t>第四级</a:t>
             </a:r>
+            <a:endParaRPr lang="zh-CN" altLang="en-US"/>
           </a:p>
           <a:p>
             <a:pPr lvl="4"/>
@@ -11402,6 +11742,7 @@
               <a:rPr lang="zh-CN" altLang="en-US"/>
               <a:t>第五级</a:t>
             </a:r>
+            <a:endParaRPr lang="zh-CN" altLang="en-US"/>
           </a:p>
         </p:txBody>
       </p:sp>
@@ -11467,6 +11808,7 @@
               <a:rPr lang="zh-CN" altLang="en-US"/>
               <a:t>单击此处编辑母版文本样式</a:t>
             </a:r>
+            <a:endParaRPr lang="zh-CN" altLang="en-US"/>
           </a:p>
         </p:txBody>
       </p:sp>
@@ -11524,6 +11866,7 @@
               <a:rPr lang="zh-CN" altLang="en-US"/>
               <a:t>单击此处编辑母版标题样式</a:t>
             </a:r>
+            <a:endParaRPr lang="zh-CN" altLang="en-US"/>
           </a:p>
         </p:txBody>
       </p:sp>
@@ -11651,6 +11994,7 @@
               <a:rPr lang="zh-CN" altLang="en-US"/>
               <a:t>单击此处编辑母版文本样式</a:t>
             </a:r>
+            <a:endParaRPr lang="zh-CN" altLang="en-US"/>
           </a:p>
         </p:txBody>
       </p:sp>
@@ -11732,7 +12076,7 @@
           <p:nvPr/>
         </p:nvPicPr>
         <p:blipFill>
-          <a:blip r:embed="rId14" cstate="print"/>
+          <a:blip r:embed="rId13" cstate="print"/>
           <a:srcRect/>
           <a:stretch>
             <a:fillRect/>
@@ -11788,6 +12132,7 @@
               <a:rPr lang="zh-CN" altLang="en-US" dirty="0"/>
               <a:t>单击此处编辑母版文本样式</a:t>
             </a:r>
+            <a:endParaRPr lang="zh-CN" altLang="en-US" dirty="0"/>
           </a:p>
           <a:p>
             <a:pPr lvl="1"/>
@@ -11795,6 +12140,7 @@
               <a:rPr lang="zh-CN" altLang="en-US" dirty="0"/>
               <a:t>第二级</a:t>
             </a:r>
+            <a:endParaRPr lang="zh-CN" altLang="en-US" dirty="0"/>
           </a:p>
           <a:p>
             <a:pPr lvl="2"/>
@@ -11802,6 +12148,7 @@
               <a:rPr lang="zh-CN" altLang="en-US" dirty="0"/>
               <a:t>第三级</a:t>
             </a:r>
+            <a:endParaRPr lang="zh-CN" altLang="en-US" dirty="0"/>
           </a:p>
           <a:p>
             <a:pPr lvl="3"/>
@@ -11809,6 +12156,7 @@
               <a:rPr lang="zh-CN" altLang="en-US" dirty="0"/>
               <a:t>第四级</a:t>
             </a:r>
+            <a:endParaRPr lang="zh-CN" altLang="en-US" dirty="0"/>
           </a:p>
           <a:p>
             <a:pPr lvl="4"/>
@@ -11816,6 +12164,7 @@
               <a:rPr lang="zh-CN" altLang="en-US" dirty="0"/>
               <a:t>第五级</a:t>
             </a:r>
+            <a:endParaRPr lang="zh-CN" altLang="en-US" dirty="0"/>
           </a:p>
         </p:txBody>
       </p:sp>
@@ -11852,6 +12201,7 @@
               <a:rPr lang="zh-CN" altLang="en-US" dirty="0"/>
               <a:t>单击此处编辑母版标题样式</a:t>
             </a:r>
+            <a:endParaRPr lang="zh-CN" altLang="en-US" dirty="0"/>
           </a:p>
         </p:txBody>
       </p:sp>
@@ -11904,7 +12254,7 @@
           <p:nvPr userDrawn="1"/>
         </p:nvPicPr>
         <p:blipFill>
-          <a:blip r:embed="rId15"/>
+          <a:blip r:embed="rId14"/>
           <a:srcRect/>
           <a:stretch>
             <a:fillRect/>
@@ -11973,6 +12323,13 @@
               </a:rPr>
               <a:t>版权：吉首大学</a:t>
             </a:r>
+            <a:endParaRPr lang="zh-CN" altLang="en-US" sz="1600" dirty="0">
+              <a:solidFill>
+                <a:srgbClr val="C00000"/>
+              </a:solidFill>
+              <a:latin typeface="微软雅黑" panose="020B0503020204020204" pitchFamily="34" charset="-122"/>
+              <a:ea typeface="微软雅黑" panose="020B0503020204020204" pitchFamily="34" charset="-122"/>
+            </a:endParaRPr>
           </a:p>
         </p:txBody>
       </p:sp>
@@ -12458,7 +12815,7 @@
           <p:nvPr/>
         </p:nvPicPr>
         <p:blipFill>
-          <a:blip r:embed="rId15" cstate="print"/>
+          <a:blip r:embed="rId14" cstate="print"/>
           <a:srcRect/>
           <a:stretch>
             <a:fillRect/>
@@ -12514,6 +12871,7 @@
               <a:rPr lang="zh-CN" altLang="en-US" dirty="0"/>
               <a:t>单击此处编辑母版文本样式</a:t>
             </a:r>
+            <a:endParaRPr lang="zh-CN" altLang="en-US" dirty="0"/>
           </a:p>
           <a:p>
             <a:pPr lvl="1"/>
@@ -12521,6 +12879,7 @@
               <a:rPr lang="zh-CN" altLang="en-US" dirty="0"/>
               <a:t>第二级</a:t>
             </a:r>
+            <a:endParaRPr lang="zh-CN" altLang="en-US" dirty="0"/>
           </a:p>
           <a:p>
             <a:pPr lvl="2"/>
@@ -12528,6 +12887,7 @@
               <a:rPr lang="zh-CN" altLang="en-US" dirty="0"/>
               <a:t>第三级</a:t>
             </a:r>
+            <a:endParaRPr lang="zh-CN" altLang="en-US" dirty="0"/>
           </a:p>
           <a:p>
             <a:pPr lvl="3"/>
@@ -12535,6 +12895,7 @@
               <a:rPr lang="zh-CN" altLang="en-US" dirty="0"/>
               <a:t>第四级</a:t>
             </a:r>
+            <a:endParaRPr lang="zh-CN" altLang="en-US" dirty="0"/>
           </a:p>
           <a:p>
             <a:pPr lvl="4"/>
@@ -12542,6 +12903,7 @@
               <a:rPr lang="zh-CN" altLang="en-US" dirty="0"/>
               <a:t>第五级</a:t>
             </a:r>
+            <a:endParaRPr lang="zh-CN" altLang="en-US" dirty="0"/>
           </a:p>
         </p:txBody>
       </p:sp>
@@ -12578,6 +12940,7 @@
               <a:rPr lang="zh-CN" altLang="en-US"/>
               <a:t>单击此处编辑母版标题样式</a:t>
             </a:r>
+            <a:endParaRPr lang="zh-CN" altLang="en-US"/>
           </a:p>
         </p:txBody>
       </p:sp>
@@ -12590,7 +12953,7 @@
           <p:nvPr userDrawn="1"/>
         </p:nvPicPr>
         <p:blipFill>
-          <a:blip r:embed="rId16"/>
+          <a:blip r:embed="rId15"/>
           <a:srcRect/>
           <a:stretch>
             <a:fillRect/>
@@ -12659,6 +13022,13 @@
               </a:rPr>
               <a:t>版权：吉首大学</a:t>
             </a:r>
+            <a:endParaRPr lang="zh-CN" altLang="en-US" sz="1600" dirty="0">
+              <a:solidFill>
+                <a:srgbClr val="C00000"/>
+              </a:solidFill>
+              <a:latin typeface="微软雅黑" panose="020B0503020204020204" pitchFamily="34" charset="-122"/>
+              <a:ea typeface="微软雅黑" panose="020B0503020204020204" pitchFamily="34" charset="-122"/>
+            </a:endParaRPr>
           </a:p>
         </p:txBody>
       </p:sp>
@@ -13126,6 +13496,7 @@
               <a:rPr lang="zh-CN" altLang="en-US"/>
               <a:t>单击此处编辑母版标题样式</a:t>
             </a:r>
+            <a:endParaRPr lang="zh-CN" altLang="en-US"/>
           </a:p>
         </p:txBody>
       </p:sp>
@@ -13164,6 +13535,7 @@
               <a:rPr lang="zh-CN" altLang="en-US"/>
               <a:t>单击此处编辑母版文本样式</a:t>
             </a:r>
+            <a:endParaRPr lang="zh-CN" altLang="en-US"/>
           </a:p>
           <a:p>
             <a:pPr lvl="1"/>
@@ -13171,6 +13543,7 @@
               <a:rPr lang="zh-CN" altLang="en-US"/>
               <a:t>第二级</a:t>
             </a:r>
+            <a:endParaRPr lang="zh-CN" altLang="en-US"/>
           </a:p>
           <a:p>
             <a:pPr lvl="2"/>
@@ -13178,6 +13551,7 @@
               <a:rPr lang="zh-CN" altLang="en-US"/>
               <a:t>第三级</a:t>
             </a:r>
+            <a:endParaRPr lang="zh-CN" altLang="en-US"/>
           </a:p>
           <a:p>
             <a:pPr lvl="3"/>
@@ -13185,6 +13559,7 @@
               <a:rPr lang="zh-CN" altLang="en-US"/>
               <a:t>第四级</a:t>
             </a:r>
+            <a:endParaRPr lang="zh-CN" altLang="en-US"/>
           </a:p>
           <a:p>
             <a:pPr lvl="4"/>
@@ -13192,6 +13567,7 @@
               <a:rPr lang="zh-CN" altLang="en-US"/>
               <a:t>第五级</a:t>
             </a:r>
+            <a:endParaRPr lang="zh-CN" altLang="en-US"/>
           </a:p>
         </p:txBody>
       </p:sp>
@@ -13246,6 +13622,9 @@
                 </a:rPr>
                 <a:t>Unit of measure</a:t>
               </a:r>
+              <a:endParaRPr lang="en-US" altLang="zh-CN" b="0">
+                <a:ea typeface="华文楷体" panose="02010600040101010101" pitchFamily="2" charset="-122"/>
+              </a:endParaRPr>
             </a:p>
           </p:txBody>
         </p:sp>
@@ -13289,6 +13668,9 @@
                 </a:rPr>
                 <a:t>	*	</a:t>
               </a:r>
+              <a:endParaRPr lang="en-US" altLang="zh-CN" sz="1200" b="0">
+                <a:ea typeface="华文楷体" panose="02010600040101010101" pitchFamily="2" charset="-122"/>
+              </a:endParaRPr>
             </a:p>
             <a:p>
               <a:pPr marL="787400" indent="-787400" defTabSz="912495">
@@ -13312,6 +13694,9 @@
                 </a:rPr>
                 <a:t>资料来源：	</a:t>
               </a:r>
+              <a:endParaRPr lang="zh-CN" altLang="en-US" sz="1200" b="0">
+                <a:ea typeface="华文楷体" panose="02010600040101010101" pitchFamily="2" charset="-122"/>
+              </a:endParaRPr>
             </a:p>
           </p:txBody>
         </p:sp>
@@ -13353,6 +13738,9 @@
               </a:rPr>
               <a:t>Working Draft - Last Modified 02/06/2006 4:45:35 PM</a:t>
             </a:r>
+            <a:endParaRPr lang="en-US" altLang="zh-CN" sz="600" b="0">
+              <a:ea typeface="华文楷体" panose="02010600040101010101" pitchFamily="2" charset="-122"/>
+            </a:endParaRPr>
           </a:p>
         </p:txBody>
       </p:sp>
@@ -13393,6 +13781,9 @@
               </a:rPr>
               <a:t>Printed 01/27/2006 12:18:22 PM</a:t>
             </a:r>
+            <a:endParaRPr lang="en-US" altLang="zh-CN" sz="600" b="0">
+              <a:ea typeface="华文楷体" panose="02010600040101010101" pitchFamily="2" charset="-122"/>
+            </a:endParaRPr>
           </a:p>
         </p:txBody>
       </p:sp>
@@ -13455,7 +13846,7 @@
           <p:nvPr userDrawn="1"/>
         </p:nvPicPr>
         <p:blipFill>
-          <a:blip r:embed="rId13"/>
+          <a:blip r:embed="rId12"/>
           <a:srcRect/>
           <a:stretch>
             <a:fillRect/>
@@ -13524,6 +13915,13 @@
               </a:rPr>
               <a:t>版权：吉首大学</a:t>
             </a:r>
+            <a:endParaRPr lang="zh-CN" altLang="en-US" sz="1600" dirty="0">
+              <a:solidFill>
+                <a:srgbClr val="C00000"/>
+              </a:solidFill>
+              <a:latin typeface="微软雅黑" panose="020B0503020204020204" pitchFamily="34" charset="-122"/>
+              <a:ea typeface="微软雅黑" panose="020B0503020204020204" pitchFamily="34" charset="-122"/>
+            </a:endParaRPr>
           </a:p>
         </p:txBody>
       </p:sp>
@@ -13996,6 +14394,7 @@
               <a:rPr lang="zh-CN" altLang="en-US"/>
               <a:t>单击此处编辑母版标题样式</a:t>
             </a:r>
+            <a:endParaRPr lang="zh-CN" altLang="en-US"/>
           </a:p>
         </p:txBody>
       </p:sp>
@@ -14034,6 +14433,7 @@
               <a:rPr lang="zh-CN" altLang="en-US"/>
               <a:t>单击此处编辑母版文本样式</a:t>
             </a:r>
+            <a:endParaRPr lang="zh-CN" altLang="en-US"/>
           </a:p>
           <a:p>
             <a:pPr lvl="1"/>
@@ -14041,6 +14441,7 @@
               <a:rPr lang="zh-CN" altLang="en-US"/>
               <a:t>第二级</a:t>
             </a:r>
+            <a:endParaRPr lang="zh-CN" altLang="en-US"/>
           </a:p>
           <a:p>
             <a:pPr lvl="2"/>
@@ -14048,6 +14449,7 @@
               <a:rPr lang="zh-CN" altLang="en-US"/>
               <a:t>第三级</a:t>
             </a:r>
+            <a:endParaRPr lang="zh-CN" altLang="en-US"/>
           </a:p>
           <a:p>
             <a:pPr lvl="3"/>
@@ -14055,6 +14457,7 @@
               <a:rPr lang="zh-CN" altLang="en-US"/>
               <a:t>第四级</a:t>
             </a:r>
+            <a:endParaRPr lang="zh-CN" altLang="en-US"/>
           </a:p>
           <a:p>
             <a:pPr lvl="4"/>
@@ -14062,6 +14465,7 @@
               <a:rPr lang="zh-CN" altLang="en-US"/>
               <a:t>第五级</a:t>
             </a:r>
+            <a:endParaRPr lang="zh-CN" altLang="en-US"/>
           </a:p>
         </p:txBody>
       </p:sp>
@@ -14116,6 +14520,9 @@
                 </a:rPr>
                 <a:t>Unit of measure</a:t>
               </a:r>
+              <a:endParaRPr lang="en-US" altLang="zh-CN" b="0">
+                <a:ea typeface="华文楷体" panose="02010600040101010101" pitchFamily="2" charset="-122"/>
+              </a:endParaRPr>
             </a:p>
           </p:txBody>
         </p:sp>
@@ -14159,6 +14566,9 @@
                 </a:rPr>
                 <a:t>	*	</a:t>
               </a:r>
+              <a:endParaRPr lang="en-US" altLang="zh-CN" sz="1200" b="0">
+                <a:ea typeface="华文楷体" panose="02010600040101010101" pitchFamily="2" charset="-122"/>
+              </a:endParaRPr>
             </a:p>
             <a:p>
               <a:pPr marL="787400" indent="-787400" defTabSz="912495">
@@ -14182,6 +14592,9 @@
                 </a:rPr>
                 <a:t>资料来源：	</a:t>
               </a:r>
+              <a:endParaRPr lang="zh-CN" altLang="en-US" sz="1200" b="0">
+                <a:ea typeface="华文楷体" panose="02010600040101010101" pitchFamily="2" charset="-122"/>
+              </a:endParaRPr>
             </a:p>
           </p:txBody>
         </p:sp>
@@ -14223,6 +14636,9 @@
               </a:rPr>
               <a:t>Working Draft - Last Modified 02/06/2006 4:45:35 PM</a:t>
             </a:r>
+            <a:endParaRPr lang="en-US" altLang="zh-CN" sz="600" b="0">
+              <a:ea typeface="华文楷体" panose="02010600040101010101" pitchFamily="2" charset="-122"/>
+            </a:endParaRPr>
           </a:p>
         </p:txBody>
       </p:sp>
@@ -14263,6 +14679,9 @@
               </a:rPr>
               <a:t>Printed 01/27/2006 12:18:22 PM</a:t>
             </a:r>
+            <a:endParaRPr lang="en-US" altLang="zh-CN" sz="600" b="0">
+              <a:ea typeface="华文楷体" panose="02010600040101010101" pitchFamily="2" charset="-122"/>
+            </a:endParaRPr>
           </a:p>
         </p:txBody>
       </p:sp>
@@ -14325,7 +14744,7 @@
           <p:nvPr userDrawn="1"/>
         </p:nvPicPr>
         <p:blipFill>
-          <a:blip r:embed="rId13"/>
+          <a:blip r:embed="rId12"/>
           <a:srcRect/>
           <a:stretch>
             <a:fillRect/>
@@ -14394,6 +14813,13 @@
               </a:rPr>
               <a:t>版权：吉首大学</a:t>
             </a:r>
+            <a:endParaRPr lang="zh-CN" altLang="en-US" sz="1600" dirty="0">
+              <a:solidFill>
+                <a:srgbClr val="C00000"/>
+              </a:solidFill>
+              <a:latin typeface="微软雅黑" panose="020B0503020204020204" pitchFamily="34" charset="-122"/>
+              <a:ea typeface="微软雅黑" panose="020B0503020204020204" pitchFamily="34" charset="-122"/>
+            </a:endParaRPr>
           </a:p>
         </p:txBody>
       </p:sp>
@@ -14840,7 +15266,7 @@
           <p:nvPr/>
         </p:nvPicPr>
         <p:blipFill>
-          <a:blip r:embed="rId13" cstate="print"/>
+          <a:blip r:embed="rId12" cstate="print"/>
           <a:srcRect/>
           <a:stretch>
             <a:fillRect/>
@@ -14896,6 +15322,7 @@
               <a:rPr lang="zh-CN" altLang="en-US"/>
               <a:t>单击此处编辑母版文本样式</a:t>
             </a:r>
+            <a:endParaRPr lang="zh-CN" altLang="en-US"/>
           </a:p>
           <a:p>
             <a:pPr lvl="1"/>
@@ -14903,6 +15330,7 @@
               <a:rPr lang="zh-CN" altLang="en-US"/>
               <a:t>第二级</a:t>
             </a:r>
+            <a:endParaRPr lang="zh-CN" altLang="en-US"/>
           </a:p>
           <a:p>
             <a:pPr lvl="2"/>
@@ -14910,6 +15338,7 @@
               <a:rPr lang="zh-CN" altLang="en-US"/>
               <a:t>第三级</a:t>
             </a:r>
+            <a:endParaRPr lang="zh-CN" altLang="en-US"/>
           </a:p>
           <a:p>
             <a:pPr lvl="3"/>
@@ -14917,6 +15346,7 @@
               <a:rPr lang="zh-CN" altLang="en-US"/>
               <a:t>第四级</a:t>
             </a:r>
+            <a:endParaRPr lang="zh-CN" altLang="en-US"/>
           </a:p>
           <a:p>
             <a:pPr lvl="4"/>
@@ -14924,6 +15354,7 @@
               <a:rPr lang="zh-CN" altLang="en-US"/>
               <a:t>第五级</a:t>
             </a:r>
+            <a:endParaRPr lang="zh-CN" altLang="en-US"/>
           </a:p>
         </p:txBody>
       </p:sp>
@@ -14960,6 +15391,7 @@
               <a:rPr lang="zh-CN" altLang="en-US"/>
               <a:t>单击此处编辑母版标题样式</a:t>
             </a:r>
+            <a:endParaRPr lang="zh-CN" altLang="en-US"/>
           </a:p>
         </p:txBody>
       </p:sp>
@@ -14972,7 +15404,7 @@
           <p:nvPr userDrawn="1"/>
         </p:nvPicPr>
         <p:blipFill>
-          <a:blip r:embed="rId14"/>
+          <a:blip r:embed="rId13"/>
           <a:srcRect/>
           <a:stretch>
             <a:fillRect/>
@@ -15041,6 +15473,13 @@
               </a:rPr>
               <a:t>版权：吉首大学</a:t>
             </a:r>
+            <a:endParaRPr lang="zh-CN" altLang="en-US" sz="1600" dirty="0">
+              <a:solidFill>
+                <a:srgbClr val="C00000"/>
+              </a:solidFill>
+              <a:latin typeface="微软雅黑" panose="020B0503020204020204" pitchFamily="34" charset="-122"/>
+              <a:ea typeface="微软雅黑" panose="020B0503020204020204" pitchFamily="34" charset="-122"/>
+            </a:endParaRPr>
           </a:p>
         </p:txBody>
       </p:sp>
@@ -15560,7 +15999,7 @@
           <p:nvPr/>
         </p:nvPicPr>
         <p:blipFill>
-          <a:blip r:embed="rId17" cstate="print"/>
+          <a:blip r:embed="rId16" cstate="print"/>
           <a:srcRect/>
           <a:stretch>
             <a:fillRect/>
@@ -15616,6 +16055,7 @@
               <a:rPr lang="zh-CN" altLang="en-US"/>
               <a:t>单击此处编辑母版文本样式</a:t>
             </a:r>
+            <a:endParaRPr lang="zh-CN" altLang="en-US"/>
           </a:p>
           <a:p>
             <a:pPr lvl="1"/>
@@ -15623,6 +16063,7 @@
               <a:rPr lang="zh-CN" altLang="en-US"/>
               <a:t>第二级</a:t>
             </a:r>
+            <a:endParaRPr lang="zh-CN" altLang="en-US"/>
           </a:p>
           <a:p>
             <a:pPr lvl="2"/>
@@ -15630,6 +16071,7 @@
               <a:rPr lang="zh-CN" altLang="en-US"/>
               <a:t>第三级</a:t>
             </a:r>
+            <a:endParaRPr lang="zh-CN" altLang="en-US"/>
           </a:p>
           <a:p>
             <a:pPr lvl="3"/>
@@ -15637,6 +16079,7 @@
               <a:rPr lang="zh-CN" altLang="en-US"/>
               <a:t>第四级</a:t>
             </a:r>
+            <a:endParaRPr lang="zh-CN" altLang="en-US"/>
           </a:p>
           <a:p>
             <a:pPr lvl="4"/>
@@ -15644,6 +16087,7 @@
               <a:rPr lang="zh-CN" altLang="en-US"/>
               <a:t>第五级</a:t>
             </a:r>
+            <a:endParaRPr lang="zh-CN" altLang="en-US"/>
           </a:p>
         </p:txBody>
       </p:sp>
@@ -15681,6 +16125,7 @@
               <a:rPr lang="zh-CN" altLang="en-US"/>
               <a:t>单击此处编辑母版标题样式</a:t>
             </a:r>
+            <a:endParaRPr lang="zh-CN" altLang="en-US"/>
           </a:p>
         </p:txBody>
       </p:sp>
@@ -15733,7 +16178,7 @@
           <p:nvPr userDrawn="1"/>
         </p:nvPicPr>
         <p:blipFill>
-          <a:blip r:embed="rId18"/>
+          <a:blip r:embed="rId17"/>
           <a:srcRect/>
           <a:stretch>
             <a:fillRect/>
@@ -15802,6 +16247,13 @@
               </a:rPr>
               <a:t>版权：吉首大学</a:t>
             </a:r>
+            <a:endParaRPr lang="zh-CN" altLang="en-US" sz="1600" dirty="0">
+              <a:solidFill>
+                <a:srgbClr val="C00000"/>
+              </a:solidFill>
+              <a:latin typeface="微软雅黑" panose="020B0503020204020204" pitchFamily="34" charset="-122"/>
+              <a:ea typeface="微软雅黑" panose="020B0503020204020204" pitchFamily="34" charset="-122"/>
+            </a:endParaRPr>
           </a:p>
         </p:txBody>
       </p:sp>
@@ -16329,7 +16781,7 @@
         <p:spPr bwMode="auto">
           <a:xfrm>
             <a:off x="0" y="1869635"/>
-            <a:ext cx="9144000" cy="1556301"/>
+            <a:ext cx="9144000" cy="1689735"/>
           </a:xfrm>
           <a:prstGeom prst="rect">
             <a:avLst/>
@@ -16359,8 +16811,15 @@
                 <a:latin typeface="黑体" panose="02010609060101010101" pitchFamily="2" charset="-122"/>
                 <a:ea typeface="黑体" panose="02010609060101010101" pitchFamily="2" charset="-122"/>
               </a:rPr>
-              <a:t>吉首大学毕业设计开题报告</a:t>
-            </a:r>
+              <a:t>吉首大学毕业设计</a:t>
+            </a:r>
+            <a:endParaRPr lang="zh-CN" altLang="en-US" sz="3200" dirty="0">
+              <a:solidFill>
+                <a:schemeClr val="bg1"/>
+              </a:solidFill>
+              <a:latin typeface="黑体" panose="02010609060101010101" pitchFamily="2" charset="-122"/>
+              <a:ea typeface="黑体" panose="02010609060101010101" pitchFamily="2" charset="-122"/>
+            </a:endParaRPr>
           </a:p>
           <a:p>
             <a:pPr marL="114300" indent="-114300" algn="ctr" defTabSz="871220">
@@ -16378,6 +16837,13 @@
               </a:rPr>
               <a:t>岩生网（在线答题系统）</a:t>
             </a:r>
+            <a:endParaRPr lang="zh-CN" altLang="en-US" sz="4800" dirty="0">
+              <a:solidFill>
+                <a:schemeClr val="bg1"/>
+              </a:solidFill>
+              <a:latin typeface="黑体" panose="02010609060101010101" pitchFamily="2" charset="-122"/>
+              <a:ea typeface="黑体" panose="02010609060101010101" pitchFamily="2" charset="-122"/>
+            </a:endParaRPr>
           </a:p>
         </p:txBody>
       </p:sp>
@@ -16457,6 +16923,13 @@
               </a:rPr>
               <a:t>月</a:t>
             </a:r>
+            <a:endParaRPr lang="zh-CN" altLang="en-US" sz="2400" dirty="0">
+              <a:solidFill>
+                <a:schemeClr val="bg1"/>
+              </a:solidFill>
+              <a:latin typeface="微软雅黑" panose="020B0503020204020204" pitchFamily="34" charset="-122"/>
+              <a:ea typeface="微软雅黑" panose="020B0503020204020204" pitchFamily="34" charset="-122"/>
+            </a:endParaRPr>
           </a:p>
         </p:txBody>
       </p:sp>
@@ -16606,81 +17079,6 @@
     <a:masterClrMapping/>
   </p:clrMapOvr>
   <p:transition/>
-</p:sld>
-</file>
-
-<file path=ppt/slides/slide10.xml><?xml version="1.0" encoding="utf-8"?>
-<p:sld xmlns:a="http://schemas.openxmlformats.org/drawingml/2006/main" xmlns:r="http://schemas.openxmlformats.org/officeDocument/2006/relationships" xmlns:p="http://schemas.openxmlformats.org/presentationml/2006/main">
-  <p:cSld>
-    <p:spTree>
-      <p:nvGrpSpPr>
-        <p:cNvPr id="1" name=""/>
-        <p:cNvGrpSpPr/>
-        <p:nvPr/>
-      </p:nvGrpSpPr>
-      <p:grpSpPr>
-        <a:xfrm>
-          <a:off x="0" y="0"/>
-          <a:ext cx="0" cy="0"/>
-          <a:chOff x="0" y="0"/>
-          <a:chExt cx="0" cy="0"/>
-        </a:xfrm>
-      </p:grpSpPr>
-      <p:sp>
-        <p:nvSpPr>
-          <p:cNvPr id="11" name="TextBox 10"/>
-          <p:cNvSpPr txBox="1"/>
-          <p:nvPr/>
-        </p:nvSpPr>
-        <p:spPr bwMode="auto">
-          <a:xfrm>
-            <a:off x="724508" y="2621729"/>
-            <a:ext cx="7858148" cy="1436370"/>
-          </a:xfrm>
-          <a:prstGeom prst="rect">
-            <a:avLst/>
-          </a:prstGeom>
-          <a:noFill/>
-          <a:ln w="9525" algn="ctr">
-            <a:noFill/>
-            <a:miter lim="800000"/>
-          </a:ln>
-        </p:spPr>
-        <p:txBody>
-          <a:bodyPr wrap="square" rtlCol="0" anchor="ctr">
-            <a:spAutoFit/>
-          </a:bodyPr>
-          <a:lstStyle/>
-          <a:p>
-            <a:pPr algn="ctr"/>
-            <a:r>
-              <a:rPr lang="zh-CN" altLang="en-US" sz="6000" dirty="0">
-                <a:solidFill>
-                  <a:schemeClr val="bg1"/>
-                </a:solidFill>
-                <a:latin typeface="微软雅黑" panose="020B0503020204020204" pitchFamily="34" charset="-122"/>
-                <a:ea typeface="微软雅黑" panose="020B0503020204020204" pitchFamily="34" charset="-122"/>
-              </a:rPr>
-              <a:t>谢谢！</a:t>
-            </a:r>
-          </a:p>
-          <a:p>
-            <a:pPr algn="ctr"/>
-            <a:endParaRPr lang="en-US" altLang="zh-CN" sz="2400" dirty="0">
-              <a:latin typeface="微软雅黑" panose="020B0503020204020204" pitchFamily="34" charset="-122"/>
-              <a:ea typeface="微软雅黑" panose="020B0503020204020204" pitchFamily="34" charset="-122"/>
-            </a:endParaRPr>
-          </a:p>
-        </p:txBody>
-      </p:sp>
-    </p:spTree>
-  </p:cSld>
-  <p:clrMapOvr>
-    <a:masterClrMapping/>
-  </p:clrMapOvr>
-  <p:transition>
-    <p:cover dir="ru"/>
-  </p:transition>
 </p:sld>
 </file>
 
@@ -16935,6 +17333,11 @@
               </a:rPr>
               <a:t>题目意义</a:t>
             </a:r>
+            <a:endParaRPr lang="zh-CN" altLang="en-US" sz="2600" b="1" kern="0" dirty="0">
+              <a:latin typeface="微软雅黑" panose="020B0503020204020204" pitchFamily="34" charset="-122"/>
+              <a:ea typeface="微软雅黑" panose="020B0503020204020204" pitchFamily="34" charset="-122"/>
+              <a:cs typeface="+mj-cs"/>
+            </a:endParaRPr>
           </a:p>
         </p:txBody>
       </p:sp>
@@ -16976,6 +17379,7 @@
               <a:rPr lang="zh-CN" altLang="en-US" sz="2000" dirty="0"/>
               <a:t>世纪最重要的信息交互平台，能连接到网络的设备已经从普通的计算机扩展到智能手机、平板电脑等多种设备上。这一切意味着依托这些已经存在的设备和资源，我们的传统教育手段已经到了变革的这一刻。目前传统的练习手段以纸质试卷为主。这种手段的缺点是：</a:t>
             </a:r>
+            <a:endParaRPr lang="zh-CN" altLang="en-US" sz="2000" dirty="0"/>
           </a:p>
           <a:p>
             <a:r>
@@ -16986,6 +17390,7 @@
               <a:rPr lang="zh-CN" altLang="en-US" sz="2000" dirty="0"/>
               <a:t>、每道题都需要人工评分，无法自动评分，工作量大</a:t>
             </a:r>
+            <a:endParaRPr lang="zh-CN" altLang="en-US" sz="2000" dirty="0"/>
           </a:p>
           <a:p>
             <a:r>
@@ -16996,6 +17401,7 @@
               <a:rPr lang="zh-CN" altLang="en-US" sz="2000" dirty="0"/>
               <a:t>、无法从题库中随机选择试题组成试卷，出卷费时费力</a:t>
             </a:r>
+            <a:endParaRPr lang="zh-CN" altLang="en-US" sz="2000" dirty="0"/>
           </a:p>
           <a:p>
             <a:r>
@@ -17006,6 +17412,7 @@
               <a:rPr lang="zh-CN" altLang="en-US" sz="2000" dirty="0"/>
               <a:t>、考试完成后，考生无法实现立刻看到成绩，时效性差</a:t>
             </a:r>
+            <a:endParaRPr lang="zh-CN" altLang="en-US" sz="2000" dirty="0"/>
           </a:p>
           <a:p>
             <a:r>
@@ -17016,18 +17423,21 @@
               <a:rPr lang="zh-CN" altLang="en-US" sz="2000" dirty="0"/>
               <a:t>、考生只能在得到纸质试卷后才能看到自己的错题，错题无法汇总</a:t>
             </a:r>
+            <a:endParaRPr lang="zh-CN" altLang="en-US" sz="2000" dirty="0"/>
           </a:p>
           <a:p>
             <a:r>
               <a:rPr lang="zh-CN" altLang="en-US" sz="2000" dirty="0"/>
               <a:t>基于计算机的普及和网络的发展，我们需要一套新的考试平台来解决这个问题。奥瑞文在这个方向上开发了岩生网 产品来满足用户的需求。</a:t>
             </a:r>
+            <a:endParaRPr lang="zh-CN" altLang="en-US" sz="2000" dirty="0"/>
           </a:p>
           <a:p>
             <a:r>
               <a:rPr lang="zh-CN" altLang="en-US" sz="2000" dirty="0"/>
               <a:t>岩生网在线答题系统是针对于学习的人群，随时随地能巩固，以及学习新知识</a:t>
             </a:r>
+            <a:endParaRPr lang="zh-CN" altLang="en-US" sz="2000" dirty="0"/>
           </a:p>
         </p:txBody>
       </p:sp>
@@ -17192,6 +17602,11 @@
               </a:rPr>
               <a:t>目录大纲</a:t>
             </a:r>
+            <a:endParaRPr lang="zh-CN" altLang="en-US" sz="2600" b="1" kern="0" dirty="0">
+              <a:latin typeface="微软雅黑" panose="020B0503020204020204" pitchFamily="34" charset="-122"/>
+              <a:ea typeface="微软雅黑" panose="020B0503020204020204" pitchFamily="34" charset="-122"/>
+              <a:cs typeface="+mj-cs"/>
+            </a:endParaRPr>
           </a:p>
         </p:txBody>
       </p:sp>
@@ -17811,6 +18226,18 @@
                 </a:rPr>
                 <a:t>介绍</a:t>
               </a:r>
+              <a:endParaRPr lang="zh-CN" altLang="en-US" sz="2400" b="1" dirty="0">
+                <a:solidFill>
+                  <a:srgbClr val="FF0000"/>
+                </a:solidFill>
+                <a:effectLst>
+                  <a:outerShdw blurRad="38100" dist="38100" dir="2700000" algn="tl">
+                    <a:srgbClr val="C0C0C0"/>
+                  </a:outerShdw>
+                </a:effectLst>
+                <a:latin typeface="微软雅黑" panose="020B0503020204020204" pitchFamily="34" charset="-122"/>
+                <a:ea typeface="微软雅黑" panose="020B0503020204020204" pitchFamily="34" charset="-122"/>
+              </a:endParaRPr>
             </a:p>
           </p:txBody>
         </p:sp>
@@ -17925,48 +18352,14 @@
               </a:rPr>
               <a:t>）开发技术</a:t>
             </a:r>
-          </a:p>
-          <a:p>
-            <a:pPr algn="l" eaLnBrk="0" hangingPunct="0">
-              <a:lnSpc>
-                <a:spcPct val="120000"/>
-              </a:lnSpc>
-              <a:spcBef>
-                <a:spcPct val="50000"/>
-              </a:spcBef>
-              <a:defRPr/>
-            </a:pPr>
-            <a:r>
-              <a:rPr lang="en-US" altLang="zh-CN" sz="2000" dirty="0">
-                <a:solidFill>
-                  <a:schemeClr val="tx1"/>
-                </a:solidFill>
-                <a:latin typeface="微软雅黑" panose="020B0503020204020204" pitchFamily="34" charset="-122"/>
-                <a:ea typeface="微软雅黑" panose="020B0503020204020204" pitchFamily="34" charset="-122"/>
-              </a:rPr>
-              <a:t>3</a:t>
-            </a:r>
-            <a:r>
-              <a:rPr lang="zh-CN" altLang="en-US" sz="2000" dirty="0">
-                <a:solidFill>
-                  <a:schemeClr val="tx1"/>
-                </a:solidFill>
-                <a:latin typeface="微软雅黑" panose="020B0503020204020204" pitchFamily="34" charset="-122"/>
-                <a:ea typeface="微软雅黑" panose="020B0503020204020204" pitchFamily="34" charset="-122"/>
-              </a:rPr>
-              <a:t>）</a:t>
-            </a:r>
-            <a:r>
-              <a:rPr lang="zh-CN" altLang="en-US" sz="2000" dirty="0">
-                <a:solidFill>
-                  <a:schemeClr val="tx1"/>
-                </a:solidFill>
-                <a:latin typeface="微软雅黑" panose="020B0503020204020204" pitchFamily="34" charset="-122"/>
-                <a:ea typeface="微软雅黑" panose="020B0503020204020204" pitchFamily="34" charset="-122"/>
-                <a:sym typeface="+mn-ea"/>
-              </a:rPr>
-              <a:t>系统完成进度</a:t>
-            </a:r>
+            <a:endParaRPr lang="zh-CN" altLang="en-US" sz="2000" dirty="0">
+              <a:solidFill>
+                <a:schemeClr val="tx1"/>
+              </a:solidFill>
+              <a:latin typeface="微软雅黑" panose="020B0503020204020204" pitchFamily="34" charset="-122"/>
+              <a:ea typeface="微软雅黑" panose="020B0503020204020204" pitchFamily="34" charset="-122"/>
+              <a:sym typeface="+mn-ea"/>
+            </a:endParaRPr>
           </a:p>
           <a:p>
             <a:pPr algn="l" eaLnBrk="0" hangingPunct="0">
@@ -18209,6 +18602,7 @@
               <a:rPr lang="zh-CN" altLang="en-US"/>
               <a:t>业务功能</a:t>
             </a:r>
+            <a:endParaRPr lang="zh-CN" altLang="en-US"/>
           </a:p>
         </p:txBody>
       </p:sp>
@@ -18236,6 +18630,7 @@
               <a:rPr lang="zh-CN" altLang="zh-CN" sz="2400" dirty="0"/>
               <a:t>主要的功能模块有：</a:t>
             </a:r>
+            <a:endParaRPr lang="zh-CN" altLang="zh-CN" sz="2400" dirty="0"/>
           </a:p>
           <a:p>
             <a:pPr lvl="1"/>
@@ -18243,6 +18638,7 @@
               <a:rPr lang="zh-CN" altLang="zh-CN" sz="2400" dirty="0"/>
               <a:t>用户管理模块：提供给用户注册，登陆修改个人信息的功能；</a:t>
             </a:r>
+            <a:endParaRPr lang="zh-CN" altLang="zh-CN" sz="2400" dirty="0"/>
           </a:p>
           <a:p>
             <a:pPr lvl="1"/>
@@ -18250,6 +18646,7 @@
               <a:rPr lang="zh-CN" altLang="zh-CN" sz="2400" dirty="0"/>
               <a:t>答题情况总览模块：展示用户在网站中的做题记录，做题数，正确率</a:t>
             </a:r>
+            <a:endParaRPr lang="zh-CN" altLang="zh-CN" sz="2400" dirty="0"/>
           </a:p>
           <a:p>
             <a:pPr lvl="1"/>
@@ -18265,13 +18662,15 @@
               <a:rPr lang="zh-CN" altLang="zh-CN" sz="2400" dirty="0"/>
               <a:t>；</a:t>
             </a:r>
+            <a:endParaRPr lang="zh-CN" altLang="zh-CN" sz="2400" dirty="0"/>
           </a:p>
           <a:p>
             <a:pPr lvl="1"/>
             <a:r>
               <a:rPr lang="zh-CN" altLang="zh-CN" sz="2400" dirty="0"/>
-              <a:t>后台管理模块：管理员对题目，用户的管理，增删改查，以及根据用户反馈的题目信息，做出相应的处理；</a:t>
-            </a:r>
+              <a:t>收藏模块：收藏做过的题目，便于知识点的复习；</a:t>
+            </a:r>
+            <a:endParaRPr lang="zh-CN" altLang="zh-CN" sz="2400" dirty="0"/>
           </a:p>
           <a:p>
             <a:pPr lvl="1"/>
@@ -18279,6 +18678,7 @@
               <a:rPr lang="zh-CN" altLang="zh-CN" sz="2400" dirty="0"/>
               <a:t>评论模块：用户完成题目之后，对题目的内容，展开自由讨论，互相学习与交流；</a:t>
             </a:r>
+            <a:endParaRPr lang="zh-CN" altLang="zh-CN" sz="2400" dirty="0"/>
           </a:p>
         </p:txBody>
       </p:sp>
@@ -18799,6 +19199,11 @@
               </a:rPr>
               <a:t>目录大纲</a:t>
             </a:r>
+            <a:endParaRPr lang="zh-CN" altLang="en-US" sz="2600" b="1" kern="0" dirty="0">
+              <a:latin typeface="微软雅黑" panose="020B0503020204020204" pitchFamily="34" charset="-122"/>
+              <a:ea typeface="微软雅黑" panose="020B0503020204020204" pitchFamily="34" charset="-122"/>
+              <a:cs typeface="+mj-cs"/>
+            </a:endParaRPr>
           </a:p>
         </p:txBody>
       </p:sp>
@@ -19418,6 +19823,18 @@
                 </a:rPr>
                 <a:t>介绍</a:t>
               </a:r>
+              <a:endParaRPr lang="zh-CN" altLang="en-US" sz="2400" b="1" dirty="0">
+                <a:solidFill>
+                  <a:srgbClr val="FF0000"/>
+                </a:solidFill>
+                <a:effectLst>
+                  <a:outerShdw blurRad="38100" dist="38100" dir="2700000" algn="tl">
+                    <a:srgbClr val="C0C0C0"/>
+                  </a:outerShdw>
+                </a:effectLst>
+                <a:latin typeface="微软雅黑" panose="020B0503020204020204" pitchFamily="34" charset="-122"/>
+                <a:ea typeface="微软雅黑" panose="020B0503020204020204" pitchFamily="34" charset="-122"/>
+              </a:endParaRPr>
             </a:p>
           </p:txBody>
         </p:sp>
@@ -19516,48 +19933,14 @@
               </a:rPr>
               <a:t>）开发技术</a:t>
             </a:r>
-          </a:p>
-          <a:p>
-            <a:pPr algn="l" eaLnBrk="0" hangingPunct="0">
-              <a:lnSpc>
-                <a:spcPct val="120000"/>
-              </a:lnSpc>
-              <a:spcBef>
-                <a:spcPct val="50000"/>
-              </a:spcBef>
-              <a:defRPr/>
-            </a:pPr>
-            <a:r>
-              <a:rPr lang="en-US" altLang="zh-CN" sz="2000" dirty="0">
-                <a:solidFill>
-                  <a:schemeClr val="tx1"/>
-                </a:solidFill>
-                <a:latin typeface="微软雅黑" panose="020B0503020204020204" pitchFamily="34" charset="-122"/>
-                <a:ea typeface="微软雅黑" panose="020B0503020204020204" pitchFamily="34" charset="-122"/>
-              </a:rPr>
-              <a:t>3</a:t>
-            </a:r>
-            <a:r>
-              <a:rPr lang="zh-CN" altLang="en-US" sz="2000" dirty="0">
-                <a:solidFill>
-                  <a:schemeClr val="tx1"/>
-                </a:solidFill>
-                <a:latin typeface="微软雅黑" panose="020B0503020204020204" pitchFamily="34" charset="-122"/>
-                <a:ea typeface="微软雅黑" panose="020B0503020204020204" pitchFamily="34" charset="-122"/>
-              </a:rPr>
-              <a:t>）</a:t>
-            </a:r>
-            <a:r>
-              <a:rPr lang="zh-CN" altLang="en-US" sz="2000" dirty="0">
-                <a:solidFill>
-                  <a:schemeClr val="tx1"/>
-                </a:solidFill>
-                <a:latin typeface="微软雅黑" panose="020B0503020204020204" pitchFamily="34" charset="-122"/>
-                <a:ea typeface="微软雅黑" panose="020B0503020204020204" pitchFamily="34" charset="-122"/>
-                <a:sym typeface="+mn-ea"/>
-              </a:rPr>
-              <a:t>系统完成进度</a:t>
-            </a:r>
+            <a:endParaRPr lang="zh-CN" altLang="en-US" sz="2000" dirty="0">
+              <a:solidFill>
+                <a:schemeClr val="tx1"/>
+              </a:solidFill>
+              <a:latin typeface="微软雅黑" panose="020B0503020204020204" pitchFamily="34" charset="-122"/>
+              <a:ea typeface="微软雅黑" panose="020B0503020204020204" pitchFamily="34" charset="-122"/>
+              <a:sym typeface="+mn-ea"/>
+            </a:endParaRPr>
           </a:p>
           <a:p>
             <a:pPr algn="l" eaLnBrk="0" hangingPunct="0">
@@ -20036,6 +20419,11 @@
               </a:rPr>
               <a:t>开发技术</a:t>
             </a:r>
+            <a:endParaRPr lang="zh-CN" altLang="en-US" sz="3200" dirty="0">
+              <a:latin typeface="+mj-ea"/>
+              <a:ea typeface="+mj-ea"/>
+              <a:sym typeface="Futura Bk"/>
+            </a:endParaRPr>
           </a:p>
         </p:txBody>
       </p:sp>
@@ -20109,6 +20497,13 @@
               </a:rPr>
               <a:t>Java</a:t>
             </a:r>
+            <a:endParaRPr lang="en-US" altLang="zh-CN" dirty="0">
+              <a:solidFill>
+                <a:srgbClr val="404040"/>
+              </a:solidFill>
+              <a:latin typeface="微软雅黑" panose="020B0503020204020204" pitchFamily="34" charset="-122"/>
+              <a:ea typeface="微软雅黑" panose="020B0503020204020204" pitchFamily="34" charset="-122"/>
+            </a:endParaRPr>
           </a:p>
           <a:p>
             <a:pPr marL="285750" indent="-285750">
@@ -20228,6 +20623,13 @@
               </a:rPr>
               <a:t>及以上版本</a:t>
             </a:r>
+            <a:endParaRPr lang="zh-CN" altLang="en-US" dirty="0">
+              <a:solidFill>
+                <a:srgbClr val="404040"/>
+              </a:solidFill>
+              <a:latin typeface="微软雅黑" panose="020B0503020204020204" pitchFamily="34" charset="-122"/>
+              <a:ea typeface="微软雅黑" panose="020B0503020204020204" pitchFamily="34" charset="-122"/>
+            </a:endParaRPr>
           </a:p>
           <a:p>
             <a:pPr marL="285750" indent="-285750">
@@ -20302,6 +20704,13 @@
               </a:rPr>
               <a:t>HBuilder</a:t>
             </a:r>
+            <a:endParaRPr lang="en-US" altLang="zh-CN" dirty="0">
+              <a:solidFill>
+                <a:srgbClr val="404040"/>
+              </a:solidFill>
+              <a:latin typeface="微软雅黑" panose="020B0503020204020204" pitchFamily="34" charset="-122"/>
+              <a:ea typeface="微软雅黑" panose="020B0503020204020204" pitchFamily="34" charset="-122"/>
+            </a:endParaRPr>
           </a:p>
           <a:p>
             <a:pPr marL="285750" indent="-285750">
@@ -20395,6 +20804,13 @@
               </a:rPr>
               <a:t>开发技术</a:t>
             </a:r>
+            <a:endParaRPr lang="zh-CN" altLang="en-US" sz="2400" dirty="0">
+              <a:solidFill>
+                <a:srgbClr val="404040"/>
+              </a:solidFill>
+              <a:latin typeface="微软雅黑" panose="020B0503020204020204" pitchFamily="34" charset="-122"/>
+              <a:ea typeface="微软雅黑" panose="020B0503020204020204" pitchFamily="34" charset="-122"/>
+            </a:endParaRPr>
           </a:p>
           <a:p>
             <a:pPr marL="285750" indent="-285750" algn="ctr">
@@ -20537,13 +20953,7 @@
       </p:grpSpPr>
       <p:sp>
         <p:nvSpPr>
-          <p:cNvPr id="21" name="AutoShape 41">
-            <a:extLst>
-              <a:ext uri="{FF2B5EF4-FFF2-40B4-BE49-F238E27FC236}">
-                <a16:creationId xmlns:a16="http://schemas.microsoft.com/office/drawing/2014/main" id="{6E9217F8-AF55-48DC-A7A5-36FDAC3A3B52}"/>
-              </a:ext>
-            </a:extLst>
-          </p:cNvPr>
+          <p:cNvPr id="21" name="AutoShape 41"/>
           <p:cNvSpPr>
             <a:spLocks noChangeArrowheads="1"/>
           </p:cNvSpPr>
@@ -20670,6 +21080,11 @@
               </a:rPr>
               <a:t>目录大纲</a:t>
             </a:r>
+            <a:endParaRPr lang="zh-CN" altLang="en-US" sz="2600" b="1" kern="0" dirty="0">
+              <a:latin typeface="微软雅黑" panose="020B0503020204020204" pitchFamily="34" charset="-122"/>
+              <a:ea typeface="微软雅黑" panose="020B0503020204020204" pitchFamily="34" charset="-122"/>
+              <a:cs typeface="+mj-cs"/>
+            </a:endParaRPr>
           </a:p>
         </p:txBody>
       </p:sp>
@@ -21289,6 +21704,18 @@
                 </a:rPr>
                 <a:t>介绍</a:t>
               </a:r>
+              <a:endParaRPr lang="zh-CN" altLang="en-US" sz="2400" b="1" dirty="0">
+                <a:solidFill>
+                  <a:srgbClr val="FF0000"/>
+                </a:solidFill>
+                <a:effectLst>
+                  <a:outerShdw blurRad="38100" dist="38100" dir="2700000" algn="tl">
+                    <a:srgbClr val="C0C0C0"/>
+                  </a:outerShdw>
+                </a:effectLst>
+                <a:latin typeface="微软雅黑" panose="020B0503020204020204" pitchFamily="34" charset="-122"/>
+                <a:ea typeface="微软雅黑" panose="020B0503020204020204" pitchFamily="34" charset="-122"/>
+              </a:endParaRPr>
             </a:p>
           </p:txBody>
         </p:sp>
@@ -21398,6 +21825,14 @@
               </a:rPr>
               <a:t>）开发技术</a:t>
             </a:r>
+            <a:endParaRPr lang="zh-CN" altLang="en-US" sz="2000" dirty="0">
+              <a:solidFill>
+                <a:schemeClr val="tx1"/>
+              </a:solidFill>
+              <a:latin typeface="微软雅黑" panose="020B0503020204020204" pitchFamily="34" charset="-122"/>
+              <a:ea typeface="微软雅黑" panose="020B0503020204020204" pitchFamily="34" charset="-122"/>
+              <a:sym typeface="+mn-ea"/>
+            </a:endParaRPr>
           </a:p>
           <a:p>
             <a:pPr algn="l" eaLnBrk="0" hangingPunct="0">
@@ -21409,77 +21844,13 @@
               </a:spcBef>
               <a:defRPr/>
             </a:pPr>
-            <a:r>
-              <a:rPr lang="en-US" altLang="zh-CN" sz="2000" dirty="0">
-                <a:solidFill>
-                  <a:schemeClr val="tx1"/>
-                </a:solidFill>
-                <a:latin typeface="微软雅黑" panose="020B0503020204020204" pitchFamily="34" charset="-122"/>
-                <a:ea typeface="微软雅黑" panose="020B0503020204020204" pitchFamily="34" charset="-122"/>
-                <a:sym typeface="+mn-ea"/>
-              </a:rPr>
-              <a:t>3</a:t>
-            </a:r>
-            <a:r>
-              <a:rPr lang="zh-CN" altLang="en-US" sz="2000" dirty="0">
-                <a:solidFill>
-                  <a:schemeClr val="tx1"/>
-                </a:solidFill>
-                <a:latin typeface="微软雅黑" panose="020B0503020204020204" pitchFamily="34" charset="-122"/>
-                <a:ea typeface="微软雅黑" panose="020B0503020204020204" pitchFamily="34" charset="-122"/>
-                <a:sym typeface="+mn-ea"/>
-              </a:rPr>
-              <a:t>）系统完成进度</a:t>
-            </a:r>
-          </a:p>
-        </p:txBody>
-      </p:sp>
-      <p:sp>
-        <p:nvSpPr>
-          <p:cNvPr id="18" name="AutoShape 41"/>
-          <p:cNvSpPr>
-            <a:spLocks noChangeArrowheads="1"/>
-          </p:cNvSpPr>
-          <p:nvPr/>
-        </p:nvSpPr>
-        <p:spPr bwMode="auto">
-          <a:xfrm>
-            <a:off x="2766810" y="3602212"/>
-            <a:ext cx="3426460" cy="405312"/>
-          </a:xfrm>
-          <a:prstGeom prst="roundRect">
-            <a:avLst>
-              <a:gd name="adj" fmla="val 16667"/>
-            </a:avLst>
-          </a:prstGeom>
-          <a:solidFill>
-            <a:srgbClr val="FFCC66">
-              <a:alpha val="54000"/>
-            </a:srgbClr>
-          </a:solidFill>
-          <a:ln w="9525" algn="ctr">
-            <a:solidFill>
-              <a:srgbClr val="FF6600"/>
-            </a:solidFill>
-            <a:round/>
-          </a:ln>
-        </p:spPr>
-        <p:txBody>
-          <a:bodyPr wrap="square" lIns="0" rIns="0" anchor="ctr">
-            <a:spAutoFit/>
-          </a:bodyPr>
-          <a:lstStyle/>
-          <a:p>
-            <a:pPr algn="ctr" eaLnBrk="0" hangingPunct="0">
-              <a:spcBef>
-                <a:spcPct val="50000"/>
-              </a:spcBef>
-            </a:pPr>
-            <a:endParaRPr lang="zh-CN" altLang="zh-CN">
+            <a:endParaRPr lang="zh-CN" altLang="en-US" sz="2000" dirty="0">
               <a:solidFill>
-                <a:srgbClr val="FF3300"/>
+                <a:schemeClr val="tx1"/>
               </a:solidFill>
-              <a:ea typeface="黑体" panose="02010609060101010101" pitchFamily="2" charset="-122"/>
+              <a:latin typeface="微软雅黑" panose="020B0503020204020204" pitchFamily="34" charset="-122"/>
+              <a:ea typeface="微软雅黑" panose="020B0503020204020204" pitchFamily="34" charset="-122"/>
+              <a:sym typeface="+mn-ea"/>
             </a:endParaRPr>
           </a:p>
         </p:txBody>
@@ -21617,7 +21988,7 @@
                                           </p:stCondLst>
                                         </p:cTn>
                                         <p:tgtEl>
-                                          <p:spTgt spid="18"/>
+                                          <p:spTgt spid="21"/>
                                         </p:tgtEl>
                                         <p:attrNameLst>
                                           <p:attrName>style.visibility</p:attrName>
@@ -21630,97 +22001,6 @@
                                     <p:anim calcmode="lin" valueType="num">
                                       <p:cBhvr additive="base">
                                         <p:cTn id="13" dur="500" fill="hold"/>
-                                        <p:tgtEl>
-                                          <p:spTgt spid="18"/>
-                                        </p:tgtEl>
-                                        <p:attrNameLst>
-                                          <p:attrName>ppt_x</p:attrName>
-                                        </p:attrNameLst>
-                                      </p:cBhvr>
-                                      <p:tavLst>
-                                        <p:tav tm="0">
-                                          <p:val>
-                                            <p:strVal val="#ppt_x"/>
-                                          </p:val>
-                                        </p:tav>
-                                        <p:tav tm="100000">
-                                          <p:val>
-                                            <p:strVal val="#ppt_x"/>
-                                          </p:val>
-                                        </p:tav>
-                                      </p:tavLst>
-                                    </p:anim>
-                                    <p:anim calcmode="lin" valueType="num">
-                                      <p:cBhvr additive="base">
-                                        <p:cTn id="14" dur="500" fill="hold"/>
-                                        <p:tgtEl>
-                                          <p:spTgt spid="18"/>
-                                        </p:tgtEl>
-                                        <p:attrNameLst>
-                                          <p:attrName>ppt_y</p:attrName>
-                                        </p:attrNameLst>
-                                      </p:cBhvr>
-                                      <p:tavLst>
-                                        <p:tav tm="0">
-                                          <p:val>
-                                            <p:strVal val="1+#ppt_h/2"/>
-                                          </p:val>
-                                        </p:tav>
-                                        <p:tav tm="100000">
-                                          <p:val>
-                                            <p:strVal val="#ppt_y"/>
-                                          </p:val>
-                                        </p:tav>
-                                      </p:tavLst>
-                                    </p:anim>
-                                  </p:childTnLst>
-                                </p:cTn>
-                              </p:par>
-                            </p:childTnLst>
-                          </p:cTn>
-                        </p:par>
-                      </p:childTnLst>
-                    </p:cTn>
-                  </p:par>
-                  <p:par>
-                    <p:cTn id="15" fill="hold">
-                      <p:stCondLst>
-                        <p:cond delay="indefinite"/>
-                      </p:stCondLst>
-                      <p:childTnLst>
-                        <p:par>
-                          <p:cTn id="16" fill="hold">
-                            <p:stCondLst>
-                              <p:cond delay="0"/>
-                            </p:stCondLst>
-                            <p:childTnLst>
-                              <p:par>
-                                <p:cTn id="17" presetID="2" presetClass="entr" presetSubtype="4" fill="hold" grpId="0" nodeType="clickEffect">
-                                  <p:stCondLst>
-                                    <p:cond delay="0"/>
-                                  </p:stCondLst>
-                                  <p:childTnLst>
-                                    <p:set>
-                                      <p:cBhvr>
-                                        <p:cTn id="18" dur="1" fill="hold">
-                                          <p:stCondLst>
-                                            <p:cond delay="0"/>
-                                          </p:stCondLst>
-                                        </p:cTn>
-                                        <p:tgtEl>
-                                          <p:spTgt spid="21"/>
-                                        </p:tgtEl>
-                                        <p:attrNameLst>
-                                          <p:attrName>style.visibility</p:attrName>
-                                        </p:attrNameLst>
-                                      </p:cBhvr>
-                                      <p:to>
-                                        <p:strVal val="visible"/>
-                                      </p:to>
-                                    </p:set>
-                                    <p:anim calcmode="lin" valueType="num">
-                                      <p:cBhvr additive="base">
-                                        <p:cTn id="19" dur="500" fill="hold"/>
                                         <p:tgtEl>
                                           <p:spTgt spid="21"/>
                                         </p:tgtEl>
@@ -21743,7 +22023,7 @@
                                     </p:anim>
                                     <p:anim calcmode="lin" valueType="num">
                                       <p:cBhvr additive="base">
-                                        <p:cTn id="20" dur="500" fill="hold"/>
+                                        <p:cTn id="14" dur="500" fill="hold"/>
                                         <p:tgtEl>
                                           <p:spTgt spid="21"/>
                                         </p:tgtEl>
@@ -21797,7 +22077,6 @@
     <p:bldLst>
       <p:bldP spid="21" grpId="0" bldLvl="0" animBg="1"/>
       <p:bldP spid="64" grpId="0" bldLvl="0" animBg="1"/>
-      <p:bldP spid="18" grpId="0" bldLvl="0" animBg="1"/>
     </p:bldLst>
   </p:timing>
 </p:sld>
@@ -21822,1169 +22101,58 @@
       </p:grpSpPr>
       <p:sp>
         <p:nvSpPr>
-          <p:cNvPr id="2" name="Title 1"/>
-          <p:cNvSpPr txBox="1">
-            <a:spLocks noChangeArrowheads="1"/>
-          </p:cNvSpPr>
+          <p:cNvPr id="11" name="TextBox 10"/>
+          <p:cNvSpPr txBox="1"/>
           <p:nvPr/>
         </p:nvSpPr>
-        <p:spPr>
+        <p:spPr bwMode="auto">
           <a:xfrm>
-            <a:off x="971600" y="97954"/>
-            <a:ext cx="6192838" cy="666750"/>
+            <a:off x="724508" y="2621729"/>
+            <a:ext cx="7858148" cy="1436370"/>
           </a:xfrm>
           <a:prstGeom prst="rect">
             <a:avLst/>
           </a:prstGeom>
+          <a:noFill/>
+          <a:ln w="9525" algn="ctr">
+            <a:noFill/>
+            <a:miter lim="800000"/>
+          </a:ln>
         </p:spPr>
         <p:txBody>
-          <a:bodyPr anchor="ctr" anchorCtr="0"/>
-          <a:lstStyle>
-            <a:lvl1pPr algn="l" rtl="0" eaLnBrk="0" fontAlgn="base" hangingPunct="0">
-              <a:spcBef>
-                <a:spcPct val="0"/>
-              </a:spcBef>
-              <a:spcAft>
-                <a:spcPct val="0"/>
-              </a:spcAft>
-              <a:defRPr sz="3200" b="1">
+          <a:bodyPr wrap="square" rtlCol="0" anchor="ctr">
+            <a:spAutoFit/>
+          </a:bodyPr>
+          <a:lstStyle/>
+          <a:p>
+            <a:pPr algn="ctr"/>
+            <a:r>
+              <a:rPr lang="zh-CN" altLang="en-US" sz="6000" dirty="0">
                 <a:solidFill>
-                  <a:schemeClr val="tx1"/>
+                  <a:schemeClr val="bg1"/>
                 </a:solidFill>
-                <a:effectLst>
-                  <a:outerShdw blurRad="38100" dist="38100" dir="2700000" algn="tl">
-                    <a:srgbClr val="C0C0C0"/>
-                  </a:outerShdw>
-                </a:effectLst>
-                <a:latin typeface="+mj-lt"/>
-                <a:ea typeface="+mj-ea"/>
-                <a:cs typeface="+mj-cs"/>
-              </a:defRPr>
-            </a:lvl1pPr>
-            <a:lvl2pPr algn="l" rtl="0" eaLnBrk="0" fontAlgn="base" hangingPunct="0">
-              <a:spcBef>
-                <a:spcPct val="0"/>
-              </a:spcBef>
-              <a:spcAft>
-                <a:spcPct val="0"/>
-              </a:spcAft>
-              <a:defRPr sz="3200" b="1">
-                <a:solidFill>
-                  <a:schemeClr val="tx1"/>
-                </a:solidFill>
-                <a:effectLst>
-                  <a:outerShdw blurRad="38100" dist="38100" dir="2700000" algn="tl">
-                    <a:srgbClr val="C0C0C0"/>
-                  </a:outerShdw>
-                </a:effectLst>
-                <a:latin typeface="Tahoma" panose="020B0604030504040204" pitchFamily="34" charset="0"/>
-                <a:ea typeface="宋体" panose="02010600030101010101" pitchFamily="2" charset="-122"/>
-              </a:defRPr>
-            </a:lvl2pPr>
-            <a:lvl3pPr algn="l" rtl="0" eaLnBrk="0" fontAlgn="base" hangingPunct="0">
-              <a:spcBef>
-                <a:spcPct val="0"/>
-              </a:spcBef>
-              <a:spcAft>
-                <a:spcPct val="0"/>
-              </a:spcAft>
-              <a:defRPr sz="3200" b="1">
-                <a:solidFill>
-                  <a:schemeClr val="tx1"/>
-                </a:solidFill>
-                <a:effectLst>
-                  <a:outerShdw blurRad="38100" dist="38100" dir="2700000" algn="tl">
-                    <a:srgbClr val="C0C0C0"/>
-                  </a:outerShdw>
-                </a:effectLst>
-                <a:latin typeface="Tahoma" panose="020B0604030504040204" pitchFamily="34" charset="0"/>
-                <a:ea typeface="宋体" panose="02010600030101010101" pitchFamily="2" charset="-122"/>
-              </a:defRPr>
-            </a:lvl3pPr>
-            <a:lvl4pPr algn="l" rtl="0" eaLnBrk="0" fontAlgn="base" hangingPunct="0">
-              <a:spcBef>
-                <a:spcPct val="0"/>
-              </a:spcBef>
-              <a:spcAft>
-                <a:spcPct val="0"/>
-              </a:spcAft>
-              <a:defRPr sz="3200" b="1">
-                <a:solidFill>
-                  <a:schemeClr val="tx1"/>
-                </a:solidFill>
-                <a:effectLst>
-                  <a:outerShdw blurRad="38100" dist="38100" dir="2700000" algn="tl">
-                    <a:srgbClr val="C0C0C0"/>
-                  </a:outerShdw>
-                </a:effectLst>
-                <a:latin typeface="Tahoma" panose="020B0604030504040204" pitchFamily="34" charset="0"/>
-                <a:ea typeface="宋体" panose="02010600030101010101" pitchFamily="2" charset="-122"/>
-              </a:defRPr>
-            </a:lvl4pPr>
-            <a:lvl5pPr algn="l" rtl="0" eaLnBrk="0" fontAlgn="base" hangingPunct="0">
-              <a:spcBef>
-                <a:spcPct val="0"/>
-              </a:spcBef>
-              <a:spcAft>
-                <a:spcPct val="0"/>
-              </a:spcAft>
-              <a:defRPr sz="3200" b="1">
-                <a:solidFill>
-                  <a:schemeClr val="tx1"/>
-                </a:solidFill>
-                <a:effectLst>
-                  <a:outerShdw blurRad="38100" dist="38100" dir="2700000" algn="tl">
-                    <a:srgbClr val="C0C0C0"/>
-                  </a:outerShdw>
-                </a:effectLst>
-                <a:latin typeface="Tahoma" panose="020B0604030504040204" pitchFamily="34" charset="0"/>
-                <a:ea typeface="宋体" panose="02010600030101010101" pitchFamily="2" charset="-122"/>
-              </a:defRPr>
-            </a:lvl5pPr>
-            <a:lvl6pPr marL="457200" algn="l" rtl="0" fontAlgn="base">
-              <a:spcBef>
-                <a:spcPct val="0"/>
-              </a:spcBef>
-              <a:spcAft>
-                <a:spcPct val="0"/>
-              </a:spcAft>
-              <a:defRPr sz="3200" b="1">
-                <a:solidFill>
-                  <a:schemeClr val="tx1"/>
-                </a:solidFill>
-                <a:effectLst>
-                  <a:outerShdw blurRad="38100" dist="38100" dir="2700000" algn="tl">
-                    <a:srgbClr val="C0C0C0"/>
-                  </a:outerShdw>
-                </a:effectLst>
-                <a:latin typeface="Tahoma" panose="020B0604030504040204" pitchFamily="34" charset="0"/>
-                <a:ea typeface="宋体" panose="02010600030101010101" pitchFamily="2" charset="-122"/>
-              </a:defRPr>
-            </a:lvl6pPr>
-            <a:lvl7pPr marL="914400" algn="l" rtl="0" fontAlgn="base">
-              <a:spcBef>
-                <a:spcPct val="0"/>
-              </a:spcBef>
-              <a:spcAft>
-                <a:spcPct val="0"/>
-              </a:spcAft>
-              <a:defRPr sz="3200" b="1">
-                <a:solidFill>
-                  <a:schemeClr val="tx1"/>
-                </a:solidFill>
-                <a:effectLst>
-                  <a:outerShdw blurRad="38100" dist="38100" dir="2700000" algn="tl">
-                    <a:srgbClr val="C0C0C0"/>
-                  </a:outerShdw>
-                </a:effectLst>
-                <a:latin typeface="Tahoma" panose="020B0604030504040204" pitchFamily="34" charset="0"/>
-                <a:ea typeface="宋体" panose="02010600030101010101" pitchFamily="2" charset="-122"/>
-              </a:defRPr>
-            </a:lvl7pPr>
-            <a:lvl8pPr marL="1371600" algn="l" rtl="0" fontAlgn="base">
-              <a:spcBef>
-                <a:spcPct val="0"/>
-              </a:spcBef>
-              <a:spcAft>
-                <a:spcPct val="0"/>
-              </a:spcAft>
-              <a:defRPr sz="3200" b="1">
-                <a:solidFill>
-                  <a:schemeClr val="tx1"/>
-                </a:solidFill>
-                <a:effectLst>
-                  <a:outerShdw blurRad="38100" dist="38100" dir="2700000" algn="tl">
-                    <a:srgbClr val="C0C0C0"/>
-                  </a:outerShdw>
-                </a:effectLst>
-                <a:latin typeface="Tahoma" panose="020B0604030504040204" pitchFamily="34" charset="0"/>
-                <a:ea typeface="宋体" panose="02010600030101010101" pitchFamily="2" charset="-122"/>
-              </a:defRPr>
-            </a:lvl8pPr>
-            <a:lvl9pPr marL="1828800" algn="l" rtl="0" fontAlgn="base">
-              <a:spcBef>
-                <a:spcPct val="0"/>
-              </a:spcBef>
-              <a:spcAft>
-                <a:spcPct val="0"/>
-              </a:spcAft>
-              <a:defRPr sz="3200" b="1">
-                <a:solidFill>
-                  <a:schemeClr val="tx1"/>
-                </a:solidFill>
-                <a:effectLst>
-                  <a:outerShdw blurRad="38100" dist="38100" dir="2700000" algn="tl">
-                    <a:srgbClr val="C0C0C0"/>
-                  </a:outerShdw>
-                </a:effectLst>
-                <a:latin typeface="Tahoma" panose="020B0604030504040204" pitchFamily="34" charset="0"/>
-                <a:ea typeface="宋体" panose="02010600030101010101" pitchFamily="2" charset="-122"/>
-              </a:defRPr>
-            </a:lvl9pPr>
-          </a:lstStyle>
-          <a:p>
-            <a:r>
-              <a:rPr lang="zh-CN" altLang="en-US" sz="2800" dirty="0">
                 <a:latin typeface="微软雅黑" panose="020B0503020204020204" pitchFamily="34" charset="-122"/>
                 <a:ea typeface="微软雅黑" panose="020B0503020204020204" pitchFamily="34" charset="-122"/>
               </a:rPr>
-              <a:t>各个环节计划完成的时间点</a:t>
-            </a:r>
-            <a:endParaRPr lang="zh-CN" sz="2800" dirty="0">
+              <a:t>谢谢！</a:t>
+            </a:r>
+            <a:endParaRPr lang="zh-CN" altLang="en-US" sz="6000" dirty="0">
+              <a:solidFill>
+                <a:schemeClr val="bg1"/>
+              </a:solidFill>
               <a:latin typeface="微软雅黑" panose="020B0503020204020204" pitchFamily="34" charset="-122"/>
               <a:ea typeface="微软雅黑" panose="020B0503020204020204" pitchFamily="34" charset="-122"/>
             </a:endParaRPr>
           </a:p>
+          <a:p>
+            <a:pPr algn="ctr"/>
+            <a:endParaRPr lang="en-US" altLang="zh-CN" sz="2400" dirty="0">
+              <a:latin typeface="微软雅黑" panose="020B0503020204020204" pitchFamily="34" charset="-122"/>
+              <a:ea typeface="微软雅黑" panose="020B0503020204020204" pitchFamily="34" charset="-122"/>
+            </a:endParaRPr>
+          </a:p>
         </p:txBody>
       </p:sp>
-      <p:graphicFrame>
-        <p:nvGraphicFramePr>
-          <p:cNvPr id="4" name="表格 3"/>
-          <p:cNvGraphicFramePr/>
-          <p:nvPr>
-            <p:extLst>
-              <p:ext uri="{D42A27DB-BD31-4B8C-83A1-F6EECF244321}">
-                <p14:modId xmlns:p14="http://schemas.microsoft.com/office/powerpoint/2010/main" val="3416232378"/>
-              </p:ext>
-            </p:extLst>
-          </p:nvPr>
-        </p:nvGraphicFramePr>
-        <p:xfrm>
-          <a:off x="1187624" y="1484784"/>
-          <a:ext cx="6584775" cy="4047561"/>
-        </p:xfrm>
-        <a:graphic>
-          <a:graphicData uri="http://schemas.openxmlformats.org/drawingml/2006/table">
-            <a:tbl>
-              <a:tblPr firstRow="1" bandRow="1">
-                <a:tableStyleId>{5C22544A-7EE6-4342-B048-85BDC9FD1C3A}</a:tableStyleId>
-              </a:tblPr>
-              <a:tblGrid>
-                <a:gridCol w="2194925">
-                  <a:extLst>
-                    <a:ext uri="{9D8B030D-6E8A-4147-A177-3AD203B41FA5}">
-                      <a16:colId xmlns:a16="http://schemas.microsoft.com/office/drawing/2014/main" val="20000"/>
-                    </a:ext>
-                  </a:extLst>
-                </a:gridCol>
-                <a:gridCol w="2194925">
-                  <a:extLst>
-                    <a:ext uri="{9D8B030D-6E8A-4147-A177-3AD203B41FA5}">
-                      <a16:colId xmlns:a16="http://schemas.microsoft.com/office/drawing/2014/main" val="20001"/>
-                    </a:ext>
-                  </a:extLst>
-                </a:gridCol>
-                <a:gridCol w="2194925">
-                  <a:extLst>
-                    <a:ext uri="{9D8B030D-6E8A-4147-A177-3AD203B41FA5}">
-                      <a16:colId xmlns:a16="http://schemas.microsoft.com/office/drawing/2014/main" val="20002"/>
-                    </a:ext>
-                  </a:extLst>
-                </a:gridCol>
-              </a:tblGrid>
-              <a:tr h="449729">
-                <a:tc>
-                  <a:txBody>
-                    <a:bodyPr/>
-                    <a:lstStyle/>
-                    <a:p>
-                      <a:pPr marL="0" indent="0" algn="ctr">
-                        <a:buNone/>
-                      </a:pPr>
-                      <a:r>
-                        <a:rPr lang="zh-CN" altLang="en-US" sz="1200" b="0" u="none" dirty="0">
-                          <a:latin typeface="宋体" panose="02010600030101010101" pitchFamily="2" charset="-122"/>
-                          <a:ea typeface="宋体" panose="02010600030101010101" pitchFamily="2" charset="-122"/>
-                          <a:cs typeface="宋体" panose="02010600030101010101" pitchFamily="2" charset="-122"/>
-                        </a:rPr>
-                        <a:t>阶段</a:t>
-                      </a:r>
-                    </a:p>
-                  </a:txBody>
-                  <a:tcPr marL="0" marR="0" marT="0" marB="1" anchor="ctr"/>
-                </a:tc>
-                <a:tc>
-                  <a:txBody>
-                    <a:bodyPr/>
-                    <a:lstStyle/>
-                    <a:p>
-                      <a:pPr marL="0" indent="0" algn="ctr">
-                        <a:buNone/>
-                      </a:pPr>
-                      <a:r>
-                        <a:rPr lang="zh-CN" altLang="en-US" sz="1200" b="0" u="none">
-                          <a:latin typeface="宋体" panose="02010600030101010101" pitchFamily="2" charset="-122"/>
-                          <a:ea typeface="宋体" panose="02010600030101010101" pitchFamily="2" charset="-122"/>
-                          <a:cs typeface="宋体" panose="02010600030101010101" pitchFamily="2" charset="-122"/>
-                        </a:rPr>
-                        <a:t>工作内容</a:t>
-                      </a:r>
-                    </a:p>
-                  </a:txBody>
-                  <a:tcPr marL="0" marR="0" marT="0" marB="1" anchor="ctr"/>
-                </a:tc>
-                <a:tc>
-                  <a:txBody>
-                    <a:bodyPr/>
-                    <a:lstStyle/>
-                    <a:p>
-                      <a:pPr marL="0" indent="0" algn="ctr">
-                        <a:buNone/>
-                      </a:pPr>
-                      <a:r>
-                        <a:rPr lang="zh-CN" altLang="en-US" sz="1200" b="0" u="none">
-                          <a:latin typeface="宋体" panose="02010600030101010101" pitchFamily="2" charset="-122"/>
-                          <a:ea typeface="宋体" panose="02010600030101010101" pitchFamily="2" charset="-122"/>
-                          <a:cs typeface="宋体" panose="02010600030101010101" pitchFamily="2" charset="-122"/>
-                        </a:rPr>
-                        <a:t>起止时间</a:t>
-                      </a:r>
-                    </a:p>
-                  </a:txBody>
-                  <a:tcPr marL="0" marR="0" marT="0" marB="1" anchor="ctr"/>
-                </a:tc>
-                <a:extLst>
-                  <a:ext uri="{0D108BD9-81ED-4DB2-BD59-A6C34878D82A}">
-                    <a16:rowId xmlns:a16="http://schemas.microsoft.com/office/drawing/2014/main" val="10000"/>
-                  </a:ext>
-                </a:extLst>
-              </a:tr>
-              <a:tr h="449729">
-                <a:tc>
-                  <a:txBody>
-                    <a:bodyPr/>
-                    <a:lstStyle/>
-                    <a:p>
-                      <a:pPr algn="just">
-                        <a:spcAft>
-                          <a:spcPts val="0"/>
-                        </a:spcAft>
-                      </a:pPr>
-                      <a:r>
-                        <a:rPr lang="zh-CN" sz="1200" kern="100">
-                          <a:effectLst/>
-                          <a:latin typeface="Times New Roman" panose="02020603050405020304" pitchFamily="18" charset="0"/>
-                          <a:ea typeface="宋体" panose="02010600030101010101" pitchFamily="2" charset="-122"/>
-                        </a:rPr>
-                        <a:t>第一阶段</a:t>
-                      </a:r>
-                      <a:endParaRPr lang="zh-CN" sz="1050" kern="100">
-                        <a:effectLst/>
-                        <a:latin typeface="Times New Roman" panose="02020603050405020304" pitchFamily="18" charset="0"/>
-                        <a:ea typeface="宋体" panose="02010600030101010101" pitchFamily="2" charset="-122"/>
-                      </a:endParaRPr>
-                    </a:p>
-                  </a:txBody>
-                  <a:tcPr marL="68580" marR="68580" marT="0" marB="0" anchor="ctr"/>
-                </a:tc>
-                <a:tc>
-                  <a:txBody>
-                    <a:bodyPr/>
-                    <a:lstStyle/>
-                    <a:p>
-                      <a:pPr algn="just">
-                        <a:spcAft>
-                          <a:spcPts val="0"/>
-                        </a:spcAft>
-                      </a:pPr>
-                      <a:r>
-                        <a:rPr lang="zh-CN" sz="1200" kern="100">
-                          <a:effectLst/>
-                          <a:latin typeface="Times New Roman" panose="02020603050405020304" pitchFamily="18" charset="0"/>
-                          <a:ea typeface="宋体" panose="02010600030101010101" pitchFamily="2" charset="-122"/>
-                        </a:rPr>
-                        <a:t>查阅相关文献资料及调研</a:t>
-                      </a:r>
-                      <a:endParaRPr lang="zh-CN" sz="1050" kern="100">
-                        <a:effectLst/>
-                        <a:latin typeface="Times New Roman" panose="02020603050405020304" pitchFamily="18" charset="0"/>
-                        <a:ea typeface="宋体" panose="02010600030101010101" pitchFamily="2" charset="-122"/>
-                      </a:endParaRPr>
-                    </a:p>
-                  </a:txBody>
-                  <a:tcPr marL="68580" marR="68580" marT="0" marB="0" anchor="ctr"/>
-                </a:tc>
-                <a:tc>
-                  <a:txBody>
-                    <a:bodyPr/>
-                    <a:lstStyle/>
-                    <a:p>
-                      <a:pPr algn="just">
-                        <a:spcAft>
-                          <a:spcPts val="0"/>
-                        </a:spcAft>
-                      </a:pPr>
-                      <a:r>
-                        <a:rPr lang="en-US" sz="1200" kern="100" dirty="0">
-                          <a:effectLst/>
-                          <a:latin typeface="Times New Roman" panose="02020603050405020304" pitchFamily="18" charset="0"/>
-                          <a:ea typeface="宋体" panose="02010600030101010101" pitchFamily="2" charset="-122"/>
-                        </a:rPr>
-                        <a:t>2018.11.15</a:t>
-                      </a:r>
-                      <a:r>
-                        <a:rPr lang="zh-CN" sz="1200" kern="100" dirty="0">
-                          <a:effectLst/>
-                          <a:latin typeface="Times New Roman" panose="02020603050405020304" pitchFamily="18" charset="0"/>
-                          <a:ea typeface="宋体" panose="02010600030101010101" pitchFamily="2" charset="-122"/>
-                        </a:rPr>
-                        <a:t>——</a:t>
-                      </a:r>
-                      <a:r>
-                        <a:rPr lang="en-US" sz="1200" kern="100" dirty="0">
-                          <a:effectLst/>
-                          <a:latin typeface="Times New Roman" panose="02020603050405020304" pitchFamily="18" charset="0"/>
-                          <a:ea typeface="宋体" panose="02010600030101010101" pitchFamily="2" charset="-122"/>
-                        </a:rPr>
-                        <a:t>2018.10.25</a:t>
-                      </a:r>
-                      <a:endParaRPr lang="zh-CN" sz="1050" kern="100" dirty="0">
-                        <a:effectLst/>
-                        <a:latin typeface="Times New Roman" panose="02020603050405020304" pitchFamily="18" charset="0"/>
-                        <a:ea typeface="宋体" panose="02010600030101010101" pitchFamily="2" charset="-122"/>
-                      </a:endParaRPr>
-                    </a:p>
-                  </a:txBody>
-                  <a:tcPr marL="68580" marR="68580" marT="0" marB="0" anchor="ctr"/>
-                </a:tc>
-                <a:extLst>
-                  <a:ext uri="{0D108BD9-81ED-4DB2-BD59-A6C34878D82A}">
-                    <a16:rowId xmlns:a16="http://schemas.microsoft.com/office/drawing/2014/main" val="10001"/>
-                  </a:ext>
-                </a:extLst>
-              </a:tr>
-              <a:tr h="449729">
-                <a:tc>
-                  <a:txBody>
-                    <a:bodyPr/>
-                    <a:lstStyle/>
-                    <a:p>
-                      <a:pPr algn="just">
-                        <a:spcAft>
-                          <a:spcPts val="0"/>
-                        </a:spcAft>
-                      </a:pPr>
-                      <a:r>
-                        <a:rPr lang="zh-CN" sz="1200" kern="100">
-                          <a:effectLst/>
-                          <a:latin typeface="Times New Roman" panose="02020603050405020304" pitchFamily="18" charset="0"/>
-                          <a:ea typeface="宋体" panose="02010600030101010101" pitchFamily="2" charset="-122"/>
-                        </a:rPr>
-                        <a:t>第二阶段</a:t>
-                      </a:r>
-                      <a:endParaRPr lang="zh-CN" sz="1050" kern="100">
-                        <a:effectLst/>
-                        <a:latin typeface="Times New Roman" panose="02020603050405020304" pitchFamily="18" charset="0"/>
-                        <a:ea typeface="宋体" panose="02010600030101010101" pitchFamily="2" charset="-122"/>
-                      </a:endParaRPr>
-                    </a:p>
-                  </a:txBody>
-                  <a:tcPr marL="68580" marR="68580" marT="0" marB="0" anchor="ctr"/>
-                </a:tc>
-                <a:tc>
-                  <a:txBody>
-                    <a:bodyPr/>
-                    <a:lstStyle/>
-                    <a:p>
-                      <a:pPr algn="just">
-                        <a:spcAft>
-                          <a:spcPts val="0"/>
-                        </a:spcAft>
-                      </a:pPr>
-                      <a:r>
-                        <a:rPr lang="zh-CN" sz="1200" kern="100">
-                          <a:effectLst/>
-                          <a:latin typeface="Times New Roman" panose="02020603050405020304" pitchFamily="18" charset="0"/>
-                          <a:ea typeface="宋体" panose="02010600030101010101" pitchFamily="2" charset="-122"/>
-                        </a:rPr>
-                        <a:t>知识储备，方案设计</a:t>
-                      </a:r>
-                      <a:endParaRPr lang="zh-CN" sz="1050" kern="100">
-                        <a:effectLst/>
-                        <a:latin typeface="Times New Roman" panose="02020603050405020304" pitchFamily="18" charset="0"/>
-                        <a:ea typeface="宋体" panose="02010600030101010101" pitchFamily="2" charset="-122"/>
-                      </a:endParaRPr>
-                    </a:p>
-                  </a:txBody>
-                  <a:tcPr marL="68580" marR="68580" marT="0" marB="0" anchor="ctr"/>
-                </a:tc>
-                <a:tc>
-                  <a:txBody>
-                    <a:bodyPr/>
-                    <a:lstStyle/>
-                    <a:p>
-                      <a:pPr algn="just">
-                        <a:spcAft>
-                          <a:spcPts val="0"/>
-                        </a:spcAft>
-                      </a:pPr>
-                      <a:r>
-                        <a:rPr lang="en-US" sz="1200" kern="100" dirty="0">
-                          <a:effectLst/>
-                          <a:latin typeface="Times New Roman" panose="02020603050405020304" pitchFamily="18" charset="0"/>
-                          <a:ea typeface="宋体" panose="02010600030101010101" pitchFamily="2" charset="-122"/>
-                        </a:rPr>
-                        <a:t>2018.11.25</a:t>
-                      </a:r>
-                      <a:r>
-                        <a:rPr lang="zh-CN" sz="1200" kern="100" dirty="0">
-                          <a:effectLst/>
-                          <a:latin typeface="Times New Roman" panose="02020603050405020304" pitchFamily="18" charset="0"/>
-                          <a:ea typeface="宋体" panose="02010600030101010101" pitchFamily="2" charset="-122"/>
-                        </a:rPr>
-                        <a:t>——</a:t>
-                      </a:r>
-                      <a:r>
-                        <a:rPr lang="en-US" sz="1200" kern="100" dirty="0">
-                          <a:effectLst/>
-                          <a:latin typeface="Times New Roman" panose="02020603050405020304" pitchFamily="18" charset="0"/>
-                          <a:ea typeface="宋体" panose="02010600030101010101" pitchFamily="2" charset="-122"/>
-                        </a:rPr>
-                        <a:t>2018.10.27</a:t>
-                      </a:r>
-                      <a:endParaRPr lang="zh-CN" sz="1050" kern="100" dirty="0">
-                        <a:effectLst/>
-                        <a:latin typeface="Times New Roman" panose="02020603050405020304" pitchFamily="18" charset="0"/>
-                        <a:ea typeface="宋体" panose="02010600030101010101" pitchFamily="2" charset="-122"/>
-                      </a:endParaRPr>
-                    </a:p>
-                  </a:txBody>
-                  <a:tcPr marL="68580" marR="68580" marT="0" marB="0" anchor="ctr"/>
-                </a:tc>
-                <a:extLst>
-                  <a:ext uri="{0D108BD9-81ED-4DB2-BD59-A6C34878D82A}">
-                    <a16:rowId xmlns:a16="http://schemas.microsoft.com/office/drawing/2014/main" val="10002"/>
-                  </a:ext>
-                </a:extLst>
-              </a:tr>
-              <a:tr h="449729">
-                <a:tc>
-                  <a:txBody>
-                    <a:bodyPr/>
-                    <a:lstStyle/>
-                    <a:p>
-                      <a:pPr algn="just">
-                        <a:spcAft>
-                          <a:spcPts val="0"/>
-                        </a:spcAft>
-                      </a:pPr>
-                      <a:r>
-                        <a:rPr lang="zh-CN" sz="1200" kern="100">
-                          <a:effectLst/>
-                          <a:latin typeface="Times New Roman" panose="02020603050405020304" pitchFamily="18" charset="0"/>
-                          <a:ea typeface="宋体" panose="02010600030101010101" pitchFamily="2" charset="-122"/>
-                        </a:rPr>
-                        <a:t>第三阶段</a:t>
-                      </a:r>
-                      <a:endParaRPr lang="zh-CN" sz="1050" kern="100">
-                        <a:effectLst/>
-                        <a:latin typeface="Times New Roman" panose="02020603050405020304" pitchFamily="18" charset="0"/>
-                        <a:ea typeface="宋体" panose="02010600030101010101" pitchFamily="2" charset="-122"/>
-                      </a:endParaRPr>
-                    </a:p>
-                  </a:txBody>
-                  <a:tcPr marL="68580" marR="68580" marT="0" marB="0" anchor="ctr"/>
-                </a:tc>
-                <a:tc>
-                  <a:txBody>
-                    <a:bodyPr/>
-                    <a:lstStyle/>
-                    <a:p>
-                      <a:pPr algn="just">
-                        <a:spcAft>
-                          <a:spcPts val="0"/>
-                        </a:spcAft>
-                      </a:pPr>
-                      <a:r>
-                        <a:rPr lang="zh-CN" sz="1200" kern="100">
-                          <a:effectLst/>
-                          <a:latin typeface="Times New Roman" panose="02020603050405020304" pitchFamily="18" charset="0"/>
-                          <a:ea typeface="宋体" panose="02010600030101010101" pitchFamily="2" charset="-122"/>
-                        </a:rPr>
-                        <a:t>软件需求分析</a:t>
-                      </a:r>
-                      <a:endParaRPr lang="zh-CN" sz="1050" kern="100">
-                        <a:effectLst/>
-                        <a:latin typeface="Times New Roman" panose="02020603050405020304" pitchFamily="18" charset="0"/>
-                        <a:ea typeface="宋体" panose="02010600030101010101" pitchFamily="2" charset="-122"/>
-                      </a:endParaRPr>
-                    </a:p>
-                  </a:txBody>
-                  <a:tcPr marL="68580" marR="68580" marT="0" marB="0" anchor="ctr"/>
-                </a:tc>
-                <a:tc>
-                  <a:txBody>
-                    <a:bodyPr/>
-                    <a:lstStyle/>
-                    <a:p>
-                      <a:pPr algn="just">
-                        <a:spcAft>
-                          <a:spcPts val="0"/>
-                        </a:spcAft>
-                      </a:pPr>
-                      <a:r>
-                        <a:rPr lang="en-US" sz="1200" kern="100" dirty="0">
-                          <a:effectLst/>
-                          <a:latin typeface="Times New Roman" panose="02020603050405020304" pitchFamily="18" charset="0"/>
-                          <a:ea typeface="宋体" panose="02010600030101010101" pitchFamily="2" charset="-122"/>
-                        </a:rPr>
-                        <a:t>2018.11.27</a:t>
-                      </a:r>
-                      <a:r>
-                        <a:rPr lang="zh-CN" sz="1200" kern="100" dirty="0">
-                          <a:effectLst/>
-                          <a:latin typeface="Times New Roman" panose="02020603050405020304" pitchFamily="18" charset="0"/>
-                          <a:ea typeface="宋体" panose="02010600030101010101" pitchFamily="2" charset="-122"/>
-                        </a:rPr>
-                        <a:t>——</a:t>
-                      </a:r>
-                      <a:r>
-                        <a:rPr lang="en-US" sz="1200" kern="100" dirty="0">
-                          <a:effectLst/>
-                          <a:latin typeface="Times New Roman" panose="02020603050405020304" pitchFamily="18" charset="0"/>
-                          <a:ea typeface="宋体" panose="02010600030101010101" pitchFamily="2" charset="-122"/>
-                        </a:rPr>
-                        <a:t>2018.11.01</a:t>
-                      </a:r>
-                      <a:endParaRPr lang="zh-CN" sz="1050" kern="100" dirty="0">
-                        <a:effectLst/>
-                        <a:latin typeface="Times New Roman" panose="02020603050405020304" pitchFamily="18" charset="0"/>
-                        <a:ea typeface="宋体" panose="02010600030101010101" pitchFamily="2" charset="-122"/>
-                      </a:endParaRPr>
-                    </a:p>
-                  </a:txBody>
-                  <a:tcPr marL="68580" marR="68580" marT="0" marB="0" anchor="ctr"/>
-                </a:tc>
-                <a:extLst>
-                  <a:ext uri="{0D108BD9-81ED-4DB2-BD59-A6C34878D82A}">
-                    <a16:rowId xmlns:a16="http://schemas.microsoft.com/office/drawing/2014/main" val="10003"/>
-                  </a:ext>
-                </a:extLst>
-              </a:tr>
-              <a:tr h="449729">
-                <a:tc>
-                  <a:txBody>
-                    <a:bodyPr/>
-                    <a:lstStyle/>
-                    <a:p>
-                      <a:pPr algn="just">
-                        <a:spcAft>
-                          <a:spcPts val="0"/>
-                        </a:spcAft>
-                      </a:pPr>
-                      <a:r>
-                        <a:rPr lang="zh-CN" sz="1200" kern="100">
-                          <a:effectLst/>
-                          <a:latin typeface="Times New Roman" panose="02020603050405020304" pitchFamily="18" charset="0"/>
-                          <a:ea typeface="宋体" panose="02010600030101010101" pitchFamily="2" charset="-122"/>
-                        </a:rPr>
-                        <a:t>第四阶段</a:t>
-                      </a:r>
-                      <a:endParaRPr lang="zh-CN" sz="1050" kern="100">
-                        <a:effectLst/>
-                        <a:latin typeface="Times New Roman" panose="02020603050405020304" pitchFamily="18" charset="0"/>
-                        <a:ea typeface="宋体" panose="02010600030101010101" pitchFamily="2" charset="-122"/>
-                      </a:endParaRPr>
-                    </a:p>
-                  </a:txBody>
-                  <a:tcPr marL="68580" marR="68580" marT="0" marB="0" anchor="ctr"/>
-                </a:tc>
-                <a:tc>
-                  <a:txBody>
-                    <a:bodyPr/>
-                    <a:lstStyle/>
-                    <a:p>
-                      <a:pPr algn="just">
-                        <a:spcAft>
-                          <a:spcPts val="0"/>
-                        </a:spcAft>
-                      </a:pPr>
-                      <a:r>
-                        <a:rPr lang="zh-CN" sz="1200" kern="100">
-                          <a:effectLst/>
-                          <a:latin typeface="Times New Roman" panose="02020603050405020304" pitchFamily="18" charset="0"/>
-                          <a:ea typeface="宋体" panose="02010600030101010101" pitchFamily="2" charset="-122"/>
-                        </a:rPr>
-                        <a:t>系统总体设计</a:t>
-                      </a:r>
-                      <a:endParaRPr lang="zh-CN" sz="1050" kern="100">
-                        <a:effectLst/>
-                        <a:latin typeface="Times New Roman" panose="02020603050405020304" pitchFamily="18" charset="0"/>
-                        <a:ea typeface="宋体" panose="02010600030101010101" pitchFamily="2" charset="-122"/>
-                      </a:endParaRPr>
-                    </a:p>
-                  </a:txBody>
-                  <a:tcPr marL="68580" marR="68580" marT="0" marB="0" anchor="ctr"/>
-                </a:tc>
-                <a:tc>
-                  <a:txBody>
-                    <a:bodyPr/>
-                    <a:lstStyle/>
-                    <a:p>
-                      <a:pPr algn="just">
-                        <a:spcAft>
-                          <a:spcPts val="0"/>
-                        </a:spcAft>
-                      </a:pPr>
-                      <a:r>
-                        <a:rPr lang="en-US" sz="1200" kern="100" dirty="0">
-                          <a:effectLst/>
-                          <a:latin typeface="Times New Roman" panose="02020603050405020304" pitchFamily="18" charset="0"/>
-                          <a:ea typeface="宋体" panose="02010600030101010101" pitchFamily="2" charset="-122"/>
-                        </a:rPr>
-                        <a:t>2018.12.01</a:t>
-                      </a:r>
-                      <a:r>
-                        <a:rPr lang="zh-CN" sz="1200" kern="100" dirty="0">
-                          <a:effectLst/>
-                          <a:latin typeface="Times New Roman" panose="02020603050405020304" pitchFamily="18" charset="0"/>
-                          <a:ea typeface="宋体" panose="02010600030101010101" pitchFamily="2" charset="-122"/>
-                        </a:rPr>
-                        <a:t>——</a:t>
-                      </a:r>
-                      <a:r>
-                        <a:rPr lang="en-US" sz="1200" kern="100" dirty="0">
-                          <a:effectLst/>
-                          <a:latin typeface="Times New Roman" panose="02020603050405020304" pitchFamily="18" charset="0"/>
-                          <a:ea typeface="宋体" panose="02010600030101010101" pitchFamily="2" charset="-122"/>
-                        </a:rPr>
-                        <a:t>2018.11.03</a:t>
-                      </a:r>
-                      <a:endParaRPr lang="zh-CN" sz="1050" kern="100" dirty="0">
-                        <a:effectLst/>
-                        <a:latin typeface="Times New Roman" panose="02020603050405020304" pitchFamily="18" charset="0"/>
-                        <a:ea typeface="宋体" panose="02010600030101010101" pitchFamily="2" charset="-122"/>
-                      </a:endParaRPr>
-                    </a:p>
-                  </a:txBody>
-                  <a:tcPr marL="68580" marR="68580" marT="0" marB="0" anchor="ctr"/>
-                </a:tc>
-                <a:extLst>
-                  <a:ext uri="{0D108BD9-81ED-4DB2-BD59-A6C34878D82A}">
-                    <a16:rowId xmlns:a16="http://schemas.microsoft.com/office/drawing/2014/main" val="10004"/>
-                  </a:ext>
-                </a:extLst>
-              </a:tr>
-              <a:tr h="449729">
-                <a:tc>
-                  <a:txBody>
-                    <a:bodyPr/>
-                    <a:lstStyle/>
-                    <a:p>
-                      <a:pPr algn="just">
-                        <a:spcAft>
-                          <a:spcPts val="0"/>
-                        </a:spcAft>
-                      </a:pPr>
-                      <a:r>
-                        <a:rPr lang="zh-CN" sz="1200" kern="100">
-                          <a:effectLst/>
-                          <a:latin typeface="Times New Roman" panose="02020603050405020304" pitchFamily="18" charset="0"/>
-                          <a:ea typeface="宋体" panose="02010600030101010101" pitchFamily="2" charset="-122"/>
-                        </a:rPr>
-                        <a:t>第五阶段</a:t>
-                      </a:r>
-                      <a:endParaRPr lang="zh-CN" sz="1050" kern="100">
-                        <a:effectLst/>
-                        <a:latin typeface="Times New Roman" panose="02020603050405020304" pitchFamily="18" charset="0"/>
-                        <a:ea typeface="宋体" panose="02010600030101010101" pitchFamily="2" charset="-122"/>
-                      </a:endParaRPr>
-                    </a:p>
-                  </a:txBody>
-                  <a:tcPr marL="68580" marR="68580" marT="0" marB="0" anchor="ctr"/>
-                </a:tc>
-                <a:tc>
-                  <a:txBody>
-                    <a:bodyPr/>
-                    <a:lstStyle/>
-                    <a:p>
-                      <a:pPr algn="just">
-                        <a:spcAft>
-                          <a:spcPts val="0"/>
-                        </a:spcAft>
-                      </a:pPr>
-                      <a:r>
-                        <a:rPr lang="zh-CN" sz="1200" kern="100">
-                          <a:effectLst/>
-                          <a:latin typeface="Times New Roman" panose="02020603050405020304" pitchFamily="18" charset="0"/>
-                          <a:ea typeface="宋体" panose="02010600030101010101" pitchFamily="2" charset="-122"/>
-                        </a:rPr>
-                        <a:t>软件概要设计及详细设计</a:t>
-                      </a:r>
-                      <a:endParaRPr lang="zh-CN" sz="1050" kern="100">
-                        <a:effectLst/>
-                        <a:latin typeface="Times New Roman" panose="02020603050405020304" pitchFamily="18" charset="0"/>
-                        <a:ea typeface="宋体" panose="02010600030101010101" pitchFamily="2" charset="-122"/>
-                      </a:endParaRPr>
-                    </a:p>
-                  </a:txBody>
-                  <a:tcPr marL="68580" marR="68580" marT="0" marB="0" anchor="ctr"/>
-                </a:tc>
-                <a:tc>
-                  <a:txBody>
-                    <a:bodyPr/>
-                    <a:lstStyle/>
-                    <a:p>
-                      <a:pPr algn="just">
-                        <a:spcAft>
-                          <a:spcPts val="0"/>
-                        </a:spcAft>
-                      </a:pPr>
-                      <a:r>
-                        <a:rPr lang="en-US" sz="1200" kern="100" dirty="0">
-                          <a:effectLst/>
-                          <a:latin typeface="Times New Roman" panose="02020603050405020304" pitchFamily="18" charset="0"/>
-                          <a:ea typeface="宋体" panose="02010600030101010101" pitchFamily="2" charset="-122"/>
-                        </a:rPr>
-                        <a:t>2018.12.03</a:t>
-                      </a:r>
-                      <a:r>
-                        <a:rPr lang="zh-CN" sz="1200" kern="100" dirty="0">
-                          <a:effectLst/>
-                          <a:latin typeface="Times New Roman" panose="02020603050405020304" pitchFamily="18" charset="0"/>
-                          <a:ea typeface="宋体" panose="02010600030101010101" pitchFamily="2" charset="-122"/>
-                        </a:rPr>
-                        <a:t>——</a:t>
-                      </a:r>
-                      <a:r>
-                        <a:rPr lang="en-US" sz="1200" kern="100" dirty="0">
-                          <a:effectLst/>
-                          <a:latin typeface="Times New Roman" panose="02020603050405020304" pitchFamily="18" charset="0"/>
-                          <a:ea typeface="宋体" panose="02010600030101010101" pitchFamily="2" charset="-122"/>
-                        </a:rPr>
-                        <a:t>2018.11.29</a:t>
-                      </a:r>
-                      <a:endParaRPr lang="zh-CN" sz="1050" kern="100" dirty="0">
-                        <a:effectLst/>
-                        <a:latin typeface="Times New Roman" panose="02020603050405020304" pitchFamily="18" charset="0"/>
-                        <a:ea typeface="宋体" panose="02010600030101010101" pitchFamily="2" charset="-122"/>
-                      </a:endParaRPr>
-                    </a:p>
-                  </a:txBody>
-                  <a:tcPr marL="68580" marR="68580" marT="0" marB="0" anchor="ctr"/>
-                </a:tc>
-                <a:extLst>
-                  <a:ext uri="{0D108BD9-81ED-4DB2-BD59-A6C34878D82A}">
-                    <a16:rowId xmlns:a16="http://schemas.microsoft.com/office/drawing/2014/main" val="10005"/>
-                  </a:ext>
-                </a:extLst>
-              </a:tr>
-              <a:tr h="449729">
-                <a:tc>
-                  <a:txBody>
-                    <a:bodyPr/>
-                    <a:lstStyle/>
-                    <a:p>
-                      <a:pPr algn="just">
-                        <a:spcAft>
-                          <a:spcPts val="0"/>
-                        </a:spcAft>
-                      </a:pPr>
-                      <a:r>
-                        <a:rPr lang="zh-CN" sz="1200" kern="100">
-                          <a:effectLst/>
-                          <a:latin typeface="Times New Roman" panose="02020603050405020304" pitchFamily="18" charset="0"/>
-                          <a:ea typeface="宋体" panose="02010600030101010101" pitchFamily="2" charset="-122"/>
-                        </a:rPr>
-                        <a:t>第六阶段</a:t>
-                      </a:r>
-                      <a:endParaRPr lang="zh-CN" sz="1050" kern="100">
-                        <a:effectLst/>
-                        <a:latin typeface="Times New Roman" panose="02020603050405020304" pitchFamily="18" charset="0"/>
-                        <a:ea typeface="宋体" panose="02010600030101010101" pitchFamily="2" charset="-122"/>
-                      </a:endParaRPr>
-                    </a:p>
-                  </a:txBody>
-                  <a:tcPr marL="68580" marR="68580" marT="0" marB="0" anchor="ctr"/>
-                </a:tc>
-                <a:tc>
-                  <a:txBody>
-                    <a:bodyPr/>
-                    <a:lstStyle/>
-                    <a:p>
-                      <a:pPr algn="just">
-                        <a:spcAft>
-                          <a:spcPts val="0"/>
-                        </a:spcAft>
-                      </a:pPr>
-                      <a:r>
-                        <a:rPr lang="zh-CN" sz="1200" kern="100">
-                          <a:effectLst/>
-                          <a:latin typeface="Times New Roman" panose="02020603050405020304" pitchFamily="18" charset="0"/>
-                          <a:ea typeface="宋体" panose="02010600030101010101" pitchFamily="2" charset="-122"/>
-                        </a:rPr>
-                        <a:t>程序代码编写</a:t>
-                      </a:r>
-                      <a:endParaRPr lang="zh-CN" sz="1050" kern="100">
-                        <a:effectLst/>
-                        <a:latin typeface="Times New Roman" panose="02020603050405020304" pitchFamily="18" charset="0"/>
-                        <a:ea typeface="宋体" panose="02010600030101010101" pitchFamily="2" charset="-122"/>
-                      </a:endParaRPr>
-                    </a:p>
-                  </a:txBody>
-                  <a:tcPr marL="68580" marR="68580" marT="0" marB="0" anchor="ctr"/>
-                </a:tc>
-                <a:tc>
-                  <a:txBody>
-                    <a:bodyPr/>
-                    <a:lstStyle/>
-                    <a:p>
-                      <a:pPr algn="just">
-                        <a:spcAft>
-                          <a:spcPts val="0"/>
-                        </a:spcAft>
-                      </a:pPr>
-                      <a:r>
-                        <a:rPr lang="en-US" sz="1200" kern="100" dirty="0">
-                          <a:effectLst/>
-                          <a:latin typeface="Times New Roman" panose="02020603050405020304" pitchFamily="18" charset="0"/>
-                          <a:ea typeface="宋体" panose="02010600030101010101" pitchFamily="2" charset="-122"/>
-                        </a:rPr>
-                        <a:t>2018.12.30</a:t>
-                      </a:r>
-                      <a:r>
-                        <a:rPr lang="zh-CN" sz="1200" kern="100" dirty="0">
-                          <a:effectLst/>
-                          <a:latin typeface="Times New Roman" panose="02020603050405020304" pitchFamily="18" charset="0"/>
-                          <a:ea typeface="宋体" panose="02010600030101010101" pitchFamily="2" charset="-122"/>
-                        </a:rPr>
-                        <a:t>——</a:t>
-                      </a:r>
-                      <a:r>
-                        <a:rPr lang="en-US" sz="1200" kern="100" dirty="0">
-                          <a:effectLst/>
-                          <a:latin typeface="Times New Roman" panose="02020603050405020304" pitchFamily="18" charset="0"/>
-                          <a:ea typeface="宋体" panose="02010600030101010101" pitchFamily="2" charset="-122"/>
-                        </a:rPr>
-                        <a:t>2019.03.25</a:t>
-                      </a:r>
-                      <a:endParaRPr lang="zh-CN" sz="1050" kern="100" dirty="0">
-                        <a:effectLst/>
-                        <a:latin typeface="Times New Roman" panose="02020603050405020304" pitchFamily="18" charset="0"/>
-                        <a:ea typeface="宋体" panose="02010600030101010101" pitchFamily="2" charset="-122"/>
-                      </a:endParaRPr>
-                    </a:p>
-                  </a:txBody>
-                  <a:tcPr marL="68580" marR="68580" marT="0" marB="0" anchor="ctr"/>
-                </a:tc>
-                <a:extLst>
-                  <a:ext uri="{0D108BD9-81ED-4DB2-BD59-A6C34878D82A}">
-                    <a16:rowId xmlns:a16="http://schemas.microsoft.com/office/drawing/2014/main" val="10006"/>
-                  </a:ext>
-                </a:extLst>
-              </a:tr>
-              <a:tr h="449729">
-                <a:tc>
-                  <a:txBody>
-                    <a:bodyPr/>
-                    <a:lstStyle/>
-                    <a:p>
-                      <a:pPr algn="just">
-                        <a:spcAft>
-                          <a:spcPts val="0"/>
-                        </a:spcAft>
-                      </a:pPr>
-                      <a:r>
-                        <a:rPr lang="zh-CN" sz="1200" kern="100">
-                          <a:effectLst/>
-                          <a:latin typeface="Times New Roman" panose="02020603050405020304" pitchFamily="18" charset="0"/>
-                          <a:ea typeface="宋体" panose="02010600030101010101" pitchFamily="2" charset="-122"/>
-                        </a:rPr>
-                        <a:t>第七阶段</a:t>
-                      </a:r>
-                      <a:endParaRPr lang="zh-CN" sz="1050" kern="100">
-                        <a:effectLst/>
-                        <a:latin typeface="Times New Roman" panose="02020603050405020304" pitchFamily="18" charset="0"/>
-                        <a:ea typeface="宋体" panose="02010600030101010101" pitchFamily="2" charset="-122"/>
-                      </a:endParaRPr>
-                    </a:p>
-                  </a:txBody>
-                  <a:tcPr marL="68580" marR="68580" marT="0" marB="0" anchor="ctr"/>
-                </a:tc>
-                <a:tc>
-                  <a:txBody>
-                    <a:bodyPr/>
-                    <a:lstStyle/>
-                    <a:p>
-                      <a:pPr algn="just">
-                        <a:spcAft>
-                          <a:spcPts val="0"/>
-                        </a:spcAft>
-                      </a:pPr>
-                      <a:r>
-                        <a:rPr lang="zh-CN" sz="1200" kern="100">
-                          <a:effectLst/>
-                          <a:latin typeface="Times New Roman" panose="02020603050405020304" pitchFamily="18" charset="0"/>
-                          <a:ea typeface="宋体" panose="02010600030101010101" pitchFamily="2" charset="-122"/>
-                        </a:rPr>
-                        <a:t>软件测试及验收</a:t>
-                      </a:r>
-                      <a:endParaRPr lang="zh-CN" sz="1050" kern="100">
-                        <a:effectLst/>
-                        <a:latin typeface="Times New Roman" panose="02020603050405020304" pitchFamily="18" charset="0"/>
-                        <a:ea typeface="宋体" panose="02010600030101010101" pitchFamily="2" charset="-122"/>
-                      </a:endParaRPr>
-                    </a:p>
-                  </a:txBody>
-                  <a:tcPr marL="68580" marR="68580" marT="0" marB="0" anchor="ctr"/>
-                </a:tc>
-                <a:tc>
-                  <a:txBody>
-                    <a:bodyPr/>
-                    <a:lstStyle/>
-                    <a:p>
-                      <a:pPr algn="just">
-                        <a:spcAft>
-                          <a:spcPts val="0"/>
-                        </a:spcAft>
-                      </a:pPr>
-                      <a:r>
-                        <a:rPr lang="en-US" sz="1200" kern="100" dirty="0">
-                          <a:effectLst/>
-                          <a:latin typeface="Times New Roman" panose="02020603050405020304" pitchFamily="18" charset="0"/>
-                          <a:ea typeface="宋体" panose="02010600030101010101" pitchFamily="2" charset="-122"/>
-                        </a:rPr>
-                        <a:t>2019.03.25</a:t>
-                      </a:r>
-                      <a:r>
-                        <a:rPr lang="zh-CN" sz="1200" kern="100" dirty="0">
-                          <a:effectLst/>
-                          <a:latin typeface="Times New Roman" panose="02020603050405020304" pitchFamily="18" charset="0"/>
-                          <a:ea typeface="宋体" panose="02010600030101010101" pitchFamily="2" charset="-122"/>
-                        </a:rPr>
-                        <a:t>——</a:t>
-                      </a:r>
-                      <a:r>
-                        <a:rPr lang="en-US" sz="1200" kern="100" dirty="0">
-                          <a:effectLst/>
-                          <a:latin typeface="Times New Roman" panose="02020603050405020304" pitchFamily="18" charset="0"/>
-                          <a:ea typeface="宋体" panose="02010600030101010101" pitchFamily="2" charset="-122"/>
-                        </a:rPr>
-                        <a:t>2019.04.10</a:t>
-                      </a:r>
-                      <a:endParaRPr lang="zh-CN" sz="1050" kern="100" dirty="0">
-                        <a:effectLst/>
-                        <a:latin typeface="Times New Roman" panose="02020603050405020304" pitchFamily="18" charset="0"/>
-                        <a:ea typeface="宋体" panose="02010600030101010101" pitchFamily="2" charset="-122"/>
-                      </a:endParaRPr>
-                    </a:p>
-                  </a:txBody>
-                  <a:tcPr marL="68580" marR="68580" marT="0" marB="0" anchor="ctr"/>
-                </a:tc>
-                <a:extLst>
-                  <a:ext uri="{0D108BD9-81ED-4DB2-BD59-A6C34878D82A}">
-                    <a16:rowId xmlns:a16="http://schemas.microsoft.com/office/drawing/2014/main" val="10007"/>
-                  </a:ext>
-                </a:extLst>
-              </a:tr>
-              <a:tr h="449729">
-                <a:tc>
-                  <a:txBody>
-                    <a:bodyPr/>
-                    <a:lstStyle/>
-                    <a:p>
-                      <a:pPr algn="just">
-                        <a:spcAft>
-                          <a:spcPts val="0"/>
-                        </a:spcAft>
-                      </a:pPr>
-                      <a:r>
-                        <a:rPr lang="zh-CN" sz="1200" kern="100">
-                          <a:effectLst/>
-                          <a:latin typeface="Times New Roman" panose="02020603050405020304" pitchFamily="18" charset="0"/>
-                          <a:ea typeface="宋体" panose="02010600030101010101" pitchFamily="2" charset="-122"/>
-                        </a:rPr>
-                        <a:t>第八阶段</a:t>
-                      </a:r>
-                      <a:endParaRPr lang="zh-CN" sz="1050" kern="100">
-                        <a:effectLst/>
-                        <a:latin typeface="Times New Roman" panose="02020603050405020304" pitchFamily="18" charset="0"/>
-                        <a:ea typeface="宋体" panose="02010600030101010101" pitchFamily="2" charset="-122"/>
-                      </a:endParaRPr>
-                    </a:p>
-                  </a:txBody>
-                  <a:tcPr marL="68580" marR="68580" marT="0" marB="0" anchor="ctr"/>
-                </a:tc>
-                <a:tc>
-                  <a:txBody>
-                    <a:bodyPr/>
-                    <a:lstStyle/>
-                    <a:p>
-                      <a:pPr algn="just">
-                        <a:spcAft>
-                          <a:spcPts val="0"/>
-                        </a:spcAft>
-                      </a:pPr>
-                      <a:r>
-                        <a:rPr lang="zh-CN" sz="1200" kern="100">
-                          <a:effectLst/>
-                          <a:latin typeface="Times New Roman" panose="02020603050405020304" pitchFamily="18" charset="0"/>
-                          <a:ea typeface="宋体" panose="02010600030101010101" pitchFamily="2" charset="-122"/>
-                        </a:rPr>
-                        <a:t>答辩准备</a:t>
-                      </a:r>
-                      <a:endParaRPr lang="zh-CN" sz="1050" kern="100">
-                        <a:effectLst/>
-                        <a:latin typeface="Times New Roman" panose="02020603050405020304" pitchFamily="18" charset="0"/>
-                        <a:ea typeface="宋体" panose="02010600030101010101" pitchFamily="2" charset="-122"/>
-                      </a:endParaRPr>
-                    </a:p>
-                  </a:txBody>
-                  <a:tcPr marL="68580" marR="68580" marT="0" marB="0" anchor="ctr"/>
-                </a:tc>
-                <a:tc>
-                  <a:txBody>
-                    <a:bodyPr/>
-                    <a:lstStyle/>
-                    <a:p>
-                      <a:pPr algn="just">
-                        <a:spcAft>
-                          <a:spcPts val="0"/>
-                        </a:spcAft>
-                      </a:pPr>
-                      <a:r>
-                        <a:rPr lang="en-US" sz="1200" kern="100" dirty="0">
-                          <a:effectLst/>
-                          <a:latin typeface="Times New Roman" panose="02020603050405020304" pitchFamily="18" charset="0"/>
-                          <a:ea typeface="宋体" panose="02010600030101010101" pitchFamily="2" charset="-122"/>
-                        </a:rPr>
-                        <a:t>2019.04.10</a:t>
-                      </a:r>
-                      <a:r>
-                        <a:rPr lang="zh-CN" sz="1200" kern="100" dirty="0">
-                          <a:effectLst/>
-                          <a:latin typeface="Times New Roman" panose="02020603050405020304" pitchFamily="18" charset="0"/>
-                          <a:ea typeface="宋体" panose="02010600030101010101" pitchFamily="2" charset="-122"/>
-                        </a:rPr>
-                        <a:t>——</a:t>
-                      </a:r>
-                      <a:r>
-                        <a:rPr lang="en-US" sz="1200" kern="100" dirty="0">
-                          <a:effectLst/>
-                          <a:latin typeface="Times New Roman" panose="02020603050405020304" pitchFamily="18" charset="0"/>
-                          <a:ea typeface="宋体" panose="02010600030101010101" pitchFamily="2" charset="-122"/>
-                        </a:rPr>
-                        <a:t>2019.04.17</a:t>
-                      </a:r>
-                      <a:endParaRPr lang="zh-CN" sz="1050" kern="100" dirty="0">
-                        <a:effectLst/>
-                        <a:latin typeface="Times New Roman" panose="02020603050405020304" pitchFamily="18" charset="0"/>
-                        <a:ea typeface="宋体" panose="02010600030101010101" pitchFamily="2" charset="-122"/>
-                      </a:endParaRPr>
-                    </a:p>
-                  </a:txBody>
-                  <a:tcPr marL="68580" marR="68580" marT="0" marB="0" anchor="ctr"/>
-                </a:tc>
-                <a:extLst>
-                  <a:ext uri="{0D108BD9-81ED-4DB2-BD59-A6C34878D82A}">
-                    <a16:rowId xmlns:a16="http://schemas.microsoft.com/office/drawing/2014/main" val="10008"/>
-                  </a:ext>
-                </a:extLst>
-              </a:tr>
-            </a:tbl>
-          </a:graphicData>
-        </a:graphic>
-      </p:graphicFrame>
     </p:spTree>
   </p:cSld>
   <p:clrMapOvr>
@@ -27427,8 +26595,6 @@
       </a:bgFillStyleLst>
     </a:fmtScheme>
   </a:themeElements>
-  <a:objectDefaults/>
-  <a:extraClrSchemeLst/>
   <a:extLst>
     <a:ext uri="{05A4C25C-085E-4340-85A3-A5531E510DB2}">
       <thm15:themeFamily xmlns:thm15="http://schemas.microsoft.com/office/thememl/2012/main" name="Office Theme" id="{62F939B6-93AF-4DB8-9C6B-D6C7DFDC589F}" vid="{4A3C46E8-61CC-4603-A589-7422A47A8E4A}"/>
@@ -27715,8 +26881,6 @@
       </a:bgFillStyleLst>
     </a:fmtScheme>
   </a:themeElements>
-  <a:objectDefaults/>
-  <a:extraClrSchemeLst/>
   <a:extLst>
     <a:ext uri="{05A4C25C-085E-4340-85A3-A5531E510DB2}">
       <thm15:themeFamily xmlns:thm15="http://schemas.microsoft.com/office/thememl/2012/main" name="Office Theme" id="{62F939B6-93AF-4DB8-9C6B-D6C7DFDC589F}" vid="{4A3C46E8-61CC-4603-A589-7422A47A8E4A}"/>
